--- a/Tropism_Timing.pptx
+++ b/Tropism_Timing.pptx
@@ -6,20 +6,22 @@
   </p:sldMasterIdLst>
   <p:sldIdLst>
     <p:sldId id="256" r:id="rId2"/>
-    <p:sldId id="257" r:id="rId3"/>
-    <p:sldId id="258" r:id="rId4"/>
-    <p:sldId id="259" r:id="rId5"/>
-    <p:sldId id="260" r:id="rId6"/>
-    <p:sldId id="261" r:id="rId7"/>
-    <p:sldId id="262" r:id="rId8"/>
-    <p:sldId id="265" r:id="rId9"/>
-    <p:sldId id="264" r:id="rId10"/>
-    <p:sldId id="266" r:id="rId11"/>
-    <p:sldId id="267" r:id="rId12"/>
-    <p:sldId id="268" r:id="rId13"/>
-    <p:sldId id="270" r:id="rId14"/>
+    <p:sldId id="272" r:id="rId3"/>
+    <p:sldId id="257" r:id="rId4"/>
+    <p:sldId id="258" r:id="rId5"/>
+    <p:sldId id="259" r:id="rId6"/>
+    <p:sldId id="260" r:id="rId7"/>
+    <p:sldId id="261" r:id="rId8"/>
+    <p:sldId id="262" r:id="rId9"/>
+    <p:sldId id="265" r:id="rId10"/>
+    <p:sldId id="264" r:id="rId11"/>
+    <p:sldId id="266" r:id="rId12"/>
+    <p:sldId id="267" r:id="rId13"/>
+    <p:sldId id="268" r:id="rId14"/>
     <p:sldId id="269" r:id="rId15"/>
-    <p:sldId id="263" r:id="rId16"/>
+    <p:sldId id="271" r:id="rId16"/>
+    <p:sldId id="273" r:id="rId17"/>
+    <p:sldId id="263" r:id="rId18"/>
   </p:sldIdLst>
   <p:sldSz cx="12192000" cy="6858000"/>
   <p:notesSz cx="6858000" cy="9144000"/>
@@ -121,7 +123,7 @@
   <p:extLst>
     <p:ext uri="{EFAFB233-063F-42B5-8137-9DF3F51BA10A}">
       <p15:sldGuideLst xmlns:p15="http://schemas.microsoft.com/office/powerpoint/2012/main">
-        <p15:guide id="1" orient="horz" pos="2160" userDrawn="1">
+        <p15:guide id="1" orient="horz" pos="2183" userDrawn="1">
           <p15:clr>
             <a:srgbClr val="A4A3A4"/>
           </p15:clr>
@@ -3393,7 +3395,10 @@
           <a:bodyPr/>
           <a:lstStyle/>
           <a:p>
-            <a:endParaRPr lang="en-AT"/>
+            <a:r>
+              <a:rPr lang="en-AT" dirty="0"/>
+              <a:t>(qualitatively) time metastatic seeding</a:t>
+            </a:r>
           </a:p>
         </p:txBody>
       </p:sp>
@@ -3418,7 +3423,13 @@
           <a:bodyPr/>
           <a:lstStyle/>
           <a:p>
-            <a:endParaRPr lang="en-AT"/>
+            <a:endParaRPr lang="en-AT" dirty="0"/>
+          </a:p>
+          <a:p>
+            <a:r>
+              <a:rPr lang="en-AT" dirty="0"/>
+              <a:t>01/11/2022</a:t>
+            </a:r>
           </a:p>
         </p:txBody>
       </p:sp>
@@ -3436,6 +3447,197 @@
 </file>
 
 <file path=ppt/slides/slide10.xml><?xml version="1.0" encoding="utf-8"?>
+<p:sld xmlns:a="http://schemas.openxmlformats.org/drawingml/2006/main" xmlns:r="http://schemas.openxmlformats.org/officeDocument/2006/relationships" xmlns:p="http://schemas.openxmlformats.org/presentationml/2006/main">
+  <p:cSld>
+    <p:spTree>
+      <p:nvGrpSpPr>
+        <p:cNvPr id="1" name=""/>
+        <p:cNvGrpSpPr/>
+        <p:nvPr/>
+      </p:nvGrpSpPr>
+      <p:grpSpPr>
+        <a:xfrm>
+          <a:off x="0" y="0"/>
+          <a:ext cx="0" cy="0"/>
+          <a:chOff x="0" y="0"/>
+          <a:chExt cx="0" cy="0"/>
+        </a:xfrm>
+      </p:grpSpPr>
+      <p:sp>
+        <p:nvSpPr>
+          <p:cNvPr id="2" name="Title 1">
+            <a:extLst>
+              <a:ext uri="{FF2B5EF4-FFF2-40B4-BE49-F238E27FC236}">
+                <a16:creationId xmlns:a16="http://schemas.microsoft.com/office/drawing/2014/main" id="{FE1F5090-9D47-EF43-8D11-32960E5BA4A4}"/>
+              </a:ext>
+            </a:extLst>
+          </p:cNvPr>
+          <p:cNvSpPr>
+            <a:spLocks noGrp="1"/>
+          </p:cNvSpPr>
+          <p:nvPr>
+            <p:ph type="title"/>
+          </p:nvPr>
+        </p:nvSpPr>
+        <p:spPr/>
+        <p:txBody>
+          <a:bodyPr>
+            <a:normAutofit/>
+          </a:bodyPr>
+          <a:lstStyle/>
+          <a:p>
+            <a:r>
+              <a:rPr lang="en-AT" sz="3200" dirty="0"/>
+              <a:t>Limitations</a:t>
+            </a:r>
+          </a:p>
+        </p:txBody>
+      </p:sp>
+      <p:sp>
+        <p:nvSpPr>
+          <p:cNvPr id="3" name="Content Placeholder 2">
+            <a:extLst>
+              <a:ext uri="{FF2B5EF4-FFF2-40B4-BE49-F238E27FC236}">
+                <a16:creationId xmlns:a16="http://schemas.microsoft.com/office/drawing/2014/main" id="{BEA26259-0633-A043-B13A-6C789BC1C014}"/>
+              </a:ext>
+            </a:extLst>
+          </p:cNvPr>
+          <p:cNvSpPr>
+            <a:spLocks noGrp="1"/>
+          </p:cNvSpPr>
+          <p:nvPr>
+            <p:ph idx="1"/>
+          </p:nvPr>
+        </p:nvSpPr>
+        <p:spPr/>
+        <p:txBody>
+          <a:bodyPr/>
+          <a:lstStyle/>
+          <a:p>
+            <a:pPr>
+              <a:buFont typeface="System Font Regular"/>
+              <a:buChar char="-"/>
+            </a:pPr>
+            <a:r>
+              <a:rPr lang="en-AT" sz="2600" dirty="0"/>
+              <a:t>Reference group needed for statistical inference</a:t>
+            </a:r>
+          </a:p>
+          <a:p>
+            <a:pPr>
+              <a:buFont typeface="System Font Regular"/>
+              <a:buChar char="-"/>
+            </a:pPr>
+            <a:r>
+              <a:rPr lang="en-AT" sz="2600" dirty="0"/>
+              <a:t>Ties (two organ sites at the same time) are not supported</a:t>
+            </a:r>
+          </a:p>
+          <a:p>
+            <a:pPr>
+              <a:buFont typeface="System Font Regular"/>
+              <a:buChar char="-"/>
+            </a:pPr>
+            <a:r>
+              <a:rPr lang="en-AT" sz="2600" dirty="0"/>
+              <a:t>Qualitative measure (time agnostic)</a:t>
+            </a:r>
+          </a:p>
+          <a:p>
+            <a:pPr>
+              <a:buFont typeface="System Font Regular"/>
+              <a:buChar char="-"/>
+            </a:pPr>
+            <a:endParaRPr lang="en-AT" sz="2600" b="1" dirty="0"/>
+          </a:p>
+          <a:p>
+            <a:pPr>
+              <a:buFont typeface="System Font Regular"/>
+              <a:buChar char="±"/>
+            </a:pPr>
+            <a:r>
+              <a:rPr lang="en-AT" sz="2600" dirty="0"/>
+              <a:t>BradleyTerry model propose a </a:t>
+            </a:r>
+            <a:r>
+              <a:rPr lang="en-AT" sz="2600" b="1" dirty="0"/>
+              <a:t>point estimate </a:t>
+            </a:r>
+            <a:r>
+              <a:rPr lang="en-AT" sz="2600" dirty="0"/>
+              <a:t>in time (i.e., Rank1)</a:t>
+            </a:r>
+          </a:p>
+          <a:p>
+            <a:pPr marL="0" indent="0">
+              <a:buNone/>
+            </a:pPr>
+            <a:endParaRPr lang="en-AT" sz="2600" b="1" dirty="0"/>
+          </a:p>
+          <a:p>
+            <a:pPr>
+              <a:buFont typeface="System Font Regular"/>
+              <a:buChar char="+"/>
+            </a:pPr>
+            <a:r>
+              <a:rPr lang="en-AT" sz="2600" dirty="0"/>
+              <a:t>BT model estimates recapitualte ‘simple’ observations </a:t>
+            </a:r>
+          </a:p>
+          <a:p>
+            <a:pPr>
+              <a:buFont typeface="System Font Regular"/>
+              <a:buChar char="+"/>
+            </a:pPr>
+            <a:r>
+              <a:rPr lang="en-AT" sz="2600" dirty="0"/>
+              <a:t>Straightforward in interpretation</a:t>
+            </a:r>
+          </a:p>
+          <a:p>
+            <a:pPr>
+              <a:buFont typeface="System Font Regular"/>
+              <a:buChar char="+"/>
+            </a:pPr>
+            <a:endParaRPr lang="en-AT" dirty="0"/>
+          </a:p>
+          <a:p>
+            <a:pPr>
+              <a:buFont typeface="System Font Regular"/>
+              <a:buChar char="+"/>
+            </a:pPr>
+            <a:endParaRPr lang="en-AT" dirty="0"/>
+          </a:p>
+          <a:p>
+            <a:pPr>
+              <a:buFont typeface="System Font Regular"/>
+              <a:buChar char="-"/>
+            </a:pPr>
+            <a:endParaRPr lang="en-AT" dirty="0"/>
+          </a:p>
+          <a:p>
+            <a:pPr>
+              <a:buFont typeface="System Font Regular"/>
+              <a:buChar char="-"/>
+            </a:pPr>
+            <a:endParaRPr lang="en-AT" dirty="0"/>
+          </a:p>
+        </p:txBody>
+      </p:sp>
+    </p:spTree>
+    <p:extLst>
+      <p:ext uri="{BB962C8B-B14F-4D97-AF65-F5344CB8AC3E}">
+        <p14:creationId xmlns:p14="http://schemas.microsoft.com/office/powerpoint/2010/main" val="3307899395"/>
+      </p:ext>
+    </p:extLst>
+  </p:cSld>
+  <p:clrMapOvr>
+    <a:masterClrMapping/>
+  </p:clrMapOvr>
+</p:sld>
+</file>
+
+<file path=ppt/slides/slide11.xml><?xml version="1.0" encoding="utf-8"?>
 <p:sld xmlns:a="http://schemas.openxmlformats.org/drawingml/2006/main" xmlns:r="http://schemas.openxmlformats.org/officeDocument/2006/relationships" xmlns:p="http://schemas.openxmlformats.org/presentationml/2006/main">
   <p:cSld>
     <p:spTree>
@@ -4007,238 +4209,6 @@
 </p:sld>
 </file>
 
-<file path=ppt/slides/slide11.xml><?xml version="1.0" encoding="utf-8"?>
-<p:sld xmlns:a="http://schemas.openxmlformats.org/drawingml/2006/main" xmlns:r="http://schemas.openxmlformats.org/officeDocument/2006/relationships" xmlns:p="http://schemas.openxmlformats.org/presentationml/2006/main">
-  <p:cSld>
-    <p:spTree>
-      <p:nvGrpSpPr>
-        <p:cNvPr id="1" name=""/>
-        <p:cNvGrpSpPr/>
-        <p:nvPr/>
-      </p:nvGrpSpPr>
-      <p:grpSpPr>
-        <a:xfrm>
-          <a:off x="0" y="0"/>
-          <a:ext cx="0" cy="0"/>
-          <a:chOff x="0" y="0"/>
-          <a:chExt cx="0" cy="0"/>
-        </a:xfrm>
-      </p:grpSpPr>
-      <p:sp>
-        <p:nvSpPr>
-          <p:cNvPr id="2" name="Title 1">
-            <a:extLst>
-              <a:ext uri="{FF2B5EF4-FFF2-40B4-BE49-F238E27FC236}">
-                <a16:creationId xmlns:a16="http://schemas.microsoft.com/office/drawing/2014/main" id="{D6FDCEE0-C620-B24D-A70A-A3809CCDAA92}"/>
-              </a:ext>
-            </a:extLst>
-          </p:cNvPr>
-          <p:cNvSpPr>
-            <a:spLocks noGrp="1"/>
-          </p:cNvSpPr>
-          <p:nvPr>
-            <p:ph type="title"/>
-          </p:nvPr>
-        </p:nvSpPr>
-        <p:spPr/>
-        <p:txBody>
-          <a:bodyPr/>
-          <a:lstStyle/>
-          <a:p>
-            <a:r>
-              <a:rPr lang="en-AT" dirty="0"/>
-              <a:t>comparision</a:t>
-            </a:r>
-          </a:p>
-        </p:txBody>
-      </p:sp>
-      <p:sp>
-        <p:nvSpPr>
-          <p:cNvPr id="3" name="Content Placeholder 2">
-            <a:extLst>
-              <a:ext uri="{FF2B5EF4-FFF2-40B4-BE49-F238E27FC236}">
-                <a16:creationId xmlns:a16="http://schemas.microsoft.com/office/drawing/2014/main" id="{168AECE4-E426-B242-93AB-C18119693A18}"/>
-              </a:ext>
-            </a:extLst>
-          </p:cNvPr>
-          <p:cNvSpPr>
-            <a:spLocks noGrp="1"/>
-          </p:cNvSpPr>
-          <p:nvPr>
-            <p:ph idx="1"/>
-          </p:nvPr>
-        </p:nvSpPr>
-        <p:spPr/>
-        <p:txBody>
-          <a:bodyPr/>
-          <a:lstStyle/>
-          <a:p>
-            <a:r>
-              <a:rPr lang="en-AT" dirty="0"/>
-              <a:t>PlacketLuce model:</a:t>
-            </a:r>
-          </a:p>
-          <a:p>
-            <a:pPr lvl="1"/>
-            <a:r>
-              <a:rPr lang="en-AT" dirty="0"/>
-              <a:t>Ties are allowed</a:t>
-            </a:r>
-          </a:p>
-          <a:p>
-            <a:pPr lvl="1"/>
-            <a:r>
-              <a:rPr lang="en-GB" dirty="0"/>
-              <a:t>P</a:t>
-            </a:r>
-            <a:r>
-              <a:rPr lang="en-AT" dirty="0"/>
-              <a:t>artial or complete ranking</a:t>
-            </a:r>
-          </a:p>
-        </p:txBody>
-      </p:sp>
-      <p:sp>
-        <p:nvSpPr>
-          <p:cNvPr id="5" name="TextBox 4">
-            <a:extLst>
-              <a:ext uri="{FF2B5EF4-FFF2-40B4-BE49-F238E27FC236}">
-                <a16:creationId xmlns:a16="http://schemas.microsoft.com/office/drawing/2014/main" id="{961269B6-9256-8B41-87E4-FAB5096A00AA}"/>
-              </a:ext>
-            </a:extLst>
-          </p:cNvPr>
-          <p:cNvSpPr txBox="1"/>
-          <p:nvPr/>
-        </p:nvSpPr>
-        <p:spPr>
-          <a:xfrm>
-            <a:off x="838200" y="3419042"/>
-            <a:ext cx="9982989" cy="2308324"/>
-          </a:xfrm>
-          <a:prstGeom prst="rect">
-            <a:avLst/>
-          </a:prstGeom>
-          <a:noFill/>
-        </p:spPr>
-        <p:txBody>
-          <a:bodyPr wrap="none" rtlCol="0">
-            <a:spAutoFit/>
-          </a:bodyPr>
-          <a:lstStyle/>
-          <a:p>
-            <a:r>
-              <a:rPr lang="en-GB" dirty="0"/>
-              <a:t>The Bradley-Terry model for datasets involving paired comparisons has wide uptake in the R community. </a:t>
-            </a:r>
-          </a:p>
-          <a:p>
-            <a:r>
-              <a:rPr lang="en-GB" dirty="0"/>
-              <a:t>However, existing functionality1 is restricted to paired comparisons. </a:t>
-            </a:r>
-          </a:p>
-          <a:p>
-            <a:r>
-              <a:rPr lang="en-GB" dirty="0"/>
-              <a:t>The canonical problem is to consider n players who compete against one another; </a:t>
-            </a:r>
-          </a:p>
-          <a:p>
-            <a:r>
-              <a:rPr lang="en-GB" dirty="0"/>
-              <a:t>the basic inference problem is to estimate numbers p = (p1, . . . , </a:t>
-            </a:r>
-            <a:r>
-              <a:rPr lang="en-GB" dirty="0" err="1"/>
-              <a:t>pn</a:t>
-            </a:r>
-            <a:r>
-              <a:rPr lang="en-GB" dirty="0"/>
-              <a:t>), pi &gt; 0, P pi = 1 </a:t>
-            </a:r>
-          </a:p>
-          <a:p>
-            <a:r>
-              <a:rPr lang="en-GB" dirty="0"/>
-              <a:t>which correspond to player “strengths”. Information about the pi may be obtained from </a:t>
-            </a:r>
-          </a:p>
-          <a:p>
-            <a:r>
-              <a:rPr lang="en-GB" dirty="0"/>
-              <a:t>the results of paired comparisons between the players.</a:t>
-            </a:r>
-          </a:p>
-          <a:p>
-            <a:endParaRPr lang="en-GB" dirty="0"/>
-          </a:p>
-          <a:p>
-            <a:r>
-              <a:rPr lang="en-GB" dirty="0" err="1"/>
-              <a:t>hyperdirichlet</a:t>
-            </a:r>
-            <a:r>
-              <a:rPr lang="en-GB" dirty="0"/>
-              <a:t> distribution</a:t>
-            </a:r>
-            <a:endParaRPr lang="en-AT" dirty="0"/>
-          </a:p>
-        </p:txBody>
-      </p:sp>
-      <p:sp>
-        <p:nvSpPr>
-          <p:cNvPr id="6" name="TextBox 5">
-            <a:extLst>
-              <a:ext uri="{FF2B5EF4-FFF2-40B4-BE49-F238E27FC236}">
-                <a16:creationId xmlns:a16="http://schemas.microsoft.com/office/drawing/2014/main" id="{14ABF804-FBB2-0C47-9CE9-BD967B9651EA}"/>
-              </a:ext>
-            </a:extLst>
-          </p:cNvPr>
-          <p:cNvSpPr txBox="1"/>
-          <p:nvPr/>
-        </p:nvSpPr>
-        <p:spPr>
-          <a:xfrm>
-            <a:off x="153350" y="68813"/>
-            <a:ext cx="2752100" cy="369332"/>
-          </a:xfrm>
-          <a:prstGeom prst="rect">
-            <a:avLst/>
-          </a:prstGeom>
-          <a:noFill/>
-        </p:spPr>
-        <p:txBody>
-          <a:bodyPr wrap="none" rtlCol="0">
-            <a:spAutoFit/>
-          </a:bodyPr>
-          <a:lstStyle/>
-          <a:p>
-            <a:r>
-              <a:rPr lang="en-AT" i="1" dirty="0">
-                <a:solidFill>
-                  <a:schemeClr val="bg1">
-                    <a:lumMod val="50000"/>
-                  </a:schemeClr>
-                </a:solidFill>
-              </a:rPr>
-              <a:t>Methods III: ML estimation </a:t>
-            </a:r>
-          </a:p>
-        </p:txBody>
-      </p:sp>
-    </p:spTree>
-    <p:extLst>
-      <p:ext uri="{BB962C8B-B14F-4D97-AF65-F5344CB8AC3E}">
-        <p14:creationId xmlns:p14="http://schemas.microsoft.com/office/powerpoint/2010/main" val="1737304044"/>
-      </p:ext>
-    </p:extLst>
-  </p:cSld>
-  <p:clrMapOvr>
-    <a:masterClrMapping/>
-  </p:clrMapOvr>
-</p:sld>
-</file>
-
 <file path=ppt/slides/slide12.xml><?xml version="1.0" encoding="utf-8"?>
 <p:sld xmlns:a="http://schemas.openxmlformats.org/drawingml/2006/main" xmlns:r="http://schemas.openxmlformats.org/officeDocument/2006/relationships" xmlns:p="http://schemas.openxmlformats.org/presentationml/2006/main">
   <p:cSld>
@@ -4261,7 +4231,7 @@
           <p:cNvPr id="2" name="Title 1">
             <a:extLst>
               <a:ext uri="{FF2B5EF4-FFF2-40B4-BE49-F238E27FC236}">
-                <a16:creationId xmlns:a16="http://schemas.microsoft.com/office/drawing/2014/main" id="{2665AFFF-5D81-9849-A312-C3BA63EC2438}"/>
+                <a16:creationId xmlns:a16="http://schemas.microsoft.com/office/drawing/2014/main" id="{D6FDCEE0-C620-B24D-A70A-A3809CCDAA92}"/>
               </a:ext>
             </a:extLst>
           </p:cNvPr>
@@ -4280,60 +4250,28 @@
           <a:lstStyle/>
           <a:p>
             <a:r>
-              <a:rPr lang="en-GB" sz="3200" dirty="0"/>
-              <a:t>R</a:t>
-            </a:r>
-            <a:r>
               <a:rPr lang="en-AT" sz="3200" dirty="0"/>
-              <a:t>elative strength parameters are evaluated</a:t>
-            </a:r>
-          </a:p>
-        </p:txBody>
-      </p:sp>
-      <p:pic>
-        <p:nvPicPr>
-          <p:cNvPr id="5" name="Content Placeholder 4">
-            <a:extLst>
-              <a:ext uri="{FF2B5EF4-FFF2-40B4-BE49-F238E27FC236}">
-                <a16:creationId xmlns:a16="http://schemas.microsoft.com/office/drawing/2014/main" id="{BBC6AC72-6DAA-D145-B40E-6AF6819FF561}"/>
-              </a:ext>
-            </a:extLst>
-          </p:cNvPr>
-          <p:cNvPicPr>
-            <a:picLocks noGrp="1" noChangeAspect="1"/>
-          </p:cNvPicPr>
-          <p:nvPr>
-            <p:ph idx="1"/>
-          </p:nvPr>
-        </p:nvPicPr>
-        <p:blipFill rotWithShape="1">
-          <a:blip r:embed="rId2"/>
-          <a:srcRect l="2540" t="9422" r="3258"/>
-          <a:stretch/>
-        </p:blipFill>
+              <a:t>Generalization of the BradleyTerry model - PlackettLuce</a:t>
+            </a:r>
+          </a:p>
+        </p:txBody>
+      </p:sp>
+      <p:sp>
+        <p:nvSpPr>
+          <p:cNvPr id="6" name="TextBox 5">
+            <a:extLst>
+              <a:ext uri="{FF2B5EF4-FFF2-40B4-BE49-F238E27FC236}">
+                <a16:creationId xmlns:a16="http://schemas.microsoft.com/office/drawing/2014/main" id="{14ABF804-FBB2-0C47-9CE9-BD967B9651EA}"/>
+              </a:ext>
+            </a:extLst>
+          </p:cNvPr>
+          <p:cNvSpPr txBox="1"/>
+          <p:nvPr/>
+        </p:nvSpPr>
         <p:spPr>
           <a:xfrm>
-            <a:off x="838200" y="1915296"/>
-            <a:ext cx="5943601" cy="3941377"/>
-          </a:xfrm>
-        </p:spPr>
-      </p:pic>
-      <p:sp>
-        <p:nvSpPr>
-          <p:cNvPr id="6" name="TextBox 5">
-            <a:extLst>
-              <a:ext uri="{FF2B5EF4-FFF2-40B4-BE49-F238E27FC236}">
-                <a16:creationId xmlns:a16="http://schemas.microsoft.com/office/drawing/2014/main" id="{ED5C070E-F767-6847-9BB0-AFDF254918AE}"/>
-              </a:ext>
-            </a:extLst>
-          </p:cNvPr>
-          <p:cNvSpPr txBox="1"/>
-          <p:nvPr/>
-        </p:nvSpPr>
-        <p:spPr>
-          <a:xfrm>
-            <a:off x="1322173" y="6081281"/>
-            <a:ext cx="4807150" cy="369332"/>
+            <a:off x="153350" y="68813"/>
+            <a:ext cx="5531322" cy="369332"/>
           </a:xfrm>
           <a:prstGeom prst="rect">
             <a:avLst/>
@@ -4347,18 +4285,24 @@
           <a:lstStyle/>
           <a:p>
             <a:r>
-              <a:rPr lang="en-AT" dirty="0"/>
-              <a:t>ML sums up to 1; relative ‘strength’ to each other</a:t>
-            </a:r>
-          </a:p>
-        </p:txBody>
-      </p:sp>
-      <p:sp>
-        <p:nvSpPr>
-          <p:cNvPr id="7" name="TextBox 6">
-            <a:extLst>
-              <a:ext uri="{FF2B5EF4-FFF2-40B4-BE49-F238E27FC236}">
-                <a16:creationId xmlns:a16="http://schemas.microsoft.com/office/drawing/2014/main" id="{13BF4959-7DEA-0D4E-B7EB-1276C7F4BD4D}"/>
+              <a:rPr lang="en-AT" i="1" dirty="0">
+                <a:solidFill>
+                  <a:schemeClr val="bg1">
+                    <a:lumMod val="50000"/>
+                  </a:schemeClr>
+                </a:solidFill>
+              </a:rPr>
+              <a:t>Methods III: I deployed the hyper2 R package for support</a:t>
+            </a:r>
+          </a:p>
+        </p:txBody>
+      </p:sp>
+      <p:sp>
+        <p:nvSpPr>
+          <p:cNvPr id="9" name="TextBox 8">
+            <a:extLst>
+              <a:ext uri="{FF2B5EF4-FFF2-40B4-BE49-F238E27FC236}">
+                <a16:creationId xmlns:a16="http://schemas.microsoft.com/office/drawing/2014/main" id="{50F1C3DA-5CC1-FF49-94EF-C4D0DA813045}"/>
               </a:ext>
             </a:extLst>
           </p:cNvPr>
@@ -4367,8 +4311,8 @@
         </p:nvSpPr>
         <p:spPr>
           <a:xfrm>
-            <a:off x="7525265" y="1915296"/>
-            <a:ext cx="4176584" cy="1754326"/>
+            <a:off x="961696" y="2023124"/>
+            <a:ext cx="4217693" cy="369332"/>
           </a:xfrm>
           <a:prstGeom prst="rect">
             <a:avLst/>
@@ -4376,56 +4320,44 @@
           <a:noFill/>
         </p:spPr>
         <p:txBody>
-          <a:bodyPr wrap="square" rtlCol="0">
+          <a:bodyPr wrap="none" rtlCol="0">
             <a:spAutoFit/>
           </a:bodyPr>
           <a:lstStyle/>
           <a:p>
             <a:r>
+              <a:rPr lang="en-GB" dirty="0"/>
+              <a:t>C</a:t>
+            </a:r>
+            <a:r>
               <a:rPr lang="en-AT" dirty="0"/>
-              <a:t>Hypothesis testing:</a:t>
-            </a:r>
-          </a:p>
-          <a:p>
-            <a:r>
-              <a:rPr lang="en-GB" dirty="0"/>
-              <a:t>Equality of strength:</a:t>
-            </a:r>
-          </a:p>
-          <a:p>
-            <a:r>
-              <a:rPr lang="en-GB" dirty="0"/>
-              <a:t>specifically:</a:t>
-            </a:r>
-          </a:p>
-          <a:p>
-            <a:r>
-              <a:rPr lang="en-GB" dirty="0"/>
-              <a:t>H0:p1=p2=⋯=</a:t>
-            </a:r>
-            <a:r>
-              <a:rPr lang="en-GB" dirty="0" err="1"/>
-              <a:t>pn</a:t>
-            </a:r>
-            <a:r>
-              <a:rPr lang="en-GB" dirty="0"/>
-              <a:t>=1n.</a:t>
-            </a:r>
-          </a:p>
-          <a:p>
-            <a:br>
-              <a:rPr lang="en-GB" dirty="0"/>
-            </a:br>
-            <a:endParaRPr lang="en-AT" dirty="0"/>
+              <a:t>ompetiror </a:t>
+            </a:r>
+            <a:r>
+              <a:rPr lang="en-AT" baseline="-25000" dirty="0"/>
+              <a:t>i </a:t>
+            </a:r>
+            <a:r>
+              <a:rPr lang="en-AT" dirty="0"/>
+              <a:t>winning in a filed of </a:t>
+            </a:r>
+            <a:r>
+              <a:rPr lang="en-AT" baseline="-25000" dirty="0"/>
+              <a:t>j</a:t>
+            </a:r>
+            <a:r>
+              <a:rPr lang="en-AT" dirty="0"/>
+              <a:t> = 1, …, n</a:t>
+            </a:r>
           </a:p>
         </p:txBody>
       </p:sp>
       <p:pic>
         <p:nvPicPr>
-          <p:cNvPr id="9" name="Picture 8" descr="Text&#10;&#10;Description automatically generated">
-            <a:extLst>
-              <a:ext uri="{FF2B5EF4-FFF2-40B4-BE49-F238E27FC236}">
-                <a16:creationId xmlns:a16="http://schemas.microsoft.com/office/drawing/2014/main" id="{98689636-BDA8-444A-910E-38064780463A}"/>
+          <p:cNvPr id="11" name="Picture 10">
+            <a:extLst>
+              <a:ext uri="{FF2B5EF4-FFF2-40B4-BE49-F238E27FC236}">
+                <a16:creationId xmlns:a16="http://schemas.microsoft.com/office/drawing/2014/main" id="{6821F0D3-D275-D647-9ADE-36A474DCA2D7}"/>
               </a:ext>
             </a:extLst>
           </p:cNvPr>
@@ -4435,25 +4367,487 @@
           <p:nvPr/>
         </p:nvPicPr>
         <p:blipFill>
-          <a:blip r:embed="rId3"/>
+          <a:blip r:embed="rId2"/>
           <a:stretch>
             <a:fillRect/>
           </a:stretch>
         </p:blipFill>
         <p:spPr>
           <a:xfrm>
-            <a:off x="7211368" y="3429332"/>
-            <a:ext cx="4403474" cy="2693773"/>
+            <a:off x="812800" y="3390262"/>
+            <a:ext cx="10541000" cy="990600"/>
           </a:xfrm>
           <a:prstGeom prst="rect">
             <a:avLst/>
           </a:prstGeom>
         </p:spPr>
       </p:pic>
+      <mc:AlternateContent xmlns:mc="http://schemas.openxmlformats.org/markup-compatibility/2006">
+        <mc:Choice xmlns:a14="http://schemas.microsoft.com/office/drawing/2010/main" Requires="a14">
+          <p:sp>
+            <p:nvSpPr>
+              <p:cNvPr id="13" name="TextBox 12">
+                <a:extLst>
+                  <a:ext uri="{FF2B5EF4-FFF2-40B4-BE49-F238E27FC236}">
+                    <a16:creationId xmlns:a16="http://schemas.microsoft.com/office/drawing/2014/main" id="{2CF8423A-C130-7347-B135-ED320A54CC8C}"/>
+                  </a:ext>
+                </a:extLst>
+              </p:cNvPr>
+              <p:cNvSpPr txBox="1"/>
+              <p:nvPr/>
+            </p:nvSpPr>
+            <p:spPr>
+              <a:xfrm>
+                <a:off x="5912070" y="1938262"/>
+                <a:ext cx="1434175" cy="613373"/>
+              </a:xfrm>
+              <a:prstGeom prst="rect">
+                <a:avLst/>
+              </a:prstGeom>
+              <a:noFill/>
+            </p:spPr>
+            <p:txBody>
+              <a:bodyPr wrap="none" rtlCol="0">
+                <a:spAutoFit/>
+              </a:bodyPr>
+              <a:lstStyle/>
+              <a:p>
+                <a14:m>
+                  <m:oMathPara xmlns:m="http://schemas.openxmlformats.org/officeDocument/2006/math">
+                    <m:oMathParaPr>
+                      <m:jc m:val="centerGroup"/>
+                    </m:oMathParaPr>
+                    <m:oMath xmlns:m="http://schemas.openxmlformats.org/officeDocument/2006/math">
+                      <m:f>
+                        <m:fPr>
+                          <m:ctrlPr>
+                            <a:rPr lang="en-AT" i="1" smtClean="0">
+                              <a:latin typeface="Cambria Math" panose="02040503050406030204" pitchFamily="18" charset="0"/>
+                            </a:rPr>
+                          </m:ctrlPr>
+                        </m:fPr>
+                        <m:num>
+                          <m:r>
+                            <a:rPr lang="en-US" b="0" i="1" smtClean="0">
+                              <a:latin typeface="Cambria Math" panose="02040503050406030204" pitchFamily="18" charset="0"/>
+                            </a:rPr>
+                            <m:t>𝑝</m:t>
+                          </m:r>
+                          <m:r>
+                            <a:rPr lang="en-US" b="0" i="1" baseline="-25000" smtClean="0">
+                              <a:latin typeface="Cambria Math" panose="02040503050406030204" pitchFamily="18" charset="0"/>
+                            </a:rPr>
+                            <m:t>𝑖</m:t>
+                          </m:r>
+                        </m:num>
+                        <m:den>
+                          <m:r>
+                            <a:rPr lang="en-US" b="0" i="1" smtClean="0">
+                              <a:latin typeface="Cambria Math" panose="02040503050406030204" pitchFamily="18" charset="0"/>
+                            </a:rPr>
+                            <m:t>𝑝</m:t>
+                          </m:r>
+                          <m:r>
+                            <a:rPr lang="en-US" b="0" i="1" baseline="-25000" smtClean="0">
+                              <a:latin typeface="Cambria Math" panose="02040503050406030204" pitchFamily="18" charset="0"/>
+                            </a:rPr>
+                            <m:t>1</m:t>
+                          </m:r>
+                          <m:r>
+                            <a:rPr lang="en-US" b="0" i="1" smtClean="0">
+                              <a:latin typeface="Cambria Math" panose="02040503050406030204" pitchFamily="18" charset="0"/>
+                            </a:rPr>
+                            <m:t>+ …+</m:t>
+                          </m:r>
+                          <m:r>
+                            <a:rPr lang="en-US" b="0" i="1" smtClean="0">
+                              <a:latin typeface="Cambria Math" panose="02040503050406030204" pitchFamily="18" charset="0"/>
+                            </a:rPr>
+                            <m:t>𝑝𝑛</m:t>
+                          </m:r>
+                        </m:den>
+                      </m:f>
+                    </m:oMath>
+                  </m:oMathPara>
+                </a14:m>
+                <a:endParaRPr lang="en-AT" dirty="0"/>
+              </a:p>
+            </p:txBody>
+          </p:sp>
+        </mc:Choice>
+        <mc:Fallback>
+          <p:sp>
+            <p:nvSpPr>
+              <p:cNvPr id="13" name="TextBox 12">
+                <a:extLst>
+                  <a:ext uri="{FF2B5EF4-FFF2-40B4-BE49-F238E27FC236}">
+                    <a16:creationId xmlns:a16="http://schemas.microsoft.com/office/drawing/2014/main" id="{2CF8423A-C130-7347-B135-ED320A54CC8C}"/>
+                  </a:ext>
+                </a:extLst>
+              </p:cNvPr>
+              <p:cNvSpPr txBox="1">
+                <a:spLocks noRot="1" noChangeAspect="1" noMove="1" noResize="1" noEditPoints="1" noAdjustHandles="1" noChangeArrowheads="1" noChangeShapeType="1" noTextEdit="1"/>
+              </p:cNvSpPr>
+              <p:nvPr/>
+            </p:nvSpPr>
+            <p:spPr>
+              <a:xfrm>
+                <a:off x="5912070" y="1938262"/>
+                <a:ext cx="1434175" cy="613373"/>
+              </a:xfrm>
+              <a:prstGeom prst="rect">
+                <a:avLst/>
+              </a:prstGeom>
+              <a:blipFill>
+                <a:blip r:embed="rId3"/>
+                <a:stretch>
+                  <a:fillRect b="-10000"/>
+                </a:stretch>
+              </a:blipFill>
+            </p:spPr>
+            <p:txBody>
+              <a:bodyPr/>
+              <a:lstStyle/>
+              <a:p>
+                <a:r>
+                  <a:rPr lang="en-AT">
+                    <a:noFill/>
+                  </a:rPr>
+                  <a:t> </a:t>
+                </a:r>
+              </a:p>
+            </p:txBody>
+          </p:sp>
+        </mc:Fallback>
+      </mc:AlternateContent>
+      <p:sp>
+        <p:nvSpPr>
+          <p:cNvPr id="14" name="TextBox 13">
+            <a:extLst>
+              <a:ext uri="{FF2B5EF4-FFF2-40B4-BE49-F238E27FC236}">
+                <a16:creationId xmlns:a16="http://schemas.microsoft.com/office/drawing/2014/main" id="{804C4098-1F95-584F-BA53-7377CD3C11F1}"/>
+              </a:ext>
+            </a:extLst>
+          </p:cNvPr>
+          <p:cNvSpPr txBox="1"/>
+          <p:nvPr/>
+        </p:nvSpPr>
+        <p:spPr>
+          <a:xfrm>
+            <a:off x="961696" y="2900837"/>
+            <a:ext cx="1484958" cy="646331"/>
+          </a:xfrm>
+          <a:prstGeom prst="rect">
+            <a:avLst/>
+          </a:prstGeom>
+          <a:noFill/>
+        </p:spPr>
+        <p:txBody>
+          <a:bodyPr wrap="none" rtlCol="0">
+            <a:spAutoFit/>
+          </a:bodyPr>
+          <a:lstStyle/>
+          <a:p>
+            <a:r>
+              <a:rPr lang="en-GB" dirty="0"/>
+              <a:t>e</a:t>
+            </a:r>
+            <a:r>
+              <a:rPr lang="en-AT" dirty="0"/>
+              <a:t>g</a:t>
+            </a:r>
+          </a:p>
+          <a:p>
+            <a:r>
+              <a:rPr lang="en-AT" dirty="0"/>
+              <a:t>6 competitors</a:t>
+            </a:r>
+          </a:p>
+        </p:txBody>
+      </p:sp>
+      <mc:AlternateContent xmlns:mc="http://schemas.openxmlformats.org/markup-compatibility/2006">
+        <mc:Choice xmlns:a14="http://schemas.microsoft.com/office/drawing/2010/main" Requires="a14">
+          <p:sp>
+            <p:nvSpPr>
+              <p:cNvPr id="15" name="TextBox 14">
+                <a:extLst>
+                  <a:ext uri="{FF2B5EF4-FFF2-40B4-BE49-F238E27FC236}">
+                    <a16:creationId xmlns:a16="http://schemas.microsoft.com/office/drawing/2014/main" id="{4F3B0E47-CD81-114F-9C48-3C0F8428FBA1}"/>
+                  </a:ext>
+                </a:extLst>
+              </p:cNvPr>
+              <p:cNvSpPr txBox="1"/>
+              <p:nvPr/>
+            </p:nvSpPr>
+            <p:spPr>
+              <a:xfrm>
+                <a:off x="961696" y="4814473"/>
+                <a:ext cx="5964390" cy="369332"/>
+              </a:xfrm>
+              <a:prstGeom prst="rect">
+                <a:avLst/>
+              </a:prstGeom>
+              <a:noFill/>
+            </p:spPr>
+            <p:txBody>
+              <a:bodyPr wrap="none" rtlCol="0">
+                <a:spAutoFit/>
+              </a:bodyPr>
+              <a:lstStyle/>
+              <a:p>
+                <a14:m>
+                  <m:oMath xmlns:m="http://schemas.openxmlformats.org/officeDocument/2006/math">
+                    <m:r>
+                      <a:rPr lang="en-US" b="0" i="1" smtClean="0">
+                        <a:latin typeface="Cambria Math" panose="02040503050406030204" pitchFamily="18" charset="0"/>
+                      </a:rPr>
+                      <m:t>𝑏𝑜𝑛𝑒</m:t>
+                    </m:r>
+                    <m:r>
+                      <a:rPr lang="en-US" b="0" i="1" smtClean="0">
+                        <a:latin typeface="Cambria Math" panose="02040503050406030204" pitchFamily="18" charset="0"/>
+                      </a:rPr>
+                      <m:t> ≻</m:t>
+                    </m:r>
+                    <m:r>
+                      <a:rPr lang="en-US" b="0" i="1" smtClean="0">
+                        <a:latin typeface="Cambria Math" panose="02040503050406030204" pitchFamily="18" charset="0"/>
+                        <a:ea typeface="Cambria Math" panose="02040503050406030204" pitchFamily="18" charset="0"/>
+                      </a:rPr>
+                      <m:t>𝑙𝑖𝑣𝑒𝑟</m:t>
+                    </m:r>
+                    <m:r>
+                      <a:rPr lang="en-US" b="0" i="1" smtClean="0">
+                        <a:latin typeface="Cambria Math" panose="02040503050406030204" pitchFamily="18" charset="0"/>
+                        <a:ea typeface="Cambria Math" panose="02040503050406030204" pitchFamily="18" charset="0"/>
+                      </a:rPr>
+                      <m:t> ≻</m:t>
+                    </m:r>
+                    <m:r>
+                      <a:rPr lang="en-US" b="0" i="1" smtClean="0">
+                        <a:latin typeface="Cambria Math" panose="02040503050406030204" pitchFamily="18" charset="0"/>
+                        <a:ea typeface="Cambria Math" panose="02040503050406030204" pitchFamily="18" charset="0"/>
+                      </a:rPr>
+                      <m:t>𝑟𝑒𝑔𝑖𝑜𝑛𝑎𝑙</m:t>
+                    </m:r>
+                    <m:r>
+                      <a:rPr lang="en-US" b="0" i="1" smtClean="0">
+                        <a:latin typeface="Cambria Math" panose="02040503050406030204" pitchFamily="18" charset="0"/>
+                        <a:ea typeface="Cambria Math" panose="02040503050406030204" pitchFamily="18" charset="0"/>
+                      </a:rPr>
+                      <m:t>_</m:t>
+                    </m:r>
+                    <m:r>
+                      <a:rPr lang="en-US" b="0" i="1" smtClean="0">
+                        <a:latin typeface="Cambria Math" panose="02040503050406030204" pitchFamily="18" charset="0"/>
+                        <a:ea typeface="Cambria Math" panose="02040503050406030204" pitchFamily="18" charset="0"/>
+                      </a:rPr>
+                      <m:t>𝐿𝑁</m:t>
+                    </m:r>
+                    <m:r>
+                      <a:rPr lang="en-US" b="0" i="1" smtClean="0">
+                        <a:latin typeface="Cambria Math" panose="02040503050406030204" pitchFamily="18" charset="0"/>
+                        <a:ea typeface="Cambria Math" panose="02040503050406030204" pitchFamily="18" charset="0"/>
+                      </a:rPr>
+                      <m:t>≻</m:t>
+                    </m:r>
+                    <m:r>
+                      <a:rPr lang="en-US" b="0" i="1" smtClean="0">
+                        <a:latin typeface="Cambria Math" panose="02040503050406030204" pitchFamily="18" charset="0"/>
+                        <a:ea typeface="Cambria Math" panose="02040503050406030204" pitchFamily="18" charset="0"/>
+                      </a:rPr>
+                      <m:t>𝑙𝑢𝑛𝑔</m:t>
+                    </m:r>
+                    <m:r>
+                      <a:rPr lang="en-US" b="0" i="1" smtClean="0">
+                        <a:latin typeface="Cambria Math" panose="02040503050406030204" pitchFamily="18" charset="0"/>
+                        <a:ea typeface="Cambria Math" panose="02040503050406030204" pitchFamily="18" charset="0"/>
+                      </a:rPr>
+                      <m:t> ≻</m:t>
+                    </m:r>
+                    <m:r>
+                      <a:rPr lang="en-US" b="0" i="1" smtClean="0">
+                        <a:latin typeface="Cambria Math" panose="02040503050406030204" pitchFamily="18" charset="0"/>
+                        <a:ea typeface="Cambria Math" panose="02040503050406030204" pitchFamily="18" charset="0"/>
+                      </a:rPr>
+                      <m:t>𝑜𝑡h𝑒𝑟</m:t>
+                    </m:r>
+                    <m:r>
+                      <a:rPr lang="en-US" b="0" i="1" smtClean="0">
+                        <a:latin typeface="Cambria Math" panose="02040503050406030204" pitchFamily="18" charset="0"/>
+                        <a:ea typeface="Cambria Math" panose="02040503050406030204" pitchFamily="18" charset="0"/>
+                      </a:rPr>
+                      <m:t> ≻</m:t>
+                    </m:r>
+                    <m:r>
+                      <a:rPr lang="en-US" b="0" i="1" smtClean="0">
+                        <a:latin typeface="Cambria Math" panose="02040503050406030204" pitchFamily="18" charset="0"/>
+                        <a:ea typeface="Cambria Math" panose="02040503050406030204" pitchFamily="18" charset="0"/>
+                      </a:rPr>
+                      <m:t>𝑝𝑙𝑒𝑢𝑟𝑎</m:t>
+                    </m:r>
+                  </m:oMath>
+                </a14:m>
+                <a:r>
+                  <a:rPr lang="en-AT" dirty="0"/>
+                  <a:t> </a:t>
+                </a:r>
+              </a:p>
+            </p:txBody>
+          </p:sp>
+        </mc:Choice>
+        <mc:Fallback>
+          <p:sp>
+            <p:nvSpPr>
+              <p:cNvPr id="15" name="TextBox 14">
+                <a:extLst>
+                  <a:ext uri="{FF2B5EF4-FFF2-40B4-BE49-F238E27FC236}">
+                    <a16:creationId xmlns:a16="http://schemas.microsoft.com/office/drawing/2014/main" id="{4F3B0E47-CD81-114F-9C48-3C0F8428FBA1}"/>
+                  </a:ext>
+                </a:extLst>
+              </p:cNvPr>
+              <p:cNvSpPr txBox="1">
+                <a:spLocks noRot="1" noChangeAspect="1" noMove="1" noResize="1" noEditPoints="1" noAdjustHandles="1" noChangeArrowheads="1" noChangeShapeType="1" noTextEdit="1"/>
+              </p:cNvSpPr>
+              <p:nvPr/>
+            </p:nvSpPr>
+            <p:spPr>
+              <a:xfrm>
+                <a:off x="961696" y="4814473"/>
+                <a:ext cx="5964390" cy="369332"/>
+              </a:xfrm>
+              <a:prstGeom prst="rect">
+                <a:avLst/>
+              </a:prstGeom>
+              <a:blipFill>
+                <a:blip r:embed="rId4"/>
+                <a:stretch>
+                  <a:fillRect b="-13333"/>
+                </a:stretch>
+              </a:blipFill>
+            </p:spPr>
+            <p:txBody>
+              <a:bodyPr/>
+              <a:lstStyle/>
+              <a:p>
+                <a:r>
+                  <a:rPr lang="en-AT">
+                    <a:noFill/>
+                  </a:rPr>
+                  <a:t> </a:t>
+                </a:r>
+              </a:p>
+            </p:txBody>
+          </p:sp>
+        </mc:Fallback>
+      </mc:AlternateContent>
+      <p:sp>
+        <p:nvSpPr>
+          <p:cNvPr id="16" name="TextBox 15">
+            <a:extLst>
+              <a:ext uri="{FF2B5EF4-FFF2-40B4-BE49-F238E27FC236}">
+                <a16:creationId xmlns:a16="http://schemas.microsoft.com/office/drawing/2014/main" id="{622A3065-979E-8043-BA6F-2B4FE0D016DB}"/>
+              </a:ext>
+            </a:extLst>
+          </p:cNvPr>
+          <p:cNvSpPr txBox="1"/>
+          <p:nvPr/>
+        </p:nvSpPr>
+        <p:spPr>
+          <a:xfrm>
+            <a:off x="961696" y="5617416"/>
+            <a:ext cx="10098021" cy="707886"/>
+          </a:xfrm>
+          <a:prstGeom prst="rect">
+            <a:avLst/>
+          </a:prstGeom>
+          <a:noFill/>
+        </p:spPr>
+        <p:txBody>
+          <a:bodyPr wrap="none" rtlCol="0">
+            <a:spAutoFit/>
+          </a:bodyPr>
+          <a:lstStyle/>
+          <a:p>
+            <a:r>
+              <a:rPr lang="en-AT" sz="2000" dirty="0"/>
+              <a:t>Estimate the ‘strength’ for every p</a:t>
+            </a:r>
+            <a:r>
+              <a:rPr lang="en-AT" sz="2000" baseline="-25000" dirty="0"/>
+              <a:t>i </a:t>
+            </a:r>
+            <a:r>
+              <a:rPr lang="en-AT" sz="2000" dirty="0"/>
+              <a:t>where </a:t>
+            </a:r>
+            <a:r>
+              <a:rPr lang="en-GB" sz="2000" dirty="0" err="1"/>
+              <a:t>i</a:t>
+            </a:r>
+            <a:r>
+              <a:rPr lang="en-GB" sz="2000" dirty="0"/>
+              <a:t> ∈ {bone, liver, </a:t>
+            </a:r>
+            <a:r>
+              <a:rPr lang="en-GB" sz="2000" dirty="0" err="1"/>
+              <a:t>regional_LN</a:t>
+            </a:r>
+            <a:r>
+              <a:rPr lang="en-GB" sz="2000" dirty="0"/>
+              <a:t>, lung, other, pleura) via a </a:t>
+            </a:r>
+          </a:p>
+          <a:p>
+            <a:r>
+              <a:rPr lang="en-GB" sz="2000" dirty="0"/>
+              <a:t>ML estimation</a:t>
+            </a:r>
+            <a:r>
+              <a:rPr lang="en-AT" sz="2000" baseline="-25000" dirty="0"/>
+              <a:t> </a:t>
+            </a:r>
+            <a:r>
+              <a:rPr lang="en-GB" sz="2000" dirty="0"/>
+              <a:t>using</a:t>
+            </a:r>
+            <a:r>
+              <a:rPr lang="en-AT" sz="2000" dirty="0"/>
+              <a:t> dirichlet distributions</a:t>
+            </a:r>
+            <a:endParaRPr lang="en-GB" sz="2000" dirty="0"/>
+          </a:p>
+        </p:txBody>
+      </p:sp>
+      <p:sp>
+        <p:nvSpPr>
+          <p:cNvPr id="18" name="Content Placeholder 17">
+            <a:extLst>
+              <a:ext uri="{FF2B5EF4-FFF2-40B4-BE49-F238E27FC236}">
+                <a16:creationId xmlns:a16="http://schemas.microsoft.com/office/drawing/2014/main" id="{77047993-FCD9-8B49-831F-C471C93BABE5}"/>
+              </a:ext>
+            </a:extLst>
+          </p:cNvPr>
+          <p:cNvSpPr>
+            <a:spLocks noGrp="1"/>
+          </p:cNvSpPr>
+          <p:nvPr>
+            <p:ph idx="1"/>
+          </p:nvPr>
+        </p:nvSpPr>
+        <p:spPr/>
+        <p:txBody>
+          <a:bodyPr/>
+          <a:lstStyle/>
+          <a:p>
+            <a:endParaRPr lang="en-AT"/>
+          </a:p>
+        </p:txBody>
+      </p:sp>
     </p:spTree>
     <p:extLst>
       <p:ext uri="{BB962C8B-B14F-4D97-AF65-F5344CB8AC3E}">
-        <p14:creationId xmlns:p14="http://schemas.microsoft.com/office/powerpoint/2010/main" val="1445043781"/>
+        <p14:creationId xmlns:p14="http://schemas.microsoft.com/office/powerpoint/2010/main" val="1737304044"/>
       </p:ext>
     </p:extLst>
   </p:cSld>
@@ -4485,7 +4879,7 @@
           <p:cNvPr id="2" name="Title 1">
             <a:extLst>
               <a:ext uri="{FF2B5EF4-FFF2-40B4-BE49-F238E27FC236}">
-                <a16:creationId xmlns:a16="http://schemas.microsoft.com/office/drawing/2014/main" id="{3092C52B-9C01-A24D-AA93-07C526D25DD2}"/>
+                <a16:creationId xmlns:a16="http://schemas.microsoft.com/office/drawing/2014/main" id="{2665AFFF-5D81-9849-A312-C3BA63EC2438}"/>
               </a:ext>
             </a:extLst>
           </p:cNvPr>
@@ -4504,98 +4898,473 @@
           <a:lstStyle/>
           <a:p>
             <a:r>
-              <a:rPr lang="en-GB" dirty="0"/>
-              <a:t>Hypothesis 2: p1⩾max(p2,…,p6)</a:t>
-            </a:r>
-            <a:endParaRPr lang="en-AT" dirty="0"/>
-          </a:p>
-        </p:txBody>
-      </p:sp>
-      <p:sp>
-        <p:nvSpPr>
-          <p:cNvPr id="3" name="Content Placeholder 2">
-            <a:extLst>
-              <a:ext uri="{FF2B5EF4-FFF2-40B4-BE49-F238E27FC236}">
-                <a16:creationId xmlns:a16="http://schemas.microsoft.com/office/drawing/2014/main" id="{EDB8AC43-6553-DC4E-A20E-523146F7FC1C}"/>
-              </a:ext>
-            </a:extLst>
-          </p:cNvPr>
-          <p:cNvSpPr>
-            <a:spLocks noGrp="1"/>
-          </p:cNvSpPr>
+              <a:rPr lang="en-US" sz="3200" dirty="0"/>
+              <a:t>The likelihood for metastases detection at </a:t>
+            </a:r>
+            <a:r>
+              <a:rPr lang="en-US" sz="3200" dirty="0" err="1"/>
+              <a:t>regional_LN</a:t>
+            </a:r>
+            <a:r>
+              <a:rPr lang="en-US" sz="3200" dirty="0"/>
+              <a:t> are highest </a:t>
+            </a:r>
+            <a:endParaRPr lang="en-AT" sz="3200" dirty="0"/>
+          </a:p>
+        </p:txBody>
+      </p:sp>
+      <p:pic>
+        <p:nvPicPr>
+          <p:cNvPr id="5" name="Content Placeholder 4">
+            <a:extLst>
+              <a:ext uri="{FF2B5EF4-FFF2-40B4-BE49-F238E27FC236}">
+                <a16:creationId xmlns:a16="http://schemas.microsoft.com/office/drawing/2014/main" id="{BBC6AC72-6DAA-D145-B40E-6AF6819FF561}"/>
+              </a:ext>
+            </a:extLst>
+          </p:cNvPr>
+          <p:cNvPicPr>
+            <a:picLocks noGrp="1" noChangeAspect="1"/>
+          </p:cNvPicPr>
           <p:nvPr>
             <p:ph idx="1"/>
           </p:nvPr>
-        </p:nvSpPr>
-        <p:spPr/>
-        <p:txBody>
-          <a:bodyPr/>
-          <a:lstStyle/>
-          <a:p>
-            <a:r>
-              <a:rPr lang="en-GB" dirty="0"/>
-              <a:t>H1: p</a:t>
-            </a:r>
-            <a:r>
-              <a:rPr lang="en-GB" baseline="-25000" dirty="0"/>
-              <a:t>1</a:t>
-            </a:r>
-            <a:r>
-              <a:rPr lang="en-GB" dirty="0"/>
-              <a:t> &gt; 1/n </a:t>
-            </a:r>
-          </a:p>
-          <a:p>
-            <a:r>
-              <a:rPr lang="en-GB" dirty="0"/>
-              <a:t>H2: p</a:t>
-            </a:r>
-            <a:r>
-              <a:rPr lang="en-GB" baseline="-25000" dirty="0"/>
-              <a:t>1</a:t>
-            </a:r>
-            <a:r>
-              <a:rPr lang="en-GB" dirty="0"/>
-              <a:t> &gt; max {p2, . . . </a:t>
-            </a:r>
-            <a:r>
-              <a:rPr lang="en-GB" dirty="0" err="1"/>
-              <a:t>p</a:t>
-            </a:r>
-            <a:r>
-              <a:rPr lang="en-GB" baseline="-25000" dirty="0" err="1"/>
-              <a:t>n</a:t>
-            </a:r>
-            <a:r>
-              <a:rPr lang="en-GB" dirty="0"/>
-              <a:t>} </a:t>
-            </a:r>
-          </a:p>
-          <a:p>
-            <a:r>
-              <a:rPr lang="en-GB" dirty="0"/>
-              <a:t>H3: p5 + p6 &gt; 1 3</a:t>
-            </a:r>
-          </a:p>
-          <a:p>
-            <a:r>
-              <a:rPr lang="en-GB" dirty="0"/>
-              <a:t>H4: max {p5, p6} &gt; min {p1, p2, p3, p4}</a:t>
-            </a:r>
-            <a:endParaRPr lang="en-AT" dirty="0"/>
+        </p:nvPicPr>
+        <p:blipFill rotWithShape="1">
+          <a:blip r:embed="rId2"/>
+          <a:srcRect l="2540" t="9422" r="3258"/>
+          <a:stretch/>
+        </p:blipFill>
+        <p:spPr>
+          <a:xfrm>
+            <a:off x="975360" y="1915296"/>
+            <a:ext cx="5943601" cy="3941377"/>
+          </a:xfrm>
+        </p:spPr>
+      </p:pic>
+      <mc:AlternateContent xmlns:mc="http://schemas.openxmlformats.org/markup-compatibility/2006">
+        <mc:Choice xmlns:a14="http://schemas.microsoft.com/office/drawing/2010/main" Requires="a14">
+          <p:sp>
+            <p:nvSpPr>
+              <p:cNvPr id="7" name="TextBox 6">
+                <a:extLst>
+                  <a:ext uri="{FF2B5EF4-FFF2-40B4-BE49-F238E27FC236}">
+                    <a16:creationId xmlns:a16="http://schemas.microsoft.com/office/drawing/2014/main" id="{13BF4959-7DEA-0D4E-B7EB-1276C7F4BD4D}"/>
+                  </a:ext>
+                </a:extLst>
+              </p:cNvPr>
+              <p:cNvSpPr txBox="1"/>
+              <p:nvPr/>
+            </p:nvSpPr>
+            <p:spPr>
+              <a:xfrm>
+                <a:off x="7274660" y="1987000"/>
+                <a:ext cx="4176584" cy="639983"/>
+              </a:xfrm>
+              <a:prstGeom prst="rect">
+                <a:avLst/>
+              </a:prstGeom>
+              <a:noFill/>
+            </p:spPr>
+            <p:txBody>
+              <a:bodyPr wrap="square" rtlCol="0">
+                <a:spAutoFit/>
+              </a:bodyPr>
+              <a:lstStyle/>
+              <a:p>
+                <a:r>
+                  <a:rPr lang="en-AT" dirty="0"/>
+                  <a:t>Hypothesis testing: (equality of strength)</a:t>
+                </a:r>
+                <a:endParaRPr lang="en-GB" b="0" i="1" dirty="0">
+                  <a:latin typeface="Cambria Math" panose="02040503050406030204" pitchFamily="18" charset="0"/>
+                </a:endParaRPr>
+              </a:p>
+              <a:p>
+                <a14:m>
+                  <m:oMathPara xmlns:m="http://schemas.openxmlformats.org/officeDocument/2006/math">
+                    <m:oMathParaPr>
+                      <m:jc m:val="centerGroup"/>
+                    </m:oMathParaPr>
+                    <m:oMath xmlns:m="http://schemas.openxmlformats.org/officeDocument/2006/math">
+                      <m:r>
+                        <a:rPr lang="en-US" b="0" i="1" smtClean="0">
+                          <a:latin typeface="Cambria Math" panose="02040503050406030204" pitchFamily="18" charset="0"/>
+                        </a:rPr>
+                        <m:t>𝐻</m:t>
+                      </m:r>
+                      <m:r>
+                        <a:rPr lang="en-US" b="0" i="1" baseline="-25000" smtClean="0">
+                          <a:latin typeface="Cambria Math" panose="02040503050406030204" pitchFamily="18" charset="0"/>
+                        </a:rPr>
+                        <m:t>0</m:t>
+                      </m:r>
+                      <m:r>
+                        <a:rPr lang="en-US" b="0" i="1" smtClean="0">
+                          <a:latin typeface="Cambria Math" panose="02040503050406030204" pitchFamily="18" charset="0"/>
+                        </a:rPr>
+                        <m:t>:</m:t>
+                      </m:r>
+                      <m:r>
+                        <a:rPr lang="en-US" b="0" i="1" smtClean="0">
+                          <a:latin typeface="Cambria Math" panose="02040503050406030204" pitchFamily="18" charset="0"/>
+                        </a:rPr>
+                        <m:t>𝑝</m:t>
+                      </m:r>
+                      <m:r>
+                        <a:rPr lang="en-US" b="0" i="1" baseline="-25000" smtClean="0">
+                          <a:latin typeface="Cambria Math" panose="02040503050406030204" pitchFamily="18" charset="0"/>
+                        </a:rPr>
+                        <m:t>1</m:t>
+                      </m:r>
+                      <m:r>
+                        <a:rPr lang="en-US" b="0" i="1" smtClean="0">
+                          <a:latin typeface="Cambria Math" panose="02040503050406030204" pitchFamily="18" charset="0"/>
+                        </a:rPr>
+                        <m:t>=</m:t>
+                      </m:r>
+                      <m:r>
+                        <a:rPr lang="en-US" b="0" i="1" smtClean="0">
+                          <a:latin typeface="Cambria Math" panose="02040503050406030204" pitchFamily="18" charset="0"/>
+                        </a:rPr>
+                        <m:t>𝑝</m:t>
+                      </m:r>
+                      <m:r>
+                        <a:rPr lang="en-US" b="0" i="1" baseline="-25000" smtClean="0">
+                          <a:latin typeface="Cambria Math" panose="02040503050406030204" pitchFamily="18" charset="0"/>
+                        </a:rPr>
+                        <m:t>2</m:t>
+                      </m:r>
+                      <m:r>
+                        <a:rPr lang="en-US" b="0" i="1" smtClean="0">
+                          <a:latin typeface="Cambria Math" panose="02040503050406030204" pitchFamily="18" charset="0"/>
+                        </a:rPr>
+                        <m:t>=…=</m:t>
+                      </m:r>
+                      <m:r>
+                        <a:rPr lang="en-US" b="0" i="1" smtClean="0">
+                          <a:latin typeface="Cambria Math" panose="02040503050406030204" pitchFamily="18" charset="0"/>
+                        </a:rPr>
+                        <m:t>𝑝𝑛</m:t>
+                      </m:r>
+                    </m:oMath>
+                  </m:oMathPara>
+                </a14:m>
+                <a:endParaRPr lang="en-GB" baseline="-25000" dirty="0"/>
+              </a:p>
+            </p:txBody>
+          </p:sp>
+        </mc:Choice>
+        <mc:Fallback>
+          <p:sp>
+            <p:nvSpPr>
+              <p:cNvPr id="7" name="TextBox 6">
+                <a:extLst>
+                  <a:ext uri="{FF2B5EF4-FFF2-40B4-BE49-F238E27FC236}">
+                    <a16:creationId xmlns:a16="http://schemas.microsoft.com/office/drawing/2014/main" id="{13BF4959-7DEA-0D4E-B7EB-1276C7F4BD4D}"/>
+                  </a:ext>
+                </a:extLst>
+              </p:cNvPr>
+              <p:cNvSpPr txBox="1">
+                <a:spLocks noRot="1" noChangeAspect="1" noMove="1" noResize="1" noEditPoints="1" noAdjustHandles="1" noChangeArrowheads="1" noChangeShapeType="1" noTextEdit="1"/>
+              </p:cNvSpPr>
+              <p:nvPr/>
+            </p:nvSpPr>
+            <p:spPr>
+              <a:xfrm>
+                <a:off x="7274660" y="1987000"/>
+                <a:ext cx="4176584" cy="639983"/>
+              </a:xfrm>
+              <a:prstGeom prst="rect">
+                <a:avLst/>
+              </a:prstGeom>
+              <a:blipFill>
+                <a:blip r:embed="rId3"/>
+                <a:stretch>
+                  <a:fillRect l="-1212" t="-3922" b="-5882"/>
+                </a:stretch>
+              </a:blipFill>
+            </p:spPr>
+            <p:txBody>
+              <a:bodyPr/>
+              <a:lstStyle/>
+              <a:p>
+                <a:r>
+                  <a:rPr lang="en-AT">
+                    <a:noFill/>
+                  </a:rPr>
+                  <a:t> </a:t>
+                </a:r>
+              </a:p>
+            </p:txBody>
+          </p:sp>
+        </mc:Fallback>
+      </mc:AlternateContent>
+      <p:pic>
+        <p:nvPicPr>
+          <p:cNvPr id="9" name="Picture 8" descr="Text&#10;&#10;Description automatically generated">
+            <a:extLst>
+              <a:ext uri="{FF2B5EF4-FFF2-40B4-BE49-F238E27FC236}">
+                <a16:creationId xmlns:a16="http://schemas.microsoft.com/office/drawing/2014/main" id="{98689636-BDA8-444A-910E-38064780463A}"/>
+              </a:ext>
+            </a:extLst>
+          </p:cNvPr>
+          <p:cNvPicPr>
+            <a:picLocks noChangeAspect="1"/>
+          </p:cNvPicPr>
+          <p:nvPr/>
+        </p:nvPicPr>
+        <p:blipFill>
+          <a:blip r:embed="rId4"/>
+          <a:stretch>
+            <a:fillRect/>
+          </a:stretch>
+        </p:blipFill>
+        <p:spPr>
+          <a:xfrm>
+            <a:off x="7161215" y="2832785"/>
+            <a:ext cx="4403474" cy="2693773"/>
+          </a:xfrm>
+          <a:prstGeom prst="rect">
+            <a:avLst/>
+          </a:prstGeom>
+        </p:spPr>
+      </p:pic>
+      <p:sp>
+        <p:nvSpPr>
+          <p:cNvPr id="10" name="TextBox 9">
+            <a:extLst>
+              <a:ext uri="{FF2B5EF4-FFF2-40B4-BE49-F238E27FC236}">
+                <a16:creationId xmlns:a16="http://schemas.microsoft.com/office/drawing/2014/main" id="{0F2F5E05-70A4-E343-829E-EA65B994B5A8}"/>
+              </a:ext>
+            </a:extLst>
+          </p:cNvPr>
+          <p:cNvSpPr txBox="1"/>
+          <p:nvPr/>
+        </p:nvSpPr>
+        <p:spPr>
+          <a:xfrm>
+            <a:off x="153350" y="68813"/>
+            <a:ext cx="8324971" cy="369332"/>
+          </a:xfrm>
+          <a:prstGeom prst="rect">
+            <a:avLst/>
+          </a:prstGeom>
+          <a:noFill/>
+        </p:spPr>
+        <p:txBody>
+          <a:bodyPr wrap="none" rtlCol="0">
+            <a:spAutoFit/>
+          </a:bodyPr>
+          <a:lstStyle/>
+          <a:p>
+            <a:r>
+              <a:rPr lang="en-AT" i="1" dirty="0">
+                <a:solidFill>
+                  <a:schemeClr val="bg1">
+                    <a:lumMod val="50000"/>
+                  </a:schemeClr>
+                </a:solidFill>
+              </a:rPr>
+              <a:t>Results IV: Note that statistical inferences are not possible with this approach (currently)</a:t>
+            </a:r>
+          </a:p>
+        </p:txBody>
+      </p:sp>
+      <p:sp>
+        <p:nvSpPr>
+          <p:cNvPr id="11" name="Rectangle 10">
+            <a:extLst>
+              <a:ext uri="{FF2B5EF4-FFF2-40B4-BE49-F238E27FC236}">
+                <a16:creationId xmlns:a16="http://schemas.microsoft.com/office/drawing/2014/main" id="{5098DC67-28F3-DE4A-A1EB-F3DFA968632C}"/>
+              </a:ext>
+            </a:extLst>
+          </p:cNvPr>
+          <p:cNvSpPr/>
+          <p:nvPr/>
+        </p:nvSpPr>
+        <p:spPr>
+          <a:xfrm>
+            <a:off x="7109460" y="5165492"/>
+            <a:ext cx="1383030" cy="404563"/>
+          </a:xfrm>
+          <a:prstGeom prst="rect">
+            <a:avLst/>
+          </a:prstGeom>
+          <a:noFill/>
+          <a:ln w="38100">
+            <a:solidFill>
+              <a:srgbClr val="C00000"/>
+            </a:solidFill>
+          </a:ln>
+        </p:spPr>
+        <p:style>
+          <a:lnRef idx="2">
+            <a:schemeClr val="accent1">
+              <a:shade val="50000"/>
+            </a:schemeClr>
+          </a:lnRef>
+          <a:fillRef idx="1">
+            <a:schemeClr val="accent1"/>
+          </a:fillRef>
+          <a:effectRef idx="0">
+            <a:schemeClr val="accent1"/>
+          </a:effectRef>
+          <a:fontRef idx="minor">
+            <a:schemeClr val="lt1"/>
+          </a:fontRef>
+        </p:style>
+        <p:txBody>
+          <a:bodyPr rtlCol="0" anchor="ctr"/>
+          <a:lstStyle/>
+          <a:p>
+            <a:pPr algn="ctr"/>
+            <a:endParaRPr lang="en-AT"/>
           </a:p>
         </p:txBody>
       </p:sp>
     </p:spTree>
     <p:extLst>
       <p:ext uri="{BB962C8B-B14F-4D97-AF65-F5344CB8AC3E}">
-        <p14:creationId xmlns:p14="http://schemas.microsoft.com/office/powerpoint/2010/main" val="3750419459"/>
+        <p14:creationId xmlns:p14="http://schemas.microsoft.com/office/powerpoint/2010/main" val="1445043781"/>
       </p:ext>
     </p:extLst>
   </p:cSld>
   <p:clrMapOvr>
     <a:masterClrMapping/>
   </p:clrMapOvr>
+  <p:timing>
+    <p:tnLst>
+      <p:par>
+        <p:cTn id="1" dur="indefinite" restart="never" nodeType="tmRoot">
+          <p:childTnLst>
+            <p:seq concurrent="1" nextAc="seek">
+              <p:cTn id="2" dur="indefinite" nodeType="mainSeq">
+                <p:childTnLst>
+                  <p:par>
+                    <p:cTn id="3" fill="hold">
+                      <p:stCondLst>
+                        <p:cond delay="indefinite"/>
+                      </p:stCondLst>
+                      <p:childTnLst>
+                        <p:par>
+                          <p:cTn id="4" fill="hold">
+                            <p:stCondLst>
+                              <p:cond delay="0"/>
+                            </p:stCondLst>
+                            <p:childTnLst>
+                              <p:par>
+                                <p:cTn id="5" presetID="1" presetClass="entr" presetSubtype="0" fill="hold" grpId="0" nodeType="clickEffect">
+                                  <p:stCondLst>
+                                    <p:cond delay="0"/>
+                                  </p:stCondLst>
+                                  <p:childTnLst>
+                                    <p:set>
+                                      <p:cBhvr>
+                                        <p:cTn id="6" dur="1" fill="hold">
+                                          <p:stCondLst>
+                                            <p:cond delay="0"/>
+                                          </p:stCondLst>
+                                        </p:cTn>
+                                        <p:tgtEl>
+                                          <p:spTgt spid="7"/>
+                                        </p:tgtEl>
+                                        <p:attrNameLst>
+                                          <p:attrName>style.visibility</p:attrName>
+                                        </p:attrNameLst>
+                                      </p:cBhvr>
+                                      <p:to>
+                                        <p:strVal val="visible"/>
+                                      </p:to>
+                                    </p:set>
+                                  </p:childTnLst>
+                                </p:cTn>
+                              </p:par>
+                              <p:par>
+                                <p:cTn id="7" presetID="1" presetClass="entr" presetSubtype="0" fill="hold" nodeType="withEffect">
+                                  <p:stCondLst>
+                                    <p:cond delay="0"/>
+                                  </p:stCondLst>
+                                  <p:childTnLst>
+                                    <p:set>
+                                      <p:cBhvr>
+                                        <p:cTn id="8" dur="1" fill="hold">
+                                          <p:stCondLst>
+                                            <p:cond delay="0"/>
+                                          </p:stCondLst>
+                                        </p:cTn>
+                                        <p:tgtEl>
+                                          <p:spTgt spid="9"/>
+                                        </p:tgtEl>
+                                        <p:attrNameLst>
+                                          <p:attrName>style.visibility</p:attrName>
+                                        </p:attrNameLst>
+                                      </p:cBhvr>
+                                      <p:to>
+                                        <p:strVal val="visible"/>
+                                      </p:to>
+                                    </p:set>
+                                  </p:childTnLst>
+                                </p:cTn>
+                              </p:par>
+                              <p:par>
+                                <p:cTn id="9" presetID="1" presetClass="entr" presetSubtype="0" fill="hold" grpId="0" nodeType="withEffect">
+                                  <p:stCondLst>
+                                    <p:cond delay="0"/>
+                                  </p:stCondLst>
+                                  <p:childTnLst>
+                                    <p:set>
+                                      <p:cBhvr>
+                                        <p:cTn id="10" dur="1" fill="hold">
+                                          <p:stCondLst>
+                                            <p:cond delay="0"/>
+                                          </p:stCondLst>
+                                        </p:cTn>
+                                        <p:tgtEl>
+                                          <p:spTgt spid="11"/>
+                                        </p:tgtEl>
+                                        <p:attrNameLst>
+                                          <p:attrName>style.visibility</p:attrName>
+                                        </p:attrNameLst>
+                                      </p:cBhvr>
+                                      <p:to>
+                                        <p:strVal val="visible"/>
+                                      </p:to>
+                                    </p:set>
+                                  </p:childTnLst>
+                                </p:cTn>
+                              </p:par>
+                            </p:childTnLst>
+                          </p:cTn>
+                        </p:par>
+                      </p:childTnLst>
+                    </p:cTn>
+                  </p:par>
+                </p:childTnLst>
+              </p:cTn>
+              <p:prevCondLst>
+                <p:cond evt="onPrev" delay="0">
+                  <p:tgtEl>
+                    <p:sldTgt/>
+                  </p:tgtEl>
+                </p:cond>
+              </p:prevCondLst>
+              <p:nextCondLst>
+                <p:cond evt="onNext" delay="0">
+                  <p:tgtEl>
+                    <p:sldTgt/>
+                  </p:tgtEl>
+                </p:cond>
+              </p:nextCondLst>
+            </p:seq>
+          </p:childTnLst>
+        </p:cTn>
+      </p:par>
+    </p:tnLst>
+    <p:bldLst>
+      <p:bldP spid="7" grpId="0"/>
+      <p:bldP spid="11" grpId="0" animBg="1"/>
+    </p:bldLst>
+  </p:timing>
 </p:sld>
 </file>
 
@@ -4634,12 +5403,14 @@
         </p:nvSpPr>
         <p:spPr/>
         <p:txBody>
-          <a:bodyPr/>
-          <a:lstStyle/>
-          <a:p>
-            <a:r>
-              <a:rPr lang="en-AT" dirty="0"/>
-              <a:t>Again:</a:t>
+          <a:bodyPr>
+            <a:normAutofit/>
+          </a:bodyPr>
+          <a:lstStyle/>
+          <a:p>
+            <a:r>
+              <a:rPr lang="en-AT" sz="3200" dirty="0"/>
+              <a:t>Summary</a:t>
             </a:r>
           </a:p>
         </p:txBody>
@@ -4662,56 +5433,73 @@
         </p:nvSpPr>
         <p:spPr/>
         <p:txBody>
-          <a:bodyPr/>
-          <a:lstStyle/>
-          <a:p>
-            <a:r>
-              <a:rPr lang="en-GB" dirty="0"/>
+          <a:bodyPr>
+            <a:normAutofit/>
+          </a:bodyPr>
+          <a:lstStyle/>
+          <a:p>
+            <a:pPr>
+              <a:buFont typeface="System Font Regular"/>
+              <a:buChar char="+"/>
+            </a:pPr>
+            <a:r>
+              <a:rPr lang="en-GB" sz="2600" dirty="0"/>
+              <a:t>Model follows intuition</a:t>
+            </a:r>
+          </a:p>
+          <a:p>
+            <a:pPr>
+              <a:buFont typeface="System Font Regular"/>
+              <a:buChar char="+"/>
+            </a:pPr>
+            <a:r>
+              <a:rPr lang="en-GB" sz="2600" dirty="0"/>
+              <a:t>no reference group needed</a:t>
+            </a:r>
+          </a:p>
+          <a:p>
+            <a:pPr>
+              <a:buFont typeface="System Font Regular"/>
+              <a:buChar char="+"/>
+            </a:pPr>
+            <a:r>
+              <a:rPr lang="en-GB" sz="2600" dirty="0"/>
+              <a:t>considers comprehensive ranking (rather than BT)</a:t>
+            </a:r>
+          </a:p>
+          <a:p>
+            <a:pPr>
+              <a:buFont typeface="System Font Regular"/>
+              <a:buChar char="±"/>
+            </a:pPr>
+            <a:endParaRPr lang="en-GB" sz="2600" dirty="0"/>
+          </a:p>
+          <a:p>
+            <a:pPr>
+              <a:buFont typeface="System Font Regular"/>
+              <a:buChar char="±"/>
+            </a:pPr>
+            <a:r>
+              <a:rPr lang="en-GB" sz="2600" dirty="0"/>
               <a:t>Q</a:t>
             </a:r>
             <a:r>
-              <a:rPr lang="en-AT" dirty="0"/>
+              <a:rPr lang="en-AT" sz="2600" dirty="0"/>
               <a:t>ualitative measure</a:t>
             </a:r>
           </a:p>
           <a:p>
-            <a:r>
-              <a:rPr lang="en-GB" dirty="0"/>
-              <a:t>S</a:t>
-            </a:r>
-            <a:r>
-              <a:rPr lang="en-AT" dirty="0"/>
-              <a:t>tatistical inference limited</a:t>
+            <a:pPr>
+              <a:buFont typeface="System Font Regular"/>
+              <a:buChar char="±"/>
+            </a:pPr>
+            <a:r>
+              <a:rPr lang="en-AT" sz="2600" dirty="0"/>
+              <a:t>Statistical inference limited</a:t>
             </a:r>
           </a:p>
           <a:p>
             <a:endParaRPr lang="en-AT" dirty="0"/>
-          </a:p>
-          <a:p>
-            <a:r>
-              <a:rPr lang="en-GB" dirty="0"/>
-              <a:t>N</a:t>
-            </a:r>
-            <a:r>
-              <a:rPr lang="en-AT" dirty="0"/>
-              <a:t>o reference group needed</a:t>
-            </a:r>
-          </a:p>
-          <a:p>
-            <a:r>
-              <a:rPr lang="en-GB" dirty="0"/>
-              <a:t>P</a:t>
-            </a:r>
-            <a:r>
-              <a:rPr lang="en-AT" dirty="0"/>
-              <a:t>artial ranking possible</a:t>
-            </a:r>
-          </a:p>
-          <a:p>
-            <a:r>
-              <a:rPr lang="en-AT" dirty="0"/>
-              <a:t>Inferences limited (H0, HA, etc.)</a:t>
-            </a:r>
           </a:p>
         </p:txBody>
       </p:sp>
@@ -4745,12 +5533,2516 @@
           <a:chExt cx="0" cy="0"/>
         </a:xfrm>
       </p:grpSpPr>
+      <p:grpSp>
+        <p:nvGrpSpPr>
+          <p:cNvPr id="13" name="Group 12">
+            <a:extLst>
+              <a:ext uri="{FF2B5EF4-FFF2-40B4-BE49-F238E27FC236}">
+                <a16:creationId xmlns:a16="http://schemas.microsoft.com/office/drawing/2014/main" id="{2B9BF307-AE60-064E-AB57-56AD34D26BD6}"/>
+              </a:ext>
+            </a:extLst>
+          </p:cNvPr>
+          <p:cNvGrpSpPr/>
+          <p:nvPr/>
+        </p:nvGrpSpPr>
+        <p:grpSpPr>
+          <a:xfrm>
+            <a:off x="492245" y="1575479"/>
+            <a:ext cx="3536056" cy="1838679"/>
+            <a:chOff x="2407543" y="2186554"/>
+            <a:chExt cx="6063113" cy="3081125"/>
+          </a:xfrm>
+        </p:grpSpPr>
+        <p:sp>
+          <p:nvSpPr>
+            <p:cNvPr id="4" name="Oval 3">
+              <a:extLst>
+                <a:ext uri="{FF2B5EF4-FFF2-40B4-BE49-F238E27FC236}">
+                  <a16:creationId xmlns:a16="http://schemas.microsoft.com/office/drawing/2014/main" id="{FD3A2997-AE60-3947-83D1-0FF2F429D7C3}"/>
+                </a:ext>
+              </a:extLst>
+            </p:cNvPr>
+            <p:cNvSpPr/>
+            <p:nvPr/>
+          </p:nvSpPr>
+          <p:spPr>
+            <a:xfrm>
+              <a:off x="2407543" y="3869111"/>
+              <a:ext cx="1461568" cy="1398568"/>
+            </a:xfrm>
+            <a:prstGeom prst="ellipse">
+              <a:avLst/>
+            </a:prstGeom>
+            <a:solidFill>
+              <a:schemeClr val="bg1">
+                <a:lumMod val="85000"/>
+              </a:schemeClr>
+            </a:solidFill>
+            <a:ln w="38100">
+              <a:solidFill>
+                <a:srgbClr val="C00000"/>
+              </a:solidFill>
+            </a:ln>
+          </p:spPr>
+          <p:style>
+            <a:lnRef idx="2">
+              <a:schemeClr val="accent1">
+                <a:shade val="50000"/>
+              </a:schemeClr>
+            </a:lnRef>
+            <a:fillRef idx="1">
+              <a:schemeClr val="accent1"/>
+            </a:fillRef>
+            <a:effectRef idx="0">
+              <a:schemeClr val="accent1"/>
+            </a:effectRef>
+            <a:fontRef idx="minor">
+              <a:schemeClr val="lt1"/>
+            </a:fontRef>
+          </p:style>
+          <p:txBody>
+            <a:bodyPr rtlCol="0" anchor="ctr"/>
+            <a:lstStyle/>
+            <a:p>
+              <a:pPr algn="ctr"/>
+              <a:r>
+                <a:rPr lang="en-GB" sz="800" b="1" dirty="0">
+                  <a:solidFill>
+                    <a:schemeClr val="tx1"/>
+                  </a:solidFill>
+                </a:rPr>
+                <a:t>P</a:t>
+              </a:r>
+              <a:r>
+                <a:rPr lang="en-AT" sz="800" b="1" dirty="0">
+                  <a:solidFill>
+                    <a:schemeClr val="tx1"/>
+                  </a:solidFill>
+                </a:rPr>
+                <a:t>rimary cancer</a:t>
+              </a:r>
+            </a:p>
+          </p:txBody>
+        </p:sp>
+        <p:cxnSp>
+          <p:nvCxnSpPr>
+            <p:cNvPr id="5" name="Straight Arrow Connector 4">
+              <a:extLst>
+                <a:ext uri="{FF2B5EF4-FFF2-40B4-BE49-F238E27FC236}">
+                  <a16:creationId xmlns:a16="http://schemas.microsoft.com/office/drawing/2014/main" id="{3F66C9E8-64DF-394C-8ECB-1D17145BE2A8}"/>
+                </a:ext>
+              </a:extLst>
+            </p:cNvPr>
+            <p:cNvCxnSpPr>
+              <a:cxnSpLocks/>
+              <a:stCxn id="4" idx="7"/>
+            </p:cNvCxnSpPr>
+            <p:nvPr/>
+          </p:nvCxnSpPr>
+          <p:spPr>
+            <a:xfrm flipV="1">
+              <a:off x="3655069" y="3149921"/>
+              <a:ext cx="1210635" cy="924006"/>
+            </a:xfrm>
+            <a:prstGeom prst="straightConnector1">
+              <a:avLst/>
+            </a:prstGeom>
+            <a:ln>
+              <a:tailEnd type="triangle"/>
+            </a:ln>
+          </p:spPr>
+          <p:style>
+            <a:lnRef idx="1">
+              <a:schemeClr val="accent1"/>
+            </a:lnRef>
+            <a:fillRef idx="0">
+              <a:schemeClr val="accent1"/>
+            </a:fillRef>
+            <a:effectRef idx="0">
+              <a:schemeClr val="accent1"/>
+            </a:effectRef>
+            <a:fontRef idx="minor">
+              <a:schemeClr val="tx1"/>
+            </a:fontRef>
+          </p:style>
+        </p:cxnSp>
+        <p:sp>
+          <p:nvSpPr>
+            <p:cNvPr id="6" name="Oval 5">
+              <a:extLst>
+                <a:ext uri="{FF2B5EF4-FFF2-40B4-BE49-F238E27FC236}">
+                  <a16:creationId xmlns:a16="http://schemas.microsoft.com/office/drawing/2014/main" id="{BB56CBDA-7C23-7A49-AE8C-F1F3EC97E126}"/>
+                </a:ext>
+              </a:extLst>
+            </p:cNvPr>
+            <p:cNvSpPr/>
+            <p:nvPr/>
+          </p:nvSpPr>
+          <p:spPr>
+            <a:xfrm>
+              <a:off x="4783511" y="2251520"/>
+              <a:ext cx="1181528" cy="1160979"/>
+            </a:xfrm>
+            <a:prstGeom prst="ellipse">
+              <a:avLst/>
+            </a:prstGeom>
+          </p:spPr>
+          <p:style>
+            <a:lnRef idx="2">
+              <a:schemeClr val="accent1">
+                <a:shade val="50000"/>
+              </a:schemeClr>
+            </a:lnRef>
+            <a:fillRef idx="1">
+              <a:schemeClr val="accent1"/>
+            </a:fillRef>
+            <a:effectRef idx="0">
+              <a:schemeClr val="accent1"/>
+            </a:effectRef>
+            <a:fontRef idx="minor">
+              <a:schemeClr val="lt1"/>
+            </a:fontRef>
+          </p:style>
+          <p:txBody>
+            <a:bodyPr rtlCol="0" anchor="ctr"/>
+            <a:lstStyle/>
+            <a:p>
+              <a:pPr algn="ctr"/>
+              <a:r>
+                <a:rPr lang="en-US" sz="800" dirty="0"/>
+                <a:t>Organ 2</a:t>
+              </a:r>
+              <a:endParaRPr lang="en-AT" sz="800" dirty="0"/>
+            </a:p>
+          </p:txBody>
+        </p:sp>
+        <p:sp>
+          <p:nvSpPr>
+            <p:cNvPr id="7" name="Oval 6">
+              <a:extLst>
+                <a:ext uri="{FF2B5EF4-FFF2-40B4-BE49-F238E27FC236}">
+                  <a16:creationId xmlns:a16="http://schemas.microsoft.com/office/drawing/2014/main" id="{1CA13F0B-548D-9F46-9678-210AF5FC2B54}"/>
+                </a:ext>
+              </a:extLst>
+            </p:cNvPr>
+            <p:cNvSpPr/>
+            <p:nvPr/>
+          </p:nvSpPr>
+          <p:spPr>
+            <a:xfrm>
+              <a:off x="4422203" y="4106700"/>
+              <a:ext cx="1181528" cy="1160979"/>
+            </a:xfrm>
+            <a:prstGeom prst="ellipse">
+              <a:avLst/>
+            </a:prstGeom>
+          </p:spPr>
+          <p:style>
+            <a:lnRef idx="2">
+              <a:schemeClr val="accent1">
+                <a:shade val="50000"/>
+              </a:schemeClr>
+            </a:lnRef>
+            <a:fillRef idx="1">
+              <a:schemeClr val="accent1"/>
+            </a:fillRef>
+            <a:effectRef idx="0">
+              <a:schemeClr val="accent1"/>
+            </a:effectRef>
+            <a:fontRef idx="minor">
+              <a:schemeClr val="lt1"/>
+            </a:fontRef>
+          </p:style>
+          <p:txBody>
+            <a:bodyPr rtlCol="0" anchor="ctr"/>
+            <a:lstStyle/>
+            <a:p>
+              <a:pPr algn="ctr"/>
+              <a:r>
+                <a:rPr lang="en-US" sz="800" dirty="0"/>
+                <a:t>Organ 1</a:t>
+              </a:r>
+              <a:endParaRPr lang="en-AT" sz="800" dirty="0"/>
+            </a:p>
+          </p:txBody>
+        </p:sp>
+        <p:cxnSp>
+          <p:nvCxnSpPr>
+            <p:cNvPr id="8" name="Straight Arrow Connector 7">
+              <a:extLst>
+                <a:ext uri="{FF2B5EF4-FFF2-40B4-BE49-F238E27FC236}">
+                  <a16:creationId xmlns:a16="http://schemas.microsoft.com/office/drawing/2014/main" id="{6C33AC0E-CDF7-A944-8355-10B688A60840}"/>
+                </a:ext>
+              </a:extLst>
+            </p:cNvPr>
+            <p:cNvCxnSpPr>
+              <a:cxnSpLocks/>
+              <a:stCxn id="4" idx="6"/>
+              <a:endCxn id="7" idx="2"/>
+            </p:cNvCxnSpPr>
+            <p:nvPr/>
+          </p:nvCxnSpPr>
+          <p:spPr>
+            <a:xfrm>
+              <a:off x="3869111" y="4568395"/>
+              <a:ext cx="553092" cy="118795"/>
+            </a:xfrm>
+            <a:prstGeom prst="straightConnector1">
+              <a:avLst/>
+            </a:prstGeom>
+            <a:ln>
+              <a:tailEnd type="triangle"/>
+            </a:ln>
+          </p:spPr>
+          <p:style>
+            <a:lnRef idx="1">
+              <a:schemeClr val="accent1"/>
+            </a:lnRef>
+            <a:fillRef idx="0">
+              <a:schemeClr val="accent1"/>
+            </a:fillRef>
+            <a:effectRef idx="0">
+              <a:schemeClr val="accent1"/>
+            </a:effectRef>
+            <a:fontRef idx="minor">
+              <a:schemeClr val="tx1"/>
+            </a:fontRef>
+          </p:style>
+        </p:cxnSp>
+        <p:cxnSp>
+          <p:nvCxnSpPr>
+            <p:cNvPr id="9" name="Straight Arrow Connector 8">
+              <a:extLst>
+                <a:ext uri="{FF2B5EF4-FFF2-40B4-BE49-F238E27FC236}">
+                  <a16:creationId xmlns:a16="http://schemas.microsoft.com/office/drawing/2014/main" id="{D28D521A-0D31-B246-8B75-56022240C12D}"/>
+                </a:ext>
+              </a:extLst>
+            </p:cNvPr>
+            <p:cNvCxnSpPr>
+              <a:cxnSpLocks/>
+            </p:cNvCxnSpPr>
+            <p:nvPr/>
+          </p:nvCxnSpPr>
+          <p:spPr>
+            <a:xfrm flipV="1">
+              <a:off x="3252579" y="3371402"/>
+              <a:ext cx="0" cy="493348"/>
+            </a:xfrm>
+            <a:prstGeom prst="straightConnector1">
+              <a:avLst/>
+            </a:prstGeom>
+            <a:ln>
+              <a:tailEnd type="triangle"/>
+            </a:ln>
+          </p:spPr>
+          <p:style>
+            <a:lnRef idx="1">
+              <a:schemeClr val="accent1"/>
+            </a:lnRef>
+            <a:fillRef idx="0">
+              <a:schemeClr val="accent1"/>
+            </a:fillRef>
+            <a:effectRef idx="0">
+              <a:schemeClr val="accent1"/>
+            </a:effectRef>
+            <a:fontRef idx="minor">
+              <a:schemeClr val="tx1"/>
+            </a:fontRef>
+          </p:style>
+        </p:cxnSp>
+        <p:sp>
+          <p:nvSpPr>
+            <p:cNvPr id="10" name="Oval 9">
+              <a:extLst>
+                <a:ext uri="{FF2B5EF4-FFF2-40B4-BE49-F238E27FC236}">
+                  <a16:creationId xmlns:a16="http://schemas.microsoft.com/office/drawing/2014/main" id="{8EBAC92C-9AA3-3340-AE69-B3225B6EF119}"/>
+                </a:ext>
+              </a:extLst>
+            </p:cNvPr>
+            <p:cNvSpPr/>
+            <p:nvPr/>
+          </p:nvSpPr>
+          <p:spPr>
+            <a:xfrm>
+              <a:off x="2676487" y="2186554"/>
+              <a:ext cx="1181528" cy="1160979"/>
+            </a:xfrm>
+            <a:prstGeom prst="ellipse">
+              <a:avLst/>
+            </a:prstGeom>
+          </p:spPr>
+          <p:style>
+            <a:lnRef idx="2">
+              <a:schemeClr val="accent1">
+                <a:shade val="50000"/>
+              </a:schemeClr>
+            </a:lnRef>
+            <a:fillRef idx="1">
+              <a:schemeClr val="accent1"/>
+            </a:fillRef>
+            <a:effectRef idx="0">
+              <a:schemeClr val="accent1"/>
+            </a:effectRef>
+            <a:fontRef idx="minor">
+              <a:schemeClr val="lt1"/>
+            </a:fontRef>
+          </p:style>
+          <p:txBody>
+            <a:bodyPr rtlCol="0" anchor="ctr"/>
+            <a:lstStyle/>
+            <a:p>
+              <a:pPr algn="ctr"/>
+              <a:r>
+                <a:rPr lang="en-US" sz="800" dirty="0"/>
+                <a:t>Organ 4</a:t>
+              </a:r>
+              <a:endParaRPr lang="en-AT" sz="800" dirty="0"/>
+            </a:p>
+          </p:txBody>
+        </p:sp>
+        <p:cxnSp>
+          <p:nvCxnSpPr>
+            <p:cNvPr id="11" name="Straight Arrow Connector 10">
+              <a:extLst>
+                <a:ext uri="{FF2B5EF4-FFF2-40B4-BE49-F238E27FC236}">
+                  <a16:creationId xmlns:a16="http://schemas.microsoft.com/office/drawing/2014/main" id="{9DD6DBA4-795B-9E45-BC9C-649E08BB9E2A}"/>
+                </a:ext>
+              </a:extLst>
+            </p:cNvPr>
+            <p:cNvCxnSpPr>
+              <a:cxnSpLocks/>
+            </p:cNvCxnSpPr>
+            <p:nvPr/>
+          </p:nvCxnSpPr>
+          <p:spPr>
+            <a:xfrm flipV="1">
+              <a:off x="3811310" y="3204646"/>
+              <a:ext cx="3477818" cy="1016622"/>
+            </a:xfrm>
+            <a:prstGeom prst="straightConnector1">
+              <a:avLst/>
+            </a:prstGeom>
+            <a:ln>
+              <a:tailEnd type="triangle"/>
+            </a:ln>
+          </p:spPr>
+          <p:style>
+            <a:lnRef idx="1">
+              <a:schemeClr val="accent1"/>
+            </a:lnRef>
+            <a:fillRef idx="0">
+              <a:schemeClr val="accent1"/>
+            </a:fillRef>
+            <a:effectRef idx="0">
+              <a:schemeClr val="accent1"/>
+            </a:effectRef>
+            <a:fontRef idx="minor">
+              <a:schemeClr val="tx1"/>
+            </a:fontRef>
+          </p:style>
+        </p:cxnSp>
+        <p:sp>
+          <p:nvSpPr>
+            <p:cNvPr id="12" name="Oval 11">
+              <a:extLst>
+                <a:ext uri="{FF2B5EF4-FFF2-40B4-BE49-F238E27FC236}">
+                  <a16:creationId xmlns:a16="http://schemas.microsoft.com/office/drawing/2014/main" id="{0CA0BEFE-F242-8746-9F03-893A01FE5107}"/>
+                </a:ext>
+              </a:extLst>
+            </p:cNvPr>
+            <p:cNvSpPr/>
+            <p:nvPr/>
+          </p:nvSpPr>
+          <p:spPr>
+            <a:xfrm>
+              <a:off x="7289128" y="2527190"/>
+              <a:ext cx="1181528" cy="1160979"/>
+            </a:xfrm>
+            <a:prstGeom prst="ellipse">
+              <a:avLst/>
+            </a:prstGeom>
+          </p:spPr>
+          <p:style>
+            <a:lnRef idx="2">
+              <a:schemeClr val="accent1">
+                <a:shade val="50000"/>
+              </a:schemeClr>
+            </a:lnRef>
+            <a:fillRef idx="1">
+              <a:schemeClr val="accent1"/>
+            </a:fillRef>
+            <a:effectRef idx="0">
+              <a:schemeClr val="accent1"/>
+            </a:effectRef>
+            <a:fontRef idx="minor">
+              <a:schemeClr val="lt1"/>
+            </a:fontRef>
+          </p:style>
+          <p:txBody>
+            <a:bodyPr rtlCol="0" anchor="ctr"/>
+            <a:lstStyle/>
+            <a:p>
+              <a:pPr algn="ctr"/>
+              <a:r>
+                <a:rPr lang="en-US" sz="800" dirty="0"/>
+                <a:t>Organ 3</a:t>
+              </a:r>
+              <a:endParaRPr lang="en-AT" sz="800" dirty="0"/>
+            </a:p>
+          </p:txBody>
+        </p:sp>
+      </p:grpSp>
+      <p:grpSp>
+        <p:nvGrpSpPr>
+          <p:cNvPr id="14" name="Group 13">
+            <a:extLst>
+              <a:ext uri="{FF2B5EF4-FFF2-40B4-BE49-F238E27FC236}">
+                <a16:creationId xmlns:a16="http://schemas.microsoft.com/office/drawing/2014/main" id="{9B6176D9-377D-2541-A065-E25B5BE6AE65}"/>
+              </a:ext>
+            </a:extLst>
+          </p:cNvPr>
+          <p:cNvGrpSpPr/>
+          <p:nvPr/>
+        </p:nvGrpSpPr>
+        <p:grpSpPr>
+          <a:xfrm>
+            <a:off x="4611160" y="1614248"/>
+            <a:ext cx="3536056" cy="1838679"/>
+            <a:chOff x="2407543" y="2186554"/>
+            <a:chExt cx="6063113" cy="3081125"/>
+          </a:xfrm>
+        </p:grpSpPr>
+        <p:sp>
+          <p:nvSpPr>
+            <p:cNvPr id="15" name="Oval 14">
+              <a:extLst>
+                <a:ext uri="{FF2B5EF4-FFF2-40B4-BE49-F238E27FC236}">
+                  <a16:creationId xmlns:a16="http://schemas.microsoft.com/office/drawing/2014/main" id="{5B8D5EDC-EC3A-9A41-A18C-056EB0435B86}"/>
+                </a:ext>
+              </a:extLst>
+            </p:cNvPr>
+            <p:cNvSpPr/>
+            <p:nvPr/>
+          </p:nvSpPr>
+          <p:spPr>
+            <a:xfrm>
+              <a:off x="2407543" y="3869111"/>
+              <a:ext cx="1461568" cy="1398568"/>
+            </a:xfrm>
+            <a:prstGeom prst="ellipse">
+              <a:avLst/>
+            </a:prstGeom>
+            <a:solidFill>
+              <a:schemeClr val="bg1">
+                <a:lumMod val="85000"/>
+              </a:schemeClr>
+            </a:solidFill>
+            <a:ln w="38100">
+              <a:solidFill>
+                <a:srgbClr val="C00000"/>
+              </a:solidFill>
+            </a:ln>
+          </p:spPr>
+          <p:style>
+            <a:lnRef idx="2">
+              <a:schemeClr val="accent1">
+                <a:shade val="50000"/>
+              </a:schemeClr>
+            </a:lnRef>
+            <a:fillRef idx="1">
+              <a:schemeClr val="accent1"/>
+            </a:fillRef>
+            <a:effectRef idx="0">
+              <a:schemeClr val="accent1"/>
+            </a:effectRef>
+            <a:fontRef idx="minor">
+              <a:schemeClr val="lt1"/>
+            </a:fontRef>
+          </p:style>
+          <p:txBody>
+            <a:bodyPr rtlCol="0" anchor="ctr"/>
+            <a:lstStyle/>
+            <a:p>
+              <a:pPr algn="ctr"/>
+              <a:r>
+                <a:rPr lang="en-GB" sz="800" b="1" dirty="0">
+                  <a:solidFill>
+                    <a:schemeClr val="tx1"/>
+                  </a:solidFill>
+                </a:rPr>
+                <a:t>P</a:t>
+              </a:r>
+              <a:r>
+                <a:rPr lang="en-AT" sz="800" b="1" dirty="0">
+                  <a:solidFill>
+                    <a:schemeClr val="tx1"/>
+                  </a:solidFill>
+                </a:rPr>
+                <a:t>rimary cancer</a:t>
+              </a:r>
+            </a:p>
+          </p:txBody>
+        </p:sp>
+        <p:cxnSp>
+          <p:nvCxnSpPr>
+            <p:cNvPr id="16" name="Straight Arrow Connector 15">
+              <a:extLst>
+                <a:ext uri="{FF2B5EF4-FFF2-40B4-BE49-F238E27FC236}">
+                  <a16:creationId xmlns:a16="http://schemas.microsoft.com/office/drawing/2014/main" id="{D6630709-64D3-4A42-89B2-0DEB37DA43E8}"/>
+                </a:ext>
+              </a:extLst>
+            </p:cNvPr>
+            <p:cNvCxnSpPr>
+              <a:cxnSpLocks/>
+              <a:stCxn id="15" idx="7"/>
+            </p:cNvCxnSpPr>
+            <p:nvPr/>
+          </p:nvCxnSpPr>
+          <p:spPr>
+            <a:xfrm flipV="1">
+              <a:off x="3655069" y="3149921"/>
+              <a:ext cx="1210635" cy="924006"/>
+            </a:xfrm>
+            <a:prstGeom prst="straightConnector1">
+              <a:avLst/>
+            </a:prstGeom>
+            <a:ln>
+              <a:tailEnd type="triangle"/>
+            </a:ln>
+          </p:spPr>
+          <p:style>
+            <a:lnRef idx="1">
+              <a:schemeClr val="accent1"/>
+            </a:lnRef>
+            <a:fillRef idx="0">
+              <a:schemeClr val="accent1"/>
+            </a:fillRef>
+            <a:effectRef idx="0">
+              <a:schemeClr val="accent1"/>
+            </a:effectRef>
+            <a:fontRef idx="minor">
+              <a:schemeClr val="tx1"/>
+            </a:fontRef>
+          </p:style>
+        </p:cxnSp>
+        <p:sp>
+          <p:nvSpPr>
+            <p:cNvPr id="17" name="Oval 16">
+              <a:extLst>
+                <a:ext uri="{FF2B5EF4-FFF2-40B4-BE49-F238E27FC236}">
+                  <a16:creationId xmlns:a16="http://schemas.microsoft.com/office/drawing/2014/main" id="{99A94AE7-98C7-8348-9E98-A5822E1B700F}"/>
+                </a:ext>
+              </a:extLst>
+            </p:cNvPr>
+            <p:cNvSpPr/>
+            <p:nvPr/>
+          </p:nvSpPr>
+          <p:spPr>
+            <a:xfrm>
+              <a:off x="4783511" y="2251520"/>
+              <a:ext cx="1181528" cy="1160979"/>
+            </a:xfrm>
+            <a:prstGeom prst="ellipse">
+              <a:avLst/>
+            </a:prstGeom>
+          </p:spPr>
+          <p:style>
+            <a:lnRef idx="2">
+              <a:schemeClr val="accent1">
+                <a:shade val="50000"/>
+              </a:schemeClr>
+            </a:lnRef>
+            <a:fillRef idx="1">
+              <a:schemeClr val="accent1"/>
+            </a:fillRef>
+            <a:effectRef idx="0">
+              <a:schemeClr val="accent1"/>
+            </a:effectRef>
+            <a:fontRef idx="minor">
+              <a:schemeClr val="lt1"/>
+            </a:fontRef>
+          </p:style>
+          <p:txBody>
+            <a:bodyPr rtlCol="0" anchor="ctr"/>
+            <a:lstStyle/>
+            <a:p>
+              <a:pPr algn="ctr"/>
+              <a:r>
+                <a:rPr lang="en-US" sz="800" dirty="0"/>
+                <a:t>Organ 2</a:t>
+              </a:r>
+              <a:endParaRPr lang="en-AT" sz="800" dirty="0"/>
+            </a:p>
+          </p:txBody>
+        </p:sp>
+        <p:sp>
+          <p:nvSpPr>
+            <p:cNvPr id="18" name="Oval 17">
+              <a:extLst>
+                <a:ext uri="{FF2B5EF4-FFF2-40B4-BE49-F238E27FC236}">
+                  <a16:creationId xmlns:a16="http://schemas.microsoft.com/office/drawing/2014/main" id="{D2A712E9-C752-B24C-AC27-D9BAAB8AB4FB}"/>
+                </a:ext>
+              </a:extLst>
+            </p:cNvPr>
+            <p:cNvSpPr/>
+            <p:nvPr/>
+          </p:nvSpPr>
+          <p:spPr>
+            <a:xfrm>
+              <a:off x="4422203" y="4106700"/>
+              <a:ext cx="1181528" cy="1160979"/>
+            </a:xfrm>
+            <a:prstGeom prst="ellipse">
+              <a:avLst/>
+            </a:prstGeom>
+          </p:spPr>
+          <p:style>
+            <a:lnRef idx="2">
+              <a:schemeClr val="accent1">
+                <a:shade val="50000"/>
+              </a:schemeClr>
+            </a:lnRef>
+            <a:fillRef idx="1">
+              <a:schemeClr val="accent1"/>
+            </a:fillRef>
+            <a:effectRef idx="0">
+              <a:schemeClr val="accent1"/>
+            </a:effectRef>
+            <a:fontRef idx="minor">
+              <a:schemeClr val="lt1"/>
+            </a:fontRef>
+          </p:style>
+          <p:txBody>
+            <a:bodyPr rtlCol="0" anchor="ctr"/>
+            <a:lstStyle/>
+            <a:p>
+              <a:pPr algn="ctr"/>
+              <a:r>
+                <a:rPr lang="en-US" sz="800" dirty="0"/>
+                <a:t>Organ 1</a:t>
+              </a:r>
+              <a:endParaRPr lang="en-AT" sz="800" dirty="0"/>
+            </a:p>
+          </p:txBody>
+        </p:sp>
+        <p:cxnSp>
+          <p:nvCxnSpPr>
+            <p:cNvPr id="19" name="Straight Arrow Connector 18">
+              <a:extLst>
+                <a:ext uri="{FF2B5EF4-FFF2-40B4-BE49-F238E27FC236}">
+                  <a16:creationId xmlns:a16="http://schemas.microsoft.com/office/drawing/2014/main" id="{1BC80222-98B4-1040-B18D-EDA292040611}"/>
+                </a:ext>
+              </a:extLst>
+            </p:cNvPr>
+            <p:cNvCxnSpPr>
+              <a:cxnSpLocks/>
+              <a:stCxn id="15" idx="6"/>
+              <a:endCxn id="18" idx="2"/>
+            </p:cNvCxnSpPr>
+            <p:nvPr/>
+          </p:nvCxnSpPr>
+          <p:spPr>
+            <a:xfrm>
+              <a:off x="3869111" y="4568395"/>
+              <a:ext cx="553092" cy="118795"/>
+            </a:xfrm>
+            <a:prstGeom prst="straightConnector1">
+              <a:avLst/>
+            </a:prstGeom>
+            <a:ln>
+              <a:tailEnd type="triangle"/>
+            </a:ln>
+          </p:spPr>
+          <p:style>
+            <a:lnRef idx="1">
+              <a:schemeClr val="accent1"/>
+            </a:lnRef>
+            <a:fillRef idx="0">
+              <a:schemeClr val="accent1"/>
+            </a:fillRef>
+            <a:effectRef idx="0">
+              <a:schemeClr val="accent1"/>
+            </a:effectRef>
+            <a:fontRef idx="minor">
+              <a:schemeClr val="tx1"/>
+            </a:fontRef>
+          </p:style>
+        </p:cxnSp>
+        <p:cxnSp>
+          <p:nvCxnSpPr>
+            <p:cNvPr id="20" name="Straight Arrow Connector 19">
+              <a:extLst>
+                <a:ext uri="{FF2B5EF4-FFF2-40B4-BE49-F238E27FC236}">
+                  <a16:creationId xmlns:a16="http://schemas.microsoft.com/office/drawing/2014/main" id="{D0738342-5F12-6F40-B14E-35CB27618A88}"/>
+                </a:ext>
+              </a:extLst>
+            </p:cNvPr>
+            <p:cNvCxnSpPr>
+              <a:cxnSpLocks/>
+            </p:cNvCxnSpPr>
+            <p:nvPr/>
+          </p:nvCxnSpPr>
+          <p:spPr>
+            <a:xfrm flipV="1">
+              <a:off x="3252579" y="3371402"/>
+              <a:ext cx="0" cy="493348"/>
+            </a:xfrm>
+            <a:prstGeom prst="straightConnector1">
+              <a:avLst/>
+            </a:prstGeom>
+            <a:ln>
+              <a:tailEnd type="triangle"/>
+            </a:ln>
+          </p:spPr>
+          <p:style>
+            <a:lnRef idx="1">
+              <a:schemeClr val="accent1"/>
+            </a:lnRef>
+            <a:fillRef idx="0">
+              <a:schemeClr val="accent1"/>
+            </a:fillRef>
+            <a:effectRef idx="0">
+              <a:schemeClr val="accent1"/>
+            </a:effectRef>
+            <a:fontRef idx="minor">
+              <a:schemeClr val="tx1"/>
+            </a:fontRef>
+          </p:style>
+        </p:cxnSp>
+        <p:sp>
+          <p:nvSpPr>
+            <p:cNvPr id="21" name="Oval 20">
+              <a:extLst>
+                <a:ext uri="{FF2B5EF4-FFF2-40B4-BE49-F238E27FC236}">
+                  <a16:creationId xmlns:a16="http://schemas.microsoft.com/office/drawing/2014/main" id="{731F480E-B127-C843-AB72-78923BD616B9}"/>
+                </a:ext>
+              </a:extLst>
+            </p:cNvPr>
+            <p:cNvSpPr/>
+            <p:nvPr/>
+          </p:nvSpPr>
+          <p:spPr>
+            <a:xfrm>
+              <a:off x="2676487" y="2186554"/>
+              <a:ext cx="1181528" cy="1160979"/>
+            </a:xfrm>
+            <a:prstGeom prst="ellipse">
+              <a:avLst/>
+            </a:prstGeom>
+          </p:spPr>
+          <p:style>
+            <a:lnRef idx="2">
+              <a:schemeClr val="accent1">
+                <a:shade val="50000"/>
+              </a:schemeClr>
+            </a:lnRef>
+            <a:fillRef idx="1">
+              <a:schemeClr val="accent1"/>
+            </a:fillRef>
+            <a:effectRef idx="0">
+              <a:schemeClr val="accent1"/>
+            </a:effectRef>
+            <a:fontRef idx="minor">
+              <a:schemeClr val="lt1"/>
+            </a:fontRef>
+          </p:style>
+          <p:txBody>
+            <a:bodyPr rtlCol="0" anchor="ctr"/>
+            <a:lstStyle/>
+            <a:p>
+              <a:pPr algn="ctr"/>
+              <a:r>
+                <a:rPr lang="en-US" sz="800" dirty="0"/>
+                <a:t>Organ 4</a:t>
+              </a:r>
+              <a:endParaRPr lang="en-AT" sz="800" dirty="0"/>
+            </a:p>
+          </p:txBody>
+        </p:sp>
+        <p:cxnSp>
+          <p:nvCxnSpPr>
+            <p:cNvPr id="22" name="Straight Arrow Connector 21">
+              <a:extLst>
+                <a:ext uri="{FF2B5EF4-FFF2-40B4-BE49-F238E27FC236}">
+                  <a16:creationId xmlns:a16="http://schemas.microsoft.com/office/drawing/2014/main" id="{15E0FE58-0000-C94C-B0A3-AB6F36A40618}"/>
+                </a:ext>
+              </a:extLst>
+            </p:cNvPr>
+            <p:cNvCxnSpPr>
+              <a:cxnSpLocks/>
+            </p:cNvCxnSpPr>
+            <p:nvPr/>
+          </p:nvCxnSpPr>
+          <p:spPr>
+            <a:xfrm flipV="1">
+              <a:off x="3811310" y="3204646"/>
+              <a:ext cx="3477818" cy="1016622"/>
+            </a:xfrm>
+            <a:prstGeom prst="straightConnector1">
+              <a:avLst/>
+            </a:prstGeom>
+            <a:ln>
+              <a:tailEnd type="triangle"/>
+            </a:ln>
+          </p:spPr>
+          <p:style>
+            <a:lnRef idx="1">
+              <a:schemeClr val="accent1"/>
+            </a:lnRef>
+            <a:fillRef idx="0">
+              <a:schemeClr val="accent1"/>
+            </a:fillRef>
+            <a:effectRef idx="0">
+              <a:schemeClr val="accent1"/>
+            </a:effectRef>
+            <a:fontRef idx="minor">
+              <a:schemeClr val="tx1"/>
+            </a:fontRef>
+          </p:style>
+        </p:cxnSp>
+        <p:sp>
+          <p:nvSpPr>
+            <p:cNvPr id="23" name="Oval 22">
+              <a:extLst>
+                <a:ext uri="{FF2B5EF4-FFF2-40B4-BE49-F238E27FC236}">
+                  <a16:creationId xmlns:a16="http://schemas.microsoft.com/office/drawing/2014/main" id="{6C2719F5-49D1-EA48-B3C0-0D9E94E6F2AB}"/>
+                </a:ext>
+              </a:extLst>
+            </p:cNvPr>
+            <p:cNvSpPr/>
+            <p:nvPr/>
+          </p:nvSpPr>
+          <p:spPr>
+            <a:xfrm>
+              <a:off x="7289128" y="2527190"/>
+              <a:ext cx="1181528" cy="1160979"/>
+            </a:xfrm>
+            <a:prstGeom prst="ellipse">
+              <a:avLst/>
+            </a:prstGeom>
+          </p:spPr>
+          <p:style>
+            <a:lnRef idx="2">
+              <a:schemeClr val="accent1">
+                <a:shade val="50000"/>
+              </a:schemeClr>
+            </a:lnRef>
+            <a:fillRef idx="1">
+              <a:schemeClr val="accent1"/>
+            </a:fillRef>
+            <a:effectRef idx="0">
+              <a:schemeClr val="accent1"/>
+            </a:effectRef>
+            <a:fontRef idx="minor">
+              <a:schemeClr val="lt1"/>
+            </a:fontRef>
+          </p:style>
+          <p:txBody>
+            <a:bodyPr rtlCol="0" anchor="ctr"/>
+            <a:lstStyle/>
+            <a:p>
+              <a:pPr algn="ctr"/>
+              <a:r>
+                <a:rPr lang="en-US" sz="800" dirty="0"/>
+                <a:t>Organ 3</a:t>
+              </a:r>
+              <a:endParaRPr lang="en-AT" sz="800" dirty="0"/>
+            </a:p>
+          </p:txBody>
+        </p:sp>
+      </p:grpSp>
+      <p:grpSp>
+        <p:nvGrpSpPr>
+          <p:cNvPr id="24" name="Group 23">
+            <a:extLst>
+              <a:ext uri="{FF2B5EF4-FFF2-40B4-BE49-F238E27FC236}">
+                <a16:creationId xmlns:a16="http://schemas.microsoft.com/office/drawing/2014/main" id="{59EA7E9B-B658-3D4D-80F0-4749490675C8}"/>
+              </a:ext>
+            </a:extLst>
+          </p:cNvPr>
+          <p:cNvGrpSpPr/>
+          <p:nvPr/>
+        </p:nvGrpSpPr>
+        <p:grpSpPr>
+          <a:xfrm>
+            <a:off x="8491183" y="1605797"/>
+            <a:ext cx="3536056" cy="1838679"/>
+            <a:chOff x="2407543" y="2186554"/>
+            <a:chExt cx="6063113" cy="3081125"/>
+          </a:xfrm>
+        </p:grpSpPr>
+        <p:sp>
+          <p:nvSpPr>
+            <p:cNvPr id="25" name="Oval 24">
+              <a:extLst>
+                <a:ext uri="{FF2B5EF4-FFF2-40B4-BE49-F238E27FC236}">
+                  <a16:creationId xmlns:a16="http://schemas.microsoft.com/office/drawing/2014/main" id="{6A101001-47DC-1040-BDE3-6889C9E2186B}"/>
+                </a:ext>
+              </a:extLst>
+            </p:cNvPr>
+            <p:cNvSpPr/>
+            <p:nvPr/>
+          </p:nvSpPr>
+          <p:spPr>
+            <a:xfrm>
+              <a:off x="2407543" y="3869111"/>
+              <a:ext cx="1461568" cy="1398568"/>
+            </a:xfrm>
+            <a:prstGeom prst="ellipse">
+              <a:avLst/>
+            </a:prstGeom>
+            <a:solidFill>
+              <a:schemeClr val="bg1">
+                <a:lumMod val="85000"/>
+              </a:schemeClr>
+            </a:solidFill>
+            <a:ln w="38100">
+              <a:solidFill>
+                <a:srgbClr val="C00000"/>
+              </a:solidFill>
+            </a:ln>
+          </p:spPr>
+          <p:style>
+            <a:lnRef idx="2">
+              <a:schemeClr val="accent1">
+                <a:shade val="50000"/>
+              </a:schemeClr>
+            </a:lnRef>
+            <a:fillRef idx="1">
+              <a:schemeClr val="accent1"/>
+            </a:fillRef>
+            <a:effectRef idx="0">
+              <a:schemeClr val="accent1"/>
+            </a:effectRef>
+            <a:fontRef idx="minor">
+              <a:schemeClr val="lt1"/>
+            </a:fontRef>
+          </p:style>
+          <p:txBody>
+            <a:bodyPr rtlCol="0" anchor="ctr"/>
+            <a:lstStyle/>
+            <a:p>
+              <a:pPr algn="ctr"/>
+              <a:r>
+                <a:rPr lang="en-GB" sz="800" b="1" dirty="0">
+                  <a:solidFill>
+                    <a:schemeClr val="tx1"/>
+                  </a:solidFill>
+                </a:rPr>
+                <a:t>P</a:t>
+              </a:r>
+              <a:r>
+                <a:rPr lang="en-AT" sz="800" b="1" dirty="0">
+                  <a:solidFill>
+                    <a:schemeClr val="tx1"/>
+                  </a:solidFill>
+                </a:rPr>
+                <a:t>rimary cancer</a:t>
+              </a:r>
+            </a:p>
+          </p:txBody>
+        </p:sp>
+        <p:cxnSp>
+          <p:nvCxnSpPr>
+            <p:cNvPr id="26" name="Straight Arrow Connector 25">
+              <a:extLst>
+                <a:ext uri="{FF2B5EF4-FFF2-40B4-BE49-F238E27FC236}">
+                  <a16:creationId xmlns:a16="http://schemas.microsoft.com/office/drawing/2014/main" id="{B9066846-6F2B-5F4B-B035-AD3F8E212DE8}"/>
+                </a:ext>
+              </a:extLst>
+            </p:cNvPr>
+            <p:cNvCxnSpPr>
+              <a:cxnSpLocks/>
+              <a:stCxn id="25" idx="7"/>
+            </p:cNvCxnSpPr>
+            <p:nvPr/>
+          </p:nvCxnSpPr>
+          <p:spPr>
+            <a:xfrm flipV="1">
+              <a:off x="3655069" y="3149921"/>
+              <a:ext cx="1210635" cy="924006"/>
+            </a:xfrm>
+            <a:prstGeom prst="straightConnector1">
+              <a:avLst/>
+            </a:prstGeom>
+            <a:ln>
+              <a:tailEnd type="triangle"/>
+            </a:ln>
+          </p:spPr>
+          <p:style>
+            <a:lnRef idx="1">
+              <a:schemeClr val="accent1"/>
+            </a:lnRef>
+            <a:fillRef idx="0">
+              <a:schemeClr val="accent1"/>
+            </a:fillRef>
+            <a:effectRef idx="0">
+              <a:schemeClr val="accent1"/>
+            </a:effectRef>
+            <a:fontRef idx="minor">
+              <a:schemeClr val="tx1"/>
+            </a:fontRef>
+          </p:style>
+        </p:cxnSp>
+        <p:sp>
+          <p:nvSpPr>
+            <p:cNvPr id="27" name="Oval 26">
+              <a:extLst>
+                <a:ext uri="{FF2B5EF4-FFF2-40B4-BE49-F238E27FC236}">
+                  <a16:creationId xmlns:a16="http://schemas.microsoft.com/office/drawing/2014/main" id="{E189DA21-6CF9-D24F-99CB-AD3338D16C6B}"/>
+                </a:ext>
+              </a:extLst>
+            </p:cNvPr>
+            <p:cNvSpPr/>
+            <p:nvPr/>
+          </p:nvSpPr>
+          <p:spPr>
+            <a:xfrm>
+              <a:off x="4783511" y="2251520"/>
+              <a:ext cx="1181528" cy="1160979"/>
+            </a:xfrm>
+            <a:prstGeom prst="ellipse">
+              <a:avLst/>
+            </a:prstGeom>
+          </p:spPr>
+          <p:style>
+            <a:lnRef idx="2">
+              <a:schemeClr val="accent1">
+                <a:shade val="50000"/>
+              </a:schemeClr>
+            </a:lnRef>
+            <a:fillRef idx="1">
+              <a:schemeClr val="accent1"/>
+            </a:fillRef>
+            <a:effectRef idx="0">
+              <a:schemeClr val="accent1"/>
+            </a:effectRef>
+            <a:fontRef idx="minor">
+              <a:schemeClr val="lt1"/>
+            </a:fontRef>
+          </p:style>
+          <p:txBody>
+            <a:bodyPr rtlCol="0" anchor="ctr"/>
+            <a:lstStyle/>
+            <a:p>
+              <a:pPr algn="ctr"/>
+              <a:r>
+                <a:rPr lang="en-US" sz="800" dirty="0"/>
+                <a:t>Organ 2</a:t>
+              </a:r>
+              <a:endParaRPr lang="en-AT" sz="800" dirty="0"/>
+            </a:p>
+          </p:txBody>
+        </p:sp>
+        <p:sp>
+          <p:nvSpPr>
+            <p:cNvPr id="28" name="Oval 27">
+              <a:extLst>
+                <a:ext uri="{FF2B5EF4-FFF2-40B4-BE49-F238E27FC236}">
+                  <a16:creationId xmlns:a16="http://schemas.microsoft.com/office/drawing/2014/main" id="{6809A696-70A7-5C43-A897-9DC6A7D4012F}"/>
+                </a:ext>
+              </a:extLst>
+            </p:cNvPr>
+            <p:cNvSpPr/>
+            <p:nvPr/>
+          </p:nvSpPr>
+          <p:spPr>
+            <a:xfrm>
+              <a:off x="4422203" y="4106700"/>
+              <a:ext cx="1181528" cy="1160979"/>
+            </a:xfrm>
+            <a:prstGeom prst="ellipse">
+              <a:avLst/>
+            </a:prstGeom>
+          </p:spPr>
+          <p:style>
+            <a:lnRef idx="2">
+              <a:schemeClr val="accent1">
+                <a:shade val="50000"/>
+              </a:schemeClr>
+            </a:lnRef>
+            <a:fillRef idx="1">
+              <a:schemeClr val="accent1"/>
+            </a:fillRef>
+            <a:effectRef idx="0">
+              <a:schemeClr val="accent1"/>
+            </a:effectRef>
+            <a:fontRef idx="minor">
+              <a:schemeClr val="lt1"/>
+            </a:fontRef>
+          </p:style>
+          <p:txBody>
+            <a:bodyPr rtlCol="0" anchor="ctr"/>
+            <a:lstStyle/>
+            <a:p>
+              <a:pPr algn="ctr"/>
+              <a:r>
+                <a:rPr lang="en-US" sz="800" dirty="0"/>
+                <a:t>Organ 1</a:t>
+              </a:r>
+              <a:endParaRPr lang="en-AT" sz="800" dirty="0"/>
+            </a:p>
+          </p:txBody>
+        </p:sp>
+        <p:cxnSp>
+          <p:nvCxnSpPr>
+            <p:cNvPr id="29" name="Straight Arrow Connector 28">
+              <a:extLst>
+                <a:ext uri="{FF2B5EF4-FFF2-40B4-BE49-F238E27FC236}">
+                  <a16:creationId xmlns:a16="http://schemas.microsoft.com/office/drawing/2014/main" id="{A5D60DCA-2369-1F41-9E15-5EB767F02CCA}"/>
+                </a:ext>
+              </a:extLst>
+            </p:cNvPr>
+            <p:cNvCxnSpPr>
+              <a:cxnSpLocks/>
+              <a:stCxn id="25" idx="6"/>
+              <a:endCxn id="28" idx="2"/>
+            </p:cNvCxnSpPr>
+            <p:nvPr/>
+          </p:nvCxnSpPr>
+          <p:spPr>
+            <a:xfrm>
+              <a:off x="3869111" y="4568395"/>
+              <a:ext cx="553092" cy="118795"/>
+            </a:xfrm>
+            <a:prstGeom prst="straightConnector1">
+              <a:avLst/>
+            </a:prstGeom>
+            <a:ln>
+              <a:tailEnd type="triangle"/>
+            </a:ln>
+          </p:spPr>
+          <p:style>
+            <a:lnRef idx="1">
+              <a:schemeClr val="accent1"/>
+            </a:lnRef>
+            <a:fillRef idx="0">
+              <a:schemeClr val="accent1"/>
+            </a:fillRef>
+            <a:effectRef idx="0">
+              <a:schemeClr val="accent1"/>
+            </a:effectRef>
+            <a:fontRef idx="minor">
+              <a:schemeClr val="tx1"/>
+            </a:fontRef>
+          </p:style>
+        </p:cxnSp>
+        <p:cxnSp>
+          <p:nvCxnSpPr>
+            <p:cNvPr id="30" name="Straight Arrow Connector 29">
+              <a:extLst>
+                <a:ext uri="{FF2B5EF4-FFF2-40B4-BE49-F238E27FC236}">
+                  <a16:creationId xmlns:a16="http://schemas.microsoft.com/office/drawing/2014/main" id="{E09087F8-8F2D-8B4C-9EF2-FCEC451845D8}"/>
+                </a:ext>
+              </a:extLst>
+            </p:cNvPr>
+            <p:cNvCxnSpPr>
+              <a:cxnSpLocks/>
+            </p:cNvCxnSpPr>
+            <p:nvPr/>
+          </p:nvCxnSpPr>
+          <p:spPr>
+            <a:xfrm flipV="1">
+              <a:off x="3252579" y="3371402"/>
+              <a:ext cx="0" cy="493348"/>
+            </a:xfrm>
+            <a:prstGeom prst="straightConnector1">
+              <a:avLst/>
+            </a:prstGeom>
+            <a:ln>
+              <a:tailEnd type="triangle"/>
+            </a:ln>
+          </p:spPr>
+          <p:style>
+            <a:lnRef idx="1">
+              <a:schemeClr val="accent1"/>
+            </a:lnRef>
+            <a:fillRef idx="0">
+              <a:schemeClr val="accent1"/>
+            </a:fillRef>
+            <a:effectRef idx="0">
+              <a:schemeClr val="accent1"/>
+            </a:effectRef>
+            <a:fontRef idx="minor">
+              <a:schemeClr val="tx1"/>
+            </a:fontRef>
+          </p:style>
+        </p:cxnSp>
+        <p:sp>
+          <p:nvSpPr>
+            <p:cNvPr id="31" name="Oval 30">
+              <a:extLst>
+                <a:ext uri="{FF2B5EF4-FFF2-40B4-BE49-F238E27FC236}">
+                  <a16:creationId xmlns:a16="http://schemas.microsoft.com/office/drawing/2014/main" id="{FECAE517-FA0B-824D-B68F-9C9BB4ED94D1}"/>
+                </a:ext>
+              </a:extLst>
+            </p:cNvPr>
+            <p:cNvSpPr/>
+            <p:nvPr/>
+          </p:nvSpPr>
+          <p:spPr>
+            <a:xfrm>
+              <a:off x="2676487" y="2186554"/>
+              <a:ext cx="1181528" cy="1160979"/>
+            </a:xfrm>
+            <a:prstGeom prst="ellipse">
+              <a:avLst/>
+            </a:prstGeom>
+          </p:spPr>
+          <p:style>
+            <a:lnRef idx="2">
+              <a:schemeClr val="accent1">
+                <a:shade val="50000"/>
+              </a:schemeClr>
+            </a:lnRef>
+            <a:fillRef idx="1">
+              <a:schemeClr val="accent1"/>
+            </a:fillRef>
+            <a:effectRef idx="0">
+              <a:schemeClr val="accent1"/>
+            </a:effectRef>
+            <a:fontRef idx="minor">
+              <a:schemeClr val="lt1"/>
+            </a:fontRef>
+          </p:style>
+          <p:txBody>
+            <a:bodyPr rtlCol="0" anchor="ctr"/>
+            <a:lstStyle/>
+            <a:p>
+              <a:pPr algn="ctr"/>
+              <a:r>
+                <a:rPr lang="en-US" sz="800" dirty="0"/>
+                <a:t>Organ 4</a:t>
+              </a:r>
+              <a:endParaRPr lang="en-AT" sz="800" dirty="0"/>
+            </a:p>
+          </p:txBody>
+        </p:sp>
+        <p:cxnSp>
+          <p:nvCxnSpPr>
+            <p:cNvPr id="32" name="Straight Arrow Connector 31">
+              <a:extLst>
+                <a:ext uri="{FF2B5EF4-FFF2-40B4-BE49-F238E27FC236}">
+                  <a16:creationId xmlns:a16="http://schemas.microsoft.com/office/drawing/2014/main" id="{9400F6FE-4EEE-5C45-8BA2-8C3DE1D57817}"/>
+                </a:ext>
+              </a:extLst>
+            </p:cNvPr>
+            <p:cNvCxnSpPr>
+              <a:cxnSpLocks/>
+            </p:cNvCxnSpPr>
+            <p:nvPr/>
+          </p:nvCxnSpPr>
+          <p:spPr>
+            <a:xfrm flipV="1">
+              <a:off x="3811310" y="3204646"/>
+              <a:ext cx="3477818" cy="1016622"/>
+            </a:xfrm>
+            <a:prstGeom prst="straightConnector1">
+              <a:avLst/>
+            </a:prstGeom>
+            <a:ln>
+              <a:tailEnd type="triangle"/>
+            </a:ln>
+          </p:spPr>
+          <p:style>
+            <a:lnRef idx="1">
+              <a:schemeClr val="accent1"/>
+            </a:lnRef>
+            <a:fillRef idx="0">
+              <a:schemeClr val="accent1"/>
+            </a:fillRef>
+            <a:effectRef idx="0">
+              <a:schemeClr val="accent1"/>
+            </a:effectRef>
+            <a:fontRef idx="minor">
+              <a:schemeClr val="tx1"/>
+            </a:fontRef>
+          </p:style>
+        </p:cxnSp>
+        <p:sp>
+          <p:nvSpPr>
+            <p:cNvPr id="33" name="Oval 32">
+              <a:extLst>
+                <a:ext uri="{FF2B5EF4-FFF2-40B4-BE49-F238E27FC236}">
+                  <a16:creationId xmlns:a16="http://schemas.microsoft.com/office/drawing/2014/main" id="{6940EEBB-D0D7-FB48-8468-34B2850295FA}"/>
+                </a:ext>
+              </a:extLst>
+            </p:cNvPr>
+            <p:cNvSpPr/>
+            <p:nvPr/>
+          </p:nvSpPr>
+          <p:spPr>
+            <a:xfrm>
+              <a:off x="7289128" y="2527190"/>
+              <a:ext cx="1181528" cy="1160979"/>
+            </a:xfrm>
+            <a:prstGeom prst="ellipse">
+              <a:avLst/>
+            </a:prstGeom>
+          </p:spPr>
+          <p:style>
+            <a:lnRef idx="2">
+              <a:schemeClr val="accent1">
+                <a:shade val="50000"/>
+              </a:schemeClr>
+            </a:lnRef>
+            <a:fillRef idx="1">
+              <a:schemeClr val="accent1"/>
+            </a:fillRef>
+            <a:effectRef idx="0">
+              <a:schemeClr val="accent1"/>
+            </a:effectRef>
+            <a:fontRef idx="minor">
+              <a:schemeClr val="lt1"/>
+            </a:fontRef>
+          </p:style>
+          <p:txBody>
+            <a:bodyPr rtlCol="0" anchor="ctr"/>
+            <a:lstStyle/>
+            <a:p>
+              <a:pPr algn="ctr"/>
+              <a:r>
+                <a:rPr lang="en-US" sz="800" dirty="0"/>
+                <a:t>Organ 3</a:t>
+              </a:r>
+              <a:endParaRPr lang="en-AT" sz="800" dirty="0"/>
+            </a:p>
+          </p:txBody>
+        </p:sp>
+      </p:grpSp>
+      <p:cxnSp>
+        <p:nvCxnSpPr>
+          <p:cNvPr id="35" name="Straight Connector 34">
+            <a:extLst>
+              <a:ext uri="{FF2B5EF4-FFF2-40B4-BE49-F238E27FC236}">
+                <a16:creationId xmlns:a16="http://schemas.microsoft.com/office/drawing/2014/main" id="{F690EBE2-534E-E348-933F-B3FBD369244C}"/>
+              </a:ext>
+            </a:extLst>
+          </p:cNvPr>
+          <p:cNvCxnSpPr/>
+          <p:nvPr/>
+        </p:nvCxnSpPr>
+        <p:spPr>
+          <a:xfrm>
+            <a:off x="492245" y="1359236"/>
+            <a:ext cx="3400133" cy="0"/>
+          </a:xfrm>
+          <a:prstGeom prst="line">
+            <a:avLst/>
+          </a:prstGeom>
+          <a:ln w="38100">
+            <a:solidFill>
+              <a:schemeClr val="bg1">
+                <a:lumMod val="50000"/>
+              </a:schemeClr>
+            </a:solidFill>
+          </a:ln>
+        </p:spPr>
+        <p:style>
+          <a:lnRef idx="1">
+            <a:schemeClr val="accent1"/>
+          </a:lnRef>
+          <a:fillRef idx="0">
+            <a:schemeClr val="accent1"/>
+          </a:fillRef>
+          <a:effectRef idx="0">
+            <a:schemeClr val="accent1"/>
+          </a:effectRef>
+          <a:fontRef idx="minor">
+            <a:schemeClr val="tx1"/>
+          </a:fontRef>
+        </p:style>
+      </p:cxnSp>
+      <p:cxnSp>
+        <p:nvCxnSpPr>
+          <p:cNvPr id="36" name="Straight Connector 35">
+            <a:extLst>
+              <a:ext uri="{FF2B5EF4-FFF2-40B4-BE49-F238E27FC236}">
+                <a16:creationId xmlns:a16="http://schemas.microsoft.com/office/drawing/2014/main" id="{51B54E5A-9D44-3A40-959D-E84A0B0BDFA6}"/>
+              </a:ext>
+            </a:extLst>
+          </p:cNvPr>
+          <p:cNvCxnSpPr/>
+          <p:nvPr/>
+        </p:nvCxnSpPr>
+        <p:spPr>
+          <a:xfrm>
+            <a:off x="4611160" y="1359236"/>
+            <a:ext cx="3400133" cy="0"/>
+          </a:xfrm>
+          <a:prstGeom prst="line">
+            <a:avLst/>
+          </a:prstGeom>
+          <a:ln w="38100">
+            <a:solidFill>
+              <a:schemeClr val="bg1">
+                <a:lumMod val="50000"/>
+              </a:schemeClr>
+            </a:solidFill>
+          </a:ln>
+        </p:spPr>
+        <p:style>
+          <a:lnRef idx="1">
+            <a:schemeClr val="accent1"/>
+          </a:lnRef>
+          <a:fillRef idx="0">
+            <a:schemeClr val="accent1"/>
+          </a:fillRef>
+          <a:effectRef idx="0">
+            <a:schemeClr val="accent1"/>
+          </a:effectRef>
+          <a:fontRef idx="minor">
+            <a:schemeClr val="tx1"/>
+          </a:fontRef>
+        </p:style>
+      </p:cxnSp>
+      <p:cxnSp>
+        <p:nvCxnSpPr>
+          <p:cNvPr id="37" name="Straight Connector 36">
+            <a:extLst>
+              <a:ext uri="{FF2B5EF4-FFF2-40B4-BE49-F238E27FC236}">
+                <a16:creationId xmlns:a16="http://schemas.microsoft.com/office/drawing/2014/main" id="{4435BE32-B398-F040-BF6D-61694B81175F}"/>
+              </a:ext>
+            </a:extLst>
+          </p:cNvPr>
+          <p:cNvCxnSpPr/>
+          <p:nvPr/>
+        </p:nvCxnSpPr>
+        <p:spPr>
+          <a:xfrm>
+            <a:off x="8623949" y="1350998"/>
+            <a:ext cx="3400133" cy="0"/>
+          </a:xfrm>
+          <a:prstGeom prst="line">
+            <a:avLst/>
+          </a:prstGeom>
+          <a:ln w="38100">
+            <a:solidFill>
+              <a:schemeClr val="bg1">
+                <a:lumMod val="50000"/>
+              </a:schemeClr>
+            </a:solidFill>
+          </a:ln>
+        </p:spPr>
+        <p:style>
+          <a:lnRef idx="1">
+            <a:schemeClr val="accent1"/>
+          </a:lnRef>
+          <a:fillRef idx="0">
+            <a:schemeClr val="accent1"/>
+          </a:fillRef>
+          <a:effectRef idx="0">
+            <a:schemeClr val="accent1"/>
+          </a:effectRef>
+          <a:fontRef idx="minor">
+            <a:schemeClr val="tx1"/>
+          </a:fontRef>
+        </p:style>
+      </p:cxnSp>
+      <p:sp>
+        <p:nvSpPr>
+          <p:cNvPr id="38" name="TextBox 37">
+            <a:extLst>
+              <a:ext uri="{FF2B5EF4-FFF2-40B4-BE49-F238E27FC236}">
+                <a16:creationId xmlns:a16="http://schemas.microsoft.com/office/drawing/2014/main" id="{BB3FFF42-F556-8243-A326-A52B39958CBF}"/>
+              </a:ext>
+            </a:extLst>
+          </p:cNvPr>
+          <p:cNvSpPr txBox="1"/>
+          <p:nvPr/>
+        </p:nvSpPr>
+        <p:spPr>
+          <a:xfrm>
+            <a:off x="1471492" y="1024571"/>
+            <a:ext cx="1069203" cy="307777"/>
+          </a:xfrm>
+          <a:prstGeom prst="rect">
+            <a:avLst/>
+          </a:prstGeom>
+          <a:noFill/>
+        </p:spPr>
+        <p:txBody>
+          <a:bodyPr wrap="none" rtlCol="0">
+            <a:spAutoFit/>
+          </a:bodyPr>
+          <a:lstStyle/>
+          <a:p>
+            <a:r>
+              <a:rPr lang="en-AT" sz="1400" i="1" dirty="0"/>
+              <a:t>Organ site 1</a:t>
+            </a:r>
+          </a:p>
+        </p:txBody>
+      </p:sp>
+      <p:sp>
+        <p:nvSpPr>
+          <p:cNvPr id="39" name="TextBox 38">
+            <a:extLst>
+              <a:ext uri="{FF2B5EF4-FFF2-40B4-BE49-F238E27FC236}">
+                <a16:creationId xmlns:a16="http://schemas.microsoft.com/office/drawing/2014/main" id="{8F688351-306C-B140-9508-9CE740B343A7}"/>
+              </a:ext>
+            </a:extLst>
+          </p:cNvPr>
+          <p:cNvSpPr txBox="1"/>
+          <p:nvPr/>
+        </p:nvSpPr>
+        <p:spPr>
+          <a:xfrm>
+            <a:off x="5640363" y="1019712"/>
+            <a:ext cx="1069203" cy="307777"/>
+          </a:xfrm>
+          <a:prstGeom prst="rect">
+            <a:avLst/>
+          </a:prstGeom>
+          <a:noFill/>
+        </p:spPr>
+        <p:txBody>
+          <a:bodyPr wrap="none" rtlCol="0">
+            <a:spAutoFit/>
+          </a:bodyPr>
+          <a:lstStyle/>
+          <a:p>
+            <a:r>
+              <a:rPr lang="en-AT" sz="1400" i="1" dirty="0"/>
+              <a:t>Organ site 2</a:t>
+            </a:r>
+          </a:p>
+        </p:txBody>
+      </p:sp>
+      <p:sp>
+        <p:nvSpPr>
+          <p:cNvPr id="40" name="TextBox 39">
+            <a:extLst>
+              <a:ext uri="{FF2B5EF4-FFF2-40B4-BE49-F238E27FC236}">
+                <a16:creationId xmlns:a16="http://schemas.microsoft.com/office/drawing/2014/main" id="{E8923F56-4D71-DD46-9E04-8444D8FFC0A0}"/>
+              </a:ext>
+            </a:extLst>
+          </p:cNvPr>
+          <p:cNvSpPr txBox="1"/>
+          <p:nvPr/>
+        </p:nvSpPr>
+        <p:spPr>
+          <a:xfrm>
+            <a:off x="9789413" y="1026892"/>
+            <a:ext cx="1069203" cy="307777"/>
+          </a:xfrm>
+          <a:prstGeom prst="rect">
+            <a:avLst/>
+          </a:prstGeom>
+          <a:noFill/>
+        </p:spPr>
+        <p:txBody>
+          <a:bodyPr wrap="none" rtlCol="0">
+            <a:spAutoFit/>
+          </a:bodyPr>
+          <a:lstStyle/>
+          <a:p>
+            <a:r>
+              <a:rPr lang="en-AT" sz="1400" i="1" dirty="0"/>
+              <a:t>Organ site 3</a:t>
+            </a:r>
+          </a:p>
+        </p:txBody>
+      </p:sp>
+      <p:cxnSp>
+        <p:nvCxnSpPr>
+          <p:cNvPr id="42" name="Straight Arrow Connector 41">
+            <a:extLst>
+              <a:ext uri="{FF2B5EF4-FFF2-40B4-BE49-F238E27FC236}">
+                <a16:creationId xmlns:a16="http://schemas.microsoft.com/office/drawing/2014/main" id="{83D6167D-4689-684A-9157-F8A8AC986B92}"/>
+              </a:ext>
+            </a:extLst>
+          </p:cNvPr>
+          <p:cNvCxnSpPr/>
+          <p:nvPr/>
+        </p:nvCxnSpPr>
+        <p:spPr>
+          <a:xfrm flipV="1">
+            <a:off x="649095" y="3755731"/>
+            <a:ext cx="10855046" cy="0"/>
+          </a:xfrm>
+          <a:prstGeom prst="straightConnector1">
+            <a:avLst/>
+          </a:prstGeom>
+          <a:ln w="12700">
+            <a:solidFill>
+              <a:schemeClr val="bg1">
+                <a:lumMod val="50000"/>
+              </a:schemeClr>
+            </a:solidFill>
+            <a:tailEnd type="triangle"/>
+          </a:ln>
+        </p:spPr>
+        <p:style>
+          <a:lnRef idx="1">
+            <a:schemeClr val="accent1"/>
+          </a:lnRef>
+          <a:fillRef idx="0">
+            <a:schemeClr val="accent1"/>
+          </a:fillRef>
+          <a:effectRef idx="0">
+            <a:schemeClr val="accent1"/>
+          </a:effectRef>
+          <a:fontRef idx="minor">
+            <a:schemeClr val="tx1"/>
+          </a:fontRef>
+        </p:style>
+      </p:cxnSp>
+      <p:sp>
+        <p:nvSpPr>
+          <p:cNvPr id="43" name="TextBox 42">
+            <a:extLst>
+              <a:ext uri="{FF2B5EF4-FFF2-40B4-BE49-F238E27FC236}">
+                <a16:creationId xmlns:a16="http://schemas.microsoft.com/office/drawing/2014/main" id="{D129AABA-8CAE-3840-B939-9AE97E00CD82}"/>
+              </a:ext>
+            </a:extLst>
+          </p:cNvPr>
+          <p:cNvSpPr txBox="1"/>
+          <p:nvPr/>
+        </p:nvSpPr>
+        <p:spPr>
+          <a:xfrm>
+            <a:off x="3123269" y="3855427"/>
+            <a:ext cx="6375913" cy="338554"/>
+          </a:xfrm>
+          <a:prstGeom prst="rect">
+            <a:avLst/>
+          </a:prstGeom>
+          <a:noFill/>
+        </p:spPr>
+        <p:txBody>
+          <a:bodyPr wrap="none" rtlCol="0">
+            <a:spAutoFit/>
+          </a:bodyPr>
+          <a:lstStyle/>
+          <a:p>
+            <a:r>
+              <a:rPr lang="en-GB" sz="1600" i="1" dirty="0"/>
+              <a:t>Every metastatic lesion is independent; BT model for 1</a:t>
+            </a:r>
+            <a:r>
+              <a:rPr lang="en-GB" sz="1600" i="1" baseline="30000" dirty="0"/>
+              <a:t>st</a:t>
+            </a:r>
+            <a:r>
+              <a:rPr lang="en-GB" sz="1600" i="1" dirty="0"/>
+              <a:t> 2</a:t>
+            </a:r>
+            <a:r>
+              <a:rPr lang="en-GB" sz="1600" i="1" baseline="30000" dirty="0"/>
+              <a:t>nd</a:t>
+            </a:r>
+            <a:r>
+              <a:rPr lang="en-GB" sz="1600" i="1" dirty="0"/>
+              <a:t>, 3</a:t>
+            </a:r>
+            <a:r>
+              <a:rPr lang="en-GB" sz="1600" i="1" baseline="30000" dirty="0"/>
+              <a:t>rd </a:t>
+            </a:r>
+            <a:r>
+              <a:rPr lang="en-GB" sz="1600" i="1" dirty="0"/>
+              <a:t>occurrence</a:t>
+            </a:r>
+            <a:endParaRPr lang="en-AT" sz="1600" i="1" baseline="30000" dirty="0"/>
+          </a:p>
+        </p:txBody>
+      </p:sp>
+      <p:grpSp>
+        <p:nvGrpSpPr>
+          <p:cNvPr id="44" name="Group 43">
+            <a:extLst>
+              <a:ext uri="{FF2B5EF4-FFF2-40B4-BE49-F238E27FC236}">
+                <a16:creationId xmlns:a16="http://schemas.microsoft.com/office/drawing/2014/main" id="{2C62F04C-7841-A849-AF22-5A8B0DEDAE01}"/>
+              </a:ext>
+            </a:extLst>
+          </p:cNvPr>
+          <p:cNvGrpSpPr/>
+          <p:nvPr/>
+        </p:nvGrpSpPr>
+        <p:grpSpPr>
+          <a:xfrm>
+            <a:off x="772667" y="5153240"/>
+            <a:ext cx="5586207" cy="834603"/>
+            <a:chOff x="2407543" y="3869111"/>
+            <a:chExt cx="9578414" cy="1398568"/>
+          </a:xfrm>
+        </p:grpSpPr>
+        <p:sp>
+          <p:nvSpPr>
+            <p:cNvPr id="45" name="Oval 44">
+              <a:extLst>
+                <a:ext uri="{FF2B5EF4-FFF2-40B4-BE49-F238E27FC236}">
+                  <a16:creationId xmlns:a16="http://schemas.microsoft.com/office/drawing/2014/main" id="{951DF66E-AE8B-2D4D-93E5-4015080E8F71}"/>
+                </a:ext>
+              </a:extLst>
+            </p:cNvPr>
+            <p:cNvSpPr/>
+            <p:nvPr/>
+          </p:nvSpPr>
+          <p:spPr>
+            <a:xfrm>
+              <a:off x="2407543" y="3869111"/>
+              <a:ext cx="1461568" cy="1398568"/>
+            </a:xfrm>
+            <a:prstGeom prst="ellipse">
+              <a:avLst/>
+            </a:prstGeom>
+            <a:solidFill>
+              <a:schemeClr val="bg1">
+                <a:lumMod val="85000"/>
+              </a:schemeClr>
+            </a:solidFill>
+            <a:ln w="38100">
+              <a:solidFill>
+                <a:srgbClr val="C00000"/>
+              </a:solidFill>
+            </a:ln>
+          </p:spPr>
+          <p:style>
+            <a:lnRef idx="2">
+              <a:schemeClr val="accent1">
+                <a:shade val="50000"/>
+              </a:schemeClr>
+            </a:lnRef>
+            <a:fillRef idx="1">
+              <a:schemeClr val="accent1"/>
+            </a:fillRef>
+            <a:effectRef idx="0">
+              <a:schemeClr val="accent1"/>
+            </a:effectRef>
+            <a:fontRef idx="minor">
+              <a:schemeClr val="lt1"/>
+            </a:fontRef>
+          </p:style>
+          <p:txBody>
+            <a:bodyPr rtlCol="0" anchor="ctr"/>
+            <a:lstStyle/>
+            <a:p>
+              <a:pPr algn="ctr"/>
+              <a:r>
+                <a:rPr lang="en-GB" sz="800" b="1" dirty="0">
+                  <a:solidFill>
+                    <a:schemeClr val="tx1"/>
+                  </a:solidFill>
+                </a:rPr>
+                <a:t>P</a:t>
+              </a:r>
+              <a:r>
+                <a:rPr lang="en-AT" sz="800" b="1" dirty="0">
+                  <a:solidFill>
+                    <a:schemeClr val="tx1"/>
+                  </a:solidFill>
+                </a:rPr>
+                <a:t>rimary cancer</a:t>
+              </a:r>
+            </a:p>
+          </p:txBody>
+        </p:sp>
+        <p:sp>
+          <p:nvSpPr>
+            <p:cNvPr id="47" name="Oval 46">
+              <a:extLst>
+                <a:ext uri="{FF2B5EF4-FFF2-40B4-BE49-F238E27FC236}">
+                  <a16:creationId xmlns:a16="http://schemas.microsoft.com/office/drawing/2014/main" id="{28FE7B48-B30D-7647-BFA5-C911A5ABB705}"/>
+                </a:ext>
+              </a:extLst>
+            </p:cNvPr>
+            <p:cNvSpPr/>
+            <p:nvPr/>
+          </p:nvSpPr>
+          <p:spPr>
+            <a:xfrm>
+              <a:off x="6360315" y="3983435"/>
+              <a:ext cx="1181529" cy="1160979"/>
+            </a:xfrm>
+            <a:prstGeom prst="ellipse">
+              <a:avLst/>
+            </a:prstGeom>
+          </p:spPr>
+          <p:style>
+            <a:lnRef idx="2">
+              <a:schemeClr val="accent1">
+                <a:shade val="50000"/>
+              </a:schemeClr>
+            </a:lnRef>
+            <a:fillRef idx="1">
+              <a:schemeClr val="accent1"/>
+            </a:fillRef>
+            <a:effectRef idx="0">
+              <a:schemeClr val="accent1"/>
+            </a:effectRef>
+            <a:fontRef idx="minor">
+              <a:schemeClr val="lt1"/>
+            </a:fontRef>
+          </p:style>
+          <p:txBody>
+            <a:bodyPr rtlCol="0" anchor="ctr"/>
+            <a:lstStyle/>
+            <a:p>
+              <a:pPr algn="ctr"/>
+              <a:r>
+                <a:rPr lang="en-US" sz="800" dirty="0"/>
+                <a:t>Organ 2</a:t>
+              </a:r>
+              <a:endParaRPr lang="en-AT" sz="800" dirty="0"/>
+            </a:p>
+          </p:txBody>
+        </p:sp>
+        <p:sp>
+          <p:nvSpPr>
+            <p:cNvPr id="48" name="Oval 47">
+              <a:extLst>
+                <a:ext uri="{FF2B5EF4-FFF2-40B4-BE49-F238E27FC236}">
+                  <a16:creationId xmlns:a16="http://schemas.microsoft.com/office/drawing/2014/main" id="{8842347D-1197-6B41-8504-8CA29DD47603}"/>
+                </a:ext>
+              </a:extLst>
+            </p:cNvPr>
+            <p:cNvSpPr/>
+            <p:nvPr/>
+          </p:nvSpPr>
+          <p:spPr>
+            <a:xfrm>
+              <a:off x="4659268" y="3987904"/>
+              <a:ext cx="1181529" cy="1160979"/>
+            </a:xfrm>
+            <a:prstGeom prst="ellipse">
+              <a:avLst/>
+            </a:prstGeom>
+          </p:spPr>
+          <p:style>
+            <a:lnRef idx="2">
+              <a:schemeClr val="accent1">
+                <a:shade val="50000"/>
+              </a:schemeClr>
+            </a:lnRef>
+            <a:fillRef idx="1">
+              <a:schemeClr val="accent1"/>
+            </a:fillRef>
+            <a:effectRef idx="0">
+              <a:schemeClr val="accent1"/>
+            </a:effectRef>
+            <a:fontRef idx="minor">
+              <a:schemeClr val="lt1"/>
+            </a:fontRef>
+          </p:style>
+          <p:txBody>
+            <a:bodyPr rtlCol="0" anchor="ctr"/>
+            <a:lstStyle/>
+            <a:p>
+              <a:pPr algn="ctr"/>
+              <a:r>
+                <a:rPr lang="en-US" sz="800" dirty="0"/>
+                <a:t>Organ 1</a:t>
+              </a:r>
+              <a:endParaRPr lang="en-AT" sz="800" dirty="0"/>
+            </a:p>
+          </p:txBody>
+        </p:sp>
+        <p:cxnSp>
+          <p:nvCxnSpPr>
+            <p:cNvPr id="49" name="Straight Arrow Connector 48">
+              <a:extLst>
+                <a:ext uri="{FF2B5EF4-FFF2-40B4-BE49-F238E27FC236}">
+                  <a16:creationId xmlns:a16="http://schemas.microsoft.com/office/drawing/2014/main" id="{A5ADBF4B-668D-0449-AF4D-35B542B66D0A}"/>
+                </a:ext>
+              </a:extLst>
+            </p:cNvPr>
+            <p:cNvCxnSpPr>
+              <a:cxnSpLocks/>
+              <a:stCxn id="45" idx="6"/>
+            </p:cNvCxnSpPr>
+            <p:nvPr/>
+          </p:nvCxnSpPr>
+          <p:spPr>
+            <a:xfrm>
+              <a:off x="3869111" y="4568396"/>
+              <a:ext cx="790157" cy="0"/>
+            </a:xfrm>
+            <a:prstGeom prst="straightConnector1">
+              <a:avLst/>
+            </a:prstGeom>
+            <a:ln w="57150">
+              <a:tailEnd type="triangle"/>
+            </a:ln>
+          </p:spPr>
+          <p:style>
+            <a:lnRef idx="1">
+              <a:schemeClr val="accent1"/>
+            </a:lnRef>
+            <a:fillRef idx="0">
+              <a:schemeClr val="accent1"/>
+            </a:fillRef>
+            <a:effectRef idx="0">
+              <a:schemeClr val="accent1"/>
+            </a:effectRef>
+            <a:fontRef idx="minor">
+              <a:schemeClr val="tx1"/>
+            </a:fontRef>
+          </p:style>
+        </p:cxnSp>
+        <p:cxnSp>
+          <p:nvCxnSpPr>
+            <p:cNvPr id="50" name="Straight Arrow Connector 49">
+              <a:extLst>
+                <a:ext uri="{FF2B5EF4-FFF2-40B4-BE49-F238E27FC236}">
+                  <a16:creationId xmlns:a16="http://schemas.microsoft.com/office/drawing/2014/main" id="{FBC905F9-C8D5-CE48-B1C9-0F80FE019474}"/>
+                </a:ext>
+              </a:extLst>
+            </p:cNvPr>
+            <p:cNvCxnSpPr>
+              <a:cxnSpLocks/>
+            </p:cNvCxnSpPr>
+            <p:nvPr/>
+          </p:nvCxnSpPr>
+          <p:spPr>
+            <a:xfrm rot="5400000" flipV="1">
+              <a:off x="6093201" y="4315989"/>
+              <a:ext cx="0" cy="504808"/>
+            </a:xfrm>
+            <a:prstGeom prst="straightConnector1">
+              <a:avLst/>
+            </a:prstGeom>
+            <a:ln w="28575">
+              <a:tailEnd type="triangle"/>
+            </a:ln>
+          </p:spPr>
+          <p:style>
+            <a:lnRef idx="1">
+              <a:schemeClr val="accent1"/>
+            </a:lnRef>
+            <a:fillRef idx="0">
+              <a:schemeClr val="accent1"/>
+            </a:fillRef>
+            <a:effectRef idx="0">
+              <a:schemeClr val="accent1"/>
+            </a:effectRef>
+            <a:fontRef idx="minor">
+              <a:schemeClr val="tx1"/>
+            </a:fontRef>
+          </p:style>
+        </p:cxnSp>
+        <p:sp>
+          <p:nvSpPr>
+            <p:cNvPr id="51" name="Oval 50">
+              <a:extLst>
+                <a:ext uri="{FF2B5EF4-FFF2-40B4-BE49-F238E27FC236}">
+                  <a16:creationId xmlns:a16="http://schemas.microsoft.com/office/drawing/2014/main" id="{CE8DDB49-B362-454B-9049-7A2504E8EC4A}"/>
+                </a:ext>
+              </a:extLst>
+            </p:cNvPr>
+            <p:cNvSpPr/>
+            <p:nvPr/>
+          </p:nvSpPr>
+          <p:spPr>
+            <a:xfrm>
+              <a:off x="10804428" y="3983430"/>
+              <a:ext cx="1181529" cy="1160979"/>
+            </a:xfrm>
+            <a:prstGeom prst="ellipse">
+              <a:avLst/>
+            </a:prstGeom>
+          </p:spPr>
+          <p:style>
+            <a:lnRef idx="2">
+              <a:schemeClr val="accent1">
+                <a:shade val="50000"/>
+              </a:schemeClr>
+            </a:lnRef>
+            <a:fillRef idx="1">
+              <a:schemeClr val="accent1"/>
+            </a:fillRef>
+            <a:effectRef idx="0">
+              <a:schemeClr val="accent1"/>
+            </a:effectRef>
+            <a:fontRef idx="minor">
+              <a:schemeClr val="lt1"/>
+            </a:fontRef>
+          </p:style>
+          <p:txBody>
+            <a:bodyPr rtlCol="0" anchor="ctr"/>
+            <a:lstStyle/>
+            <a:p>
+              <a:pPr algn="ctr"/>
+              <a:r>
+                <a:rPr lang="en-US" sz="800" dirty="0"/>
+                <a:t>Organ 4</a:t>
+              </a:r>
+              <a:endParaRPr lang="en-AT" sz="800" dirty="0"/>
+            </a:p>
+          </p:txBody>
+        </p:sp>
+        <p:sp>
+          <p:nvSpPr>
+            <p:cNvPr id="53" name="Oval 52">
+              <a:extLst>
+                <a:ext uri="{FF2B5EF4-FFF2-40B4-BE49-F238E27FC236}">
+                  <a16:creationId xmlns:a16="http://schemas.microsoft.com/office/drawing/2014/main" id="{C3769801-4513-5544-BEB0-F0E4E4B3BE32}"/>
+                </a:ext>
+              </a:extLst>
+            </p:cNvPr>
+            <p:cNvSpPr/>
+            <p:nvPr/>
+          </p:nvSpPr>
+          <p:spPr>
+            <a:xfrm>
+              <a:off x="8814721" y="3983435"/>
+              <a:ext cx="1181529" cy="1160979"/>
+            </a:xfrm>
+            <a:prstGeom prst="ellipse">
+              <a:avLst/>
+            </a:prstGeom>
+          </p:spPr>
+          <p:style>
+            <a:lnRef idx="2">
+              <a:schemeClr val="accent1">
+                <a:shade val="50000"/>
+              </a:schemeClr>
+            </a:lnRef>
+            <a:fillRef idx="1">
+              <a:schemeClr val="accent1"/>
+            </a:fillRef>
+            <a:effectRef idx="0">
+              <a:schemeClr val="accent1"/>
+            </a:effectRef>
+            <a:fontRef idx="minor">
+              <a:schemeClr val="lt1"/>
+            </a:fontRef>
+          </p:style>
+          <p:txBody>
+            <a:bodyPr rtlCol="0" anchor="ctr"/>
+            <a:lstStyle/>
+            <a:p>
+              <a:pPr algn="ctr"/>
+              <a:r>
+                <a:rPr lang="en-US" sz="800" dirty="0"/>
+                <a:t>Organ 3</a:t>
+              </a:r>
+              <a:endParaRPr lang="en-AT" sz="800" dirty="0"/>
+            </a:p>
+          </p:txBody>
+        </p:sp>
+      </p:grpSp>
+      <p:cxnSp>
+        <p:nvCxnSpPr>
+          <p:cNvPr id="56" name="Straight Arrow Connector 55">
+            <a:extLst>
+              <a:ext uri="{FF2B5EF4-FFF2-40B4-BE49-F238E27FC236}">
+                <a16:creationId xmlns:a16="http://schemas.microsoft.com/office/drawing/2014/main" id="{0C5AD203-CBCC-484E-B8BE-B09150758882}"/>
+              </a:ext>
+            </a:extLst>
+          </p:cNvPr>
+          <p:cNvCxnSpPr>
+            <a:cxnSpLocks/>
+          </p:cNvCxnSpPr>
+          <p:nvPr/>
+        </p:nvCxnSpPr>
+        <p:spPr>
+          <a:xfrm>
+            <a:off x="3771918" y="5568651"/>
+            <a:ext cx="736582" cy="0"/>
+          </a:xfrm>
+          <a:prstGeom prst="straightConnector1">
+            <a:avLst/>
+          </a:prstGeom>
+          <a:ln w="12700">
+            <a:tailEnd type="triangle"/>
+          </a:ln>
+        </p:spPr>
+        <p:style>
+          <a:lnRef idx="1">
+            <a:schemeClr val="accent1"/>
+          </a:lnRef>
+          <a:fillRef idx="0">
+            <a:schemeClr val="accent1"/>
+          </a:fillRef>
+          <a:effectRef idx="0">
+            <a:schemeClr val="accent1"/>
+          </a:effectRef>
+          <a:fontRef idx="minor">
+            <a:schemeClr val="tx1"/>
+          </a:fontRef>
+        </p:style>
+      </p:cxnSp>
+      <p:cxnSp>
+        <p:nvCxnSpPr>
+          <p:cNvPr id="58" name="Straight Arrow Connector 57">
+            <a:extLst>
+              <a:ext uri="{FF2B5EF4-FFF2-40B4-BE49-F238E27FC236}">
+                <a16:creationId xmlns:a16="http://schemas.microsoft.com/office/drawing/2014/main" id="{6BBF9F49-149C-BE4F-85B6-DE9CCD706922}"/>
+              </a:ext>
+            </a:extLst>
+          </p:cNvPr>
+          <p:cNvCxnSpPr>
+            <a:cxnSpLocks/>
+          </p:cNvCxnSpPr>
+          <p:nvPr/>
+        </p:nvCxnSpPr>
+        <p:spPr>
+          <a:xfrm>
+            <a:off x="5196052" y="5567872"/>
+            <a:ext cx="460826" cy="1"/>
+          </a:xfrm>
+          <a:prstGeom prst="straightConnector1">
+            <a:avLst/>
+          </a:prstGeom>
+          <a:ln w="3175">
+            <a:tailEnd type="triangle"/>
+          </a:ln>
+        </p:spPr>
+        <p:style>
+          <a:lnRef idx="1">
+            <a:schemeClr val="accent1"/>
+          </a:lnRef>
+          <a:fillRef idx="0">
+            <a:schemeClr val="accent1"/>
+          </a:fillRef>
+          <a:effectRef idx="0">
+            <a:schemeClr val="accent1"/>
+          </a:effectRef>
+          <a:fontRef idx="minor">
+            <a:schemeClr val="tx1"/>
+          </a:fontRef>
+        </p:style>
+      </p:cxnSp>
+      <p:cxnSp>
+        <p:nvCxnSpPr>
+          <p:cNvPr id="62" name="Straight Connector 61">
+            <a:extLst>
+              <a:ext uri="{FF2B5EF4-FFF2-40B4-BE49-F238E27FC236}">
+                <a16:creationId xmlns:a16="http://schemas.microsoft.com/office/drawing/2014/main" id="{5439DE5A-6542-4A4B-A45A-050206B3877B}"/>
+              </a:ext>
+            </a:extLst>
+          </p:cNvPr>
+          <p:cNvCxnSpPr>
+            <a:cxnSpLocks/>
+          </p:cNvCxnSpPr>
+          <p:nvPr/>
+        </p:nvCxnSpPr>
+        <p:spPr>
+          <a:xfrm rot="5400000" flipH="1" flipV="1">
+            <a:off x="7458139" y="4877943"/>
+            <a:ext cx="0" cy="360000"/>
+          </a:xfrm>
+          <a:prstGeom prst="line">
+            <a:avLst/>
+          </a:prstGeom>
+          <a:ln w="50800">
+            <a:solidFill>
+              <a:schemeClr val="accent1"/>
+            </a:solidFill>
+          </a:ln>
+        </p:spPr>
+        <p:style>
+          <a:lnRef idx="1">
+            <a:schemeClr val="accent1"/>
+          </a:lnRef>
+          <a:fillRef idx="0">
+            <a:schemeClr val="accent1"/>
+          </a:fillRef>
+          <a:effectRef idx="0">
+            <a:schemeClr val="accent1"/>
+          </a:effectRef>
+          <a:fontRef idx="minor">
+            <a:schemeClr val="tx1"/>
+          </a:fontRef>
+        </p:style>
+      </p:cxnSp>
+      <p:cxnSp>
+        <p:nvCxnSpPr>
+          <p:cNvPr id="63" name="Straight Connector 62">
+            <a:extLst>
+              <a:ext uri="{FF2B5EF4-FFF2-40B4-BE49-F238E27FC236}">
+                <a16:creationId xmlns:a16="http://schemas.microsoft.com/office/drawing/2014/main" id="{8ACDBEE3-7522-1F46-971B-BA5DDBCF136F}"/>
+              </a:ext>
+            </a:extLst>
+          </p:cNvPr>
+          <p:cNvCxnSpPr>
+            <a:cxnSpLocks/>
+          </p:cNvCxnSpPr>
+          <p:nvPr/>
+        </p:nvCxnSpPr>
+        <p:spPr>
+          <a:xfrm>
+            <a:off x="7278139" y="5530525"/>
+            <a:ext cx="869077" cy="0"/>
+          </a:xfrm>
+          <a:prstGeom prst="line">
+            <a:avLst/>
+          </a:prstGeom>
+          <a:ln w="50800">
+            <a:solidFill>
+              <a:schemeClr val="accent1"/>
+            </a:solidFill>
+          </a:ln>
+        </p:spPr>
+        <p:style>
+          <a:lnRef idx="1">
+            <a:schemeClr val="accent1"/>
+          </a:lnRef>
+          <a:fillRef idx="0">
+            <a:schemeClr val="accent1"/>
+          </a:fillRef>
+          <a:effectRef idx="0">
+            <a:schemeClr val="accent1"/>
+          </a:effectRef>
+          <a:fontRef idx="minor">
+            <a:schemeClr val="tx1"/>
+          </a:fontRef>
+        </p:style>
+      </p:cxnSp>
+      <p:cxnSp>
+        <p:nvCxnSpPr>
+          <p:cNvPr id="65" name="Straight Arrow Connector 64">
+            <a:extLst>
+              <a:ext uri="{FF2B5EF4-FFF2-40B4-BE49-F238E27FC236}">
+                <a16:creationId xmlns:a16="http://schemas.microsoft.com/office/drawing/2014/main" id="{54BE82BB-2220-0445-BA77-0516711F249C}"/>
+              </a:ext>
+            </a:extLst>
+          </p:cNvPr>
+          <p:cNvCxnSpPr/>
+          <p:nvPr/>
+        </p:nvCxnSpPr>
+        <p:spPr>
+          <a:xfrm flipV="1">
+            <a:off x="703141" y="6244888"/>
+            <a:ext cx="10855046" cy="0"/>
+          </a:xfrm>
+          <a:prstGeom prst="straightConnector1">
+            <a:avLst/>
+          </a:prstGeom>
+          <a:ln w="12700">
+            <a:solidFill>
+              <a:schemeClr val="bg1">
+                <a:lumMod val="50000"/>
+              </a:schemeClr>
+            </a:solidFill>
+            <a:tailEnd type="triangle"/>
+          </a:ln>
+        </p:spPr>
+        <p:style>
+          <a:lnRef idx="1">
+            <a:schemeClr val="accent1"/>
+          </a:lnRef>
+          <a:fillRef idx="0">
+            <a:schemeClr val="accent1"/>
+          </a:fillRef>
+          <a:effectRef idx="0">
+            <a:schemeClr val="accent1"/>
+          </a:effectRef>
+          <a:fontRef idx="minor">
+            <a:schemeClr val="tx1"/>
+          </a:fontRef>
+        </p:style>
+      </p:cxnSp>
+      <p:sp>
+        <p:nvSpPr>
+          <p:cNvPr id="66" name="TextBox 65">
+            <a:extLst>
+              <a:ext uri="{FF2B5EF4-FFF2-40B4-BE49-F238E27FC236}">
+                <a16:creationId xmlns:a16="http://schemas.microsoft.com/office/drawing/2014/main" id="{F9BFCD81-3B2F-AE49-A101-CECC33F7792E}"/>
+              </a:ext>
+            </a:extLst>
+          </p:cNvPr>
+          <p:cNvSpPr txBox="1"/>
+          <p:nvPr/>
+        </p:nvSpPr>
+        <p:spPr>
+          <a:xfrm>
+            <a:off x="838200" y="6343692"/>
+            <a:ext cx="6517425" cy="338554"/>
+          </a:xfrm>
+          <a:prstGeom prst="rect">
+            <a:avLst/>
+          </a:prstGeom>
+          <a:noFill/>
+        </p:spPr>
+        <p:txBody>
+          <a:bodyPr wrap="none" rtlCol="0">
+            <a:spAutoFit/>
+          </a:bodyPr>
+          <a:lstStyle/>
+          <a:p>
+            <a:r>
+              <a:rPr lang="en-GB" sz="1600" i="1" dirty="0" err="1"/>
+              <a:t>PlackettLuce</a:t>
+            </a:r>
+            <a:r>
+              <a:rPr lang="en-GB" sz="1600" i="1" dirty="0"/>
+              <a:t> to establish a ML (strength) relationship among the full dataset</a:t>
+            </a:r>
+            <a:endParaRPr lang="en-AT" sz="1600" i="1" baseline="30000" dirty="0"/>
+          </a:p>
+        </p:txBody>
+      </p:sp>
+      <p:sp>
+        <p:nvSpPr>
+          <p:cNvPr id="67" name="TextBox 66">
+            <a:extLst>
+              <a:ext uri="{FF2B5EF4-FFF2-40B4-BE49-F238E27FC236}">
+                <a16:creationId xmlns:a16="http://schemas.microsoft.com/office/drawing/2014/main" id="{851B9032-D5A3-DA49-9048-BEAD618E8E86}"/>
+              </a:ext>
+            </a:extLst>
+          </p:cNvPr>
+          <p:cNvSpPr txBox="1"/>
+          <p:nvPr/>
+        </p:nvSpPr>
+        <p:spPr>
+          <a:xfrm>
+            <a:off x="153350" y="68813"/>
+            <a:ext cx="5997155" cy="369332"/>
+          </a:xfrm>
+          <a:prstGeom prst="rect">
+            <a:avLst/>
+          </a:prstGeom>
+          <a:noFill/>
+        </p:spPr>
+        <p:txBody>
+          <a:bodyPr wrap="none" rtlCol="0">
+            <a:spAutoFit/>
+          </a:bodyPr>
+          <a:lstStyle/>
+          <a:p>
+            <a:r>
+              <a:rPr lang="en-AT" i="1" dirty="0">
+                <a:solidFill>
+                  <a:schemeClr val="bg1">
+                    <a:lumMod val="50000"/>
+                  </a:schemeClr>
+                </a:solidFill>
+              </a:rPr>
+              <a:t>Discussion: Site by Site OR comprehensively assessing the data</a:t>
+            </a:r>
+          </a:p>
+        </p:txBody>
+      </p:sp>
+      <p:sp>
+        <p:nvSpPr>
+          <p:cNvPr id="68" name="TextBox 67">
+            <a:extLst>
+              <a:ext uri="{FF2B5EF4-FFF2-40B4-BE49-F238E27FC236}">
+                <a16:creationId xmlns:a16="http://schemas.microsoft.com/office/drawing/2014/main" id="{E6A92E41-BE28-7B4C-BBC7-EE8D0CE66946}"/>
+              </a:ext>
+            </a:extLst>
+          </p:cNvPr>
+          <p:cNvSpPr txBox="1"/>
+          <p:nvPr/>
+        </p:nvSpPr>
+        <p:spPr>
+          <a:xfrm>
+            <a:off x="7719398" y="4869175"/>
+            <a:ext cx="2850460" cy="338554"/>
+          </a:xfrm>
+          <a:prstGeom prst="rect">
+            <a:avLst/>
+          </a:prstGeom>
+          <a:noFill/>
+        </p:spPr>
+        <p:txBody>
+          <a:bodyPr wrap="none" rtlCol="0">
+            <a:spAutoFit/>
+          </a:bodyPr>
+          <a:lstStyle/>
+          <a:p>
+            <a:r>
+              <a:rPr lang="en-AT" sz="1600" dirty="0"/>
+              <a:t>Thickness: eg ML estimates of p</a:t>
+            </a:r>
+            <a:r>
+              <a:rPr lang="en-AT" sz="1600" baseline="-25000" dirty="0"/>
+              <a:t>i</a:t>
+            </a:r>
+          </a:p>
+        </p:txBody>
+      </p:sp>
+      <p:sp>
+        <p:nvSpPr>
+          <p:cNvPr id="69" name="TextBox 68">
+            <a:extLst>
+              <a:ext uri="{FF2B5EF4-FFF2-40B4-BE49-F238E27FC236}">
+                <a16:creationId xmlns:a16="http://schemas.microsoft.com/office/drawing/2014/main" id="{DF38EE37-11F9-B341-8D4A-BAE040705841}"/>
+              </a:ext>
+            </a:extLst>
+          </p:cNvPr>
+          <p:cNvSpPr txBox="1"/>
+          <p:nvPr/>
+        </p:nvSpPr>
+        <p:spPr>
+          <a:xfrm>
+            <a:off x="8164375" y="5333709"/>
+            <a:ext cx="3375796" cy="338554"/>
+          </a:xfrm>
+          <a:prstGeom prst="rect">
+            <a:avLst/>
+          </a:prstGeom>
+          <a:noFill/>
+        </p:spPr>
+        <p:txBody>
+          <a:bodyPr wrap="none" rtlCol="0">
+            <a:spAutoFit/>
+          </a:bodyPr>
+          <a:lstStyle/>
+          <a:p>
+            <a:r>
+              <a:rPr lang="en-AT" sz="1600" dirty="0"/>
+              <a:t>Length: eg duration from 1</a:t>
+            </a:r>
+            <a:r>
+              <a:rPr lang="en-AT" sz="1600" baseline="30000" dirty="0"/>
+              <a:t>st</a:t>
+            </a:r>
+            <a:r>
+              <a:rPr lang="en-AT" sz="1600" dirty="0"/>
+              <a:t> to 2</a:t>
+            </a:r>
+            <a:r>
+              <a:rPr lang="en-AT" sz="1600" baseline="30000" dirty="0"/>
+              <a:t>nd</a:t>
+            </a:r>
+            <a:r>
+              <a:rPr lang="en-AT" sz="1600" dirty="0"/>
+              <a:t>, etc</a:t>
+            </a:r>
+            <a:endParaRPr lang="en-AT" sz="1600" baseline="30000" dirty="0"/>
+          </a:p>
+        </p:txBody>
+      </p:sp>
+    </p:spTree>
+    <p:extLst>
+      <p:ext uri="{BB962C8B-B14F-4D97-AF65-F5344CB8AC3E}">
+        <p14:creationId xmlns:p14="http://schemas.microsoft.com/office/powerpoint/2010/main" val="3240269882"/>
+      </p:ext>
+    </p:extLst>
+  </p:cSld>
+  <p:clrMapOvr>
+    <a:masterClrMapping/>
+  </p:clrMapOvr>
+</p:sld>
+</file>
+
+<file path=ppt/slides/slide16.xml><?xml version="1.0" encoding="utf-8"?>
+<p:sld xmlns:a="http://schemas.openxmlformats.org/drawingml/2006/main" xmlns:r="http://schemas.openxmlformats.org/officeDocument/2006/relationships" xmlns:p="http://schemas.openxmlformats.org/presentationml/2006/main">
+  <p:cSld>
+    <p:spTree>
+      <p:nvGrpSpPr>
+        <p:cNvPr id="1" name=""/>
+        <p:cNvGrpSpPr/>
+        <p:nvPr/>
+      </p:nvGrpSpPr>
+      <p:grpSpPr>
+        <a:xfrm>
+          <a:off x="0" y="0"/>
+          <a:ext cx="0" cy="0"/>
+          <a:chOff x="0" y="0"/>
+          <a:chExt cx="0" cy="0"/>
+        </a:xfrm>
+      </p:grpSpPr>
       <p:sp>
         <p:nvSpPr>
           <p:cNvPr id="2" name="Title 1">
             <a:extLst>
               <a:ext uri="{FF2B5EF4-FFF2-40B4-BE49-F238E27FC236}">
-                <a16:creationId xmlns:a16="http://schemas.microsoft.com/office/drawing/2014/main" id="{42EC8581-E198-624A-84C7-EAD96B372802}"/>
+                <a16:creationId xmlns:a16="http://schemas.microsoft.com/office/drawing/2014/main" id="{CD8411FA-73E7-144A-8619-C0DE30B0BFC4}"/>
               </a:ext>
             </a:extLst>
           </p:cNvPr>
@@ -4766,10 +8058,7 @@
           <a:bodyPr/>
           <a:lstStyle/>
           <a:p>
-            <a:r>
-              <a:rPr lang="en-AT" dirty="0"/>
-              <a:t>Time</a:t>
-            </a:r>
+            <a:endParaRPr lang="en-AT"/>
           </a:p>
         </p:txBody>
       </p:sp>
@@ -4778,7 +8067,7 @@
           <p:cNvPr id="3" name="Content Placeholder 2">
             <a:extLst>
               <a:ext uri="{FF2B5EF4-FFF2-40B4-BE49-F238E27FC236}">
-                <a16:creationId xmlns:a16="http://schemas.microsoft.com/office/drawing/2014/main" id="{2C36F640-F683-4448-A8BC-230235ECB7CD}"/>
+                <a16:creationId xmlns:a16="http://schemas.microsoft.com/office/drawing/2014/main" id="{E87F7117-61B7-FC46-A6BA-B4D01B409D3E}"/>
               </a:ext>
             </a:extLst>
           </p:cNvPr>
@@ -4794,6 +8083,89 @@
           <a:bodyPr/>
           <a:lstStyle/>
           <a:p>
+            <a:endParaRPr lang="en-AT"/>
+          </a:p>
+        </p:txBody>
+      </p:sp>
+    </p:spTree>
+    <p:extLst>
+      <p:ext uri="{BB962C8B-B14F-4D97-AF65-F5344CB8AC3E}">
+        <p14:creationId xmlns:p14="http://schemas.microsoft.com/office/powerpoint/2010/main" val="4121930470"/>
+      </p:ext>
+    </p:extLst>
+  </p:cSld>
+  <p:clrMapOvr>
+    <a:masterClrMapping/>
+  </p:clrMapOvr>
+</p:sld>
+</file>
+
+<file path=ppt/slides/slide17.xml><?xml version="1.0" encoding="utf-8"?>
+<p:sld xmlns:a="http://schemas.openxmlformats.org/drawingml/2006/main" xmlns:r="http://schemas.openxmlformats.org/officeDocument/2006/relationships" xmlns:p="http://schemas.openxmlformats.org/presentationml/2006/main">
+  <p:cSld>
+    <p:spTree>
+      <p:nvGrpSpPr>
+        <p:cNvPr id="1" name=""/>
+        <p:cNvGrpSpPr/>
+        <p:nvPr/>
+      </p:nvGrpSpPr>
+      <p:grpSpPr>
+        <a:xfrm>
+          <a:off x="0" y="0"/>
+          <a:ext cx="0" cy="0"/>
+          <a:chOff x="0" y="0"/>
+          <a:chExt cx="0" cy="0"/>
+        </a:xfrm>
+      </p:grpSpPr>
+      <p:sp>
+        <p:nvSpPr>
+          <p:cNvPr id="2" name="Title 1">
+            <a:extLst>
+              <a:ext uri="{FF2B5EF4-FFF2-40B4-BE49-F238E27FC236}">
+                <a16:creationId xmlns:a16="http://schemas.microsoft.com/office/drawing/2014/main" id="{42EC8581-E198-624A-84C7-EAD96B372802}"/>
+              </a:ext>
+            </a:extLst>
+          </p:cNvPr>
+          <p:cNvSpPr>
+            <a:spLocks noGrp="1"/>
+          </p:cNvSpPr>
+          <p:nvPr>
+            <p:ph type="title"/>
+          </p:nvPr>
+        </p:nvSpPr>
+        <p:spPr/>
+        <p:txBody>
+          <a:bodyPr/>
+          <a:lstStyle/>
+          <a:p>
+            <a:r>
+              <a:rPr lang="en-AT" dirty="0"/>
+              <a:t>Time</a:t>
+            </a:r>
+          </a:p>
+        </p:txBody>
+      </p:sp>
+      <p:sp>
+        <p:nvSpPr>
+          <p:cNvPr id="3" name="Content Placeholder 2">
+            <a:extLst>
+              <a:ext uri="{FF2B5EF4-FFF2-40B4-BE49-F238E27FC236}">
+                <a16:creationId xmlns:a16="http://schemas.microsoft.com/office/drawing/2014/main" id="{2C36F640-F683-4448-A8BC-230235ECB7CD}"/>
+              </a:ext>
+            </a:extLst>
+          </p:cNvPr>
+          <p:cNvSpPr>
+            <a:spLocks noGrp="1"/>
+          </p:cNvSpPr>
+          <p:nvPr>
+            <p:ph idx="1"/>
+          </p:nvPr>
+        </p:nvSpPr>
+        <p:spPr/>
+        <p:txBody>
+          <a:bodyPr/>
+          <a:lstStyle/>
+          <a:p>
             <a:r>
               <a:rPr lang="en-GB" dirty="0"/>
               <a:t>Currently the models are time agnostic. Does a longer disease monitoring automatically mean that more metastatic sites are diagnosed?</a:t>
@@ -4803,14 +8175,10 @@
             <a:endParaRPr lang="en-GB" dirty="0"/>
           </a:p>
           <a:p>
+            <a:pPr marL="0" indent="0">
+              <a:buNone/>
+            </a:pPr>
             <a:endParaRPr lang="en-GB" dirty="0"/>
-          </a:p>
-          <a:p>
-            <a:r>
-              <a:rPr lang="en-GB" dirty="0"/>
-              <a:t>Since we only working with the ‘first’ site – there is no time measure!</a:t>
-            </a:r>
-            <a:endParaRPr lang="en-AT" dirty="0"/>
           </a:p>
         </p:txBody>
       </p:sp>
@@ -4849,7 +8217,7 @@
           <p:cNvPr id="2" name="Title 1">
             <a:extLst>
               <a:ext uri="{FF2B5EF4-FFF2-40B4-BE49-F238E27FC236}">
-                <a16:creationId xmlns:a16="http://schemas.microsoft.com/office/drawing/2014/main" id="{09BC17B7-163A-774B-B09A-F13D42C9133A}"/>
+                <a16:creationId xmlns:a16="http://schemas.microsoft.com/office/drawing/2014/main" id="{09EEEE21-FFFD-F94E-99B3-D3CA838FDC9E}"/>
               </a:ext>
             </a:extLst>
           </p:cNvPr>
@@ -4865,9 +8233,136 @@
           <a:bodyPr/>
           <a:lstStyle/>
           <a:p>
-            <a:r>
-              <a:rPr lang="en-AT" dirty="0"/>
-              <a:t>The problem</a:t>
+            <a:endParaRPr lang="en-AT"/>
+          </a:p>
+        </p:txBody>
+      </p:sp>
+      <p:pic>
+        <p:nvPicPr>
+          <p:cNvPr id="5" name="Content Placeholder 4" descr="A picture containing diagram&#10;&#10;Description automatically generated">
+            <a:extLst>
+              <a:ext uri="{FF2B5EF4-FFF2-40B4-BE49-F238E27FC236}">
+                <a16:creationId xmlns:a16="http://schemas.microsoft.com/office/drawing/2014/main" id="{AE19E312-63E4-C542-8034-729BF0DE0B2C}"/>
+              </a:ext>
+            </a:extLst>
+          </p:cNvPr>
+          <p:cNvPicPr>
+            <a:picLocks noGrp="1" noChangeAspect="1"/>
+          </p:cNvPicPr>
+          <p:nvPr>
+            <p:ph idx="1"/>
+          </p:nvPr>
+        </p:nvPicPr>
+        <p:blipFill>
+          <a:blip r:embed="rId2"/>
+          <a:stretch>
+            <a:fillRect/>
+          </a:stretch>
+        </p:blipFill>
+        <p:spPr>
+          <a:xfrm>
+            <a:off x="1963662" y="1158699"/>
+            <a:ext cx="7753498" cy="5054842"/>
+          </a:xfrm>
+        </p:spPr>
+      </p:pic>
+      <p:sp>
+        <p:nvSpPr>
+          <p:cNvPr id="6" name="TextBox 5">
+            <a:extLst>
+              <a:ext uri="{FF2B5EF4-FFF2-40B4-BE49-F238E27FC236}">
+                <a16:creationId xmlns:a16="http://schemas.microsoft.com/office/drawing/2014/main" id="{D17F761D-934E-7F4C-B458-70BF03835F95}"/>
+              </a:ext>
+            </a:extLst>
+          </p:cNvPr>
+          <p:cNvSpPr txBox="1"/>
+          <p:nvPr/>
+        </p:nvSpPr>
+        <p:spPr>
+          <a:xfrm>
+            <a:off x="153350" y="68813"/>
+            <a:ext cx="4301114" cy="369332"/>
+          </a:xfrm>
+          <a:prstGeom prst="rect">
+            <a:avLst/>
+          </a:prstGeom>
+          <a:noFill/>
+        </p:spPr>
+        <p:txBody>
+          <a:bodyPr wrap="none" rtlCol="0">
+            <a:spAutoFit/>
+          </a:bodyPr>
+          <a:lstStyle/>
+          <a:p>
+            <a:r>
+              <a:rPr lang="en-AT" i="1" dirty="0">
+                <a:solidFill>
+                  <a:schemeClr val="bg1">
+                    <a:lumMod val="50000"/>
+                  </a:schemeClr>
+                </a:solidFill>
+              </a:rPr>
+              <a:t>Data: Nguyen, B. et al. supplemental table 2</a:t>
+            </a:r>
+          </a:p>
+        </p:txBody>
+      </p:sp>
+    </p:spTree>
+    <p:extLst>
+      <p:ext uri="{BB962C8B-B14F-4D97-AF65-F5344CB8AC3E}">
+        <p14:creationId xmlns:p14="http://schemas.microsoft.com/office/powerpoint/2010/main" val="2135331770"/>
+      </p:ext>
+    </p:extLst>
+  </p:cSld>
+  <p:clrMapOvr>
+    <a:masterClrMapping/>
+  </p:clrMapOvr>
+</p:sld>
+</file>
+
+<file path=ppt/slides/slide3.xml><?xml version="1.0" encoding="utf-8"?>
+<p:sld xmlns:a="http://schemas.openxmlformats.org/drawingml/2006/main" xmlns:r="http://schemas.openxmlformats.org/officeDocument/2006/relationships" xmlns:p="http://schemas.openxmlformats.org/presentationml/2006/main">
+  <p:cSld>
+    <p:spTree>
+      <p:nvGrpSpPr>
+        <p:cNvPr id="1" name=""/>
+        <p:cNvGrpSpPr/>
+        <p:nvPr/>
+      </p:nvGrpSpPr>
+      <p:grpSpPr>
+        <a:xfrm>
+          <a:off x="0" y="0"/>
+          <a:ext cx="0" cy="0"/>
+          <a:chOff x="0" y="0"/>
+          <a:chExt cx="0" cy="0"/>
+        </a:xfrm>
+      </p:grpSpPr>
+      <p:sp>
+        <p:nvSpPr>
+          <p:cNvPr id="2" name="Title 1">
+            <a:extLst>
+              <a:ext uri="{FF2B5EF4-FFF2-40B4-BE49-F238E27FC236}">
+                <a16:creationId xmlns:a16="http://schemas.microsoft.com/office/drawing/2014/main" id="{09BC17B7-163A-774B-B09A-F13D42C9133A}"/>
+              </a:ext>
+            </a:extLst>
+          </p:cNvPr>
+          <p:cNvSpPr>
+            <a:spLocks noGrp="1"/>
+          </p:cNvSpPr>
+          <p:nvPr>
+            <p:ph type="title"/>
+          </p:nvPr>
+        </p:nvSpPr>
+        <p:spPr/>
+        <p:txBody>
+          <a:bodyPr>
+            <a:normAutofit/>
+          </a:bodyPr>
+          <a:lstStyle/>
+          <a:p>
+            <a:r>
+              <a:rPr lang="en-AT" sz="3200" dirty="0"/>
+              <a:t>Pure observation occlude dissemination pattern</a:t>
             </a:r>
           </a:p>
         </p:txBody>
@@ -5235,50 +8730,6 @@
           </a:p>
         </p:txBody>
       </p:sp>
-      <p:sp>
-        <p:nvSpPr>
-          <p:cNvPr id="17" name="TextBox 16">
-            <a:extLst>
-              <a:ext uri="{FF2B5EF4-FFF2-40B4-BE49-F238E27FC236}">
-                <a16:creationId xmlns:a16="http://schemas.microsoft.com/office/drawing/2014/main" id="{89E82459-52FE-9340-A783-52B0B3ACCA56}"/>
-              </a:ext>
-            </a:extLst>
-          </p:cNvPr>
-          <p:cNvSpPr txBox="1"/>
-          <p:nvPr/>
-        </p:nvSpPr>
-        <p:spPr>
-          <a:xfrm>
-            <a:off x="1218164" y="5316288"/>
-            <a:ext cx="3928768" cy="923330"/>
-          </a:xfrm>
-          <a:prstGeom prst="rect">
-            <a:avLst/>
-          </a:prstGeom>
-          <a:noFill/>
-        </p:spPr>
-        <p:txBody>
-          <a:bodyPr wrap="none" rtlCol="0">
-            <a:spAutoFit/>
-          </a:bodyPr>
-          <a:lstStyle/>
-          <a:p>
-            <a:r>
-              <a:rPr lang="en-AT" dirty="0"/>
-              <a:t>We are mainly acting in a REACTIVE way</a:t>
-            </a:r>
-          </a:p>
-          <a:p>
-            <a:endParaRPr lang="en-AT" dirty="0"/>
-          </a:p>
-          <a:p>
-            <a:r>
-              <a:rPr lang="en-AT" dirty="0"/>
-              <a:t>We want a PRO-active way</a:t>
-            </a:r>
-          </a:p>
-        </p:txBody>
-      </p:sp>
       <p:pic>
         <p:nvPicPr>
           <p:cNvPr id="1026" name="Picture 2" descr="Block Management Tips &amp; Advice">
@@ -5308,8 +8759,8 @@
         </p:blipFill>
         <p:spPr bwMode="auto">
           <a:xfrm>
-            <a:off x="5561410" y="4499676"/>
-            <a:ext cx="3810000" cy="2133600"/>
+            <a:off x="3530691" y="3429000"/>
+            <a:ext cx="4738836" cy="2653748"/>
           </a:xfrm>
           <a:prstGeom prst="rect">
             <a:avLst/>
@@ -5341,7 +8792,7 @@
         <p:spPr>
           <a:xfrm>
             <a:off x="153350" y="68813"/>
-            <a:ext cx="5151025" cy="369332"/>
+            <a:ext cx="4715715" cy="369332"/>
           </a:xfrm>
           <a:prstGeom prst="rect">
             <a:avLst/>
@@ -5362,7 +8813,7 @@
                   </a:schemeClr>
                 </a:solidFill>
               </a:rPr>
-              <a:t>Problem: We (clinics) mostly REACT  upon metastases</a:t>
+              <a:t>84% of patients show more than one metastasis</a:t>
             </a:r>
           </a:p>
         </p:txBody>
@@ -5377,10 +8828,85 @@
   <p:clrMapOvr>
     <a:masterClrMapping/>
   </p:clrMapOvr>
+  <p:timing>
+    <p:tnLst>
+      <p:par>
+        <p:cTn id="1" dur="indefinite" restart="never" nodeType="tmRoot">
+          <p:childTnLst>
+            <p:seq concurrent="1" nextAc="seek">
+              <p:cTn id="2" dur="indefinite" nodeType="mainSeq">
+                <p:childTnLst>
+                  <p:par>
+                    <p:cTn id="3" fill="hold">
+                      <p:stCondLst>
+                        <p:cond delay="indefinite"/>
+                      </p:stCondLst>
+                      <p:childTnLst>
+                        <p:par>
+                          <p:cTn id="4" fill="hold">
+                            <p:stCondLst>
+                              <p:cond delay="0"/>
+                            </p:stCondLst>
+                            <p:childTnLst>
+                              <p:par>
+                                <p:cTn id="5" presetID="1" presetClass="entr" presetSubtype="0" fill="hold" nodeType="clickEffect">
+                                  <p:stCondLst>
+                                    <p:cond delay="0"/>
+                                  </p:stCondLst>
+                                  <p:childTnLst>
+                                    <p:set>
+                                      <p:cBhvr>
+                                        <p:cTn id="6" dur="1" fill="hold">
+                                          <p:stCondLst>
+                                            <p:cond delay="0"/>
+                                          </p:stCondLst>
+                                        </p:cTn>
+                                        <p:tgtEl>
+                                          <p:spTgt spid="1026"/>
+                                        </p:tgtEl>
+                                        <p:attrNameLst>
+                                          <p:attrName>style.visibility</p:attrName>
+                                        </p:attrNameLst>
+                                      </p:cBhvr>
+                                      <p:to>
+                                        <p:strVal val="visible"/>
+                                      </p:to>
+                                    </p:set>
+                                  </p:childTnLst>
+                                </p:cTn>
+                              </p:par>
+                            </p:childTnLst>
+                          </p:cTn>
+                        </p:par>
+                      </p:childTnLst>
+                    </p:cTn>
+                  </p:par>
+                </p:childTnLst>
+              </p:cTn>
+              <p:prevCondLst>
+                <p:cond evt="onPrev" delay="0">
+                  <p:tgtEl>
+                    <p:sldTgt/>
+                  </p:tgtEl>
+                </p:cond>
+              </p:prevCondLst>
+              <p:nextCondLst>
+                <p:cond evt="onNext" delay="0">
+                  <p:tgtEl>
+                    <p:sldTgt/>
+                  </p:tgtEl>
+                </p:cond>
+              </p:nextCondLst>
+            </p:seq>
+          </p:childTnLst>
+        </p:cTn>
+      </p:par>
+    </p:tnLst>
+  </p:timing>
 </p:sld>
 </file>
 
-<file path=ppt/slides/slide3.xml><?xml version="1.0" encoding="utf-8"?>
+<file path=ppt/slides/slide4.xml><?xml version="1.0" encoding="utf-8"?>
 <p:sld xmlns:a="http://schemas.openxmlformats.org/drawingml/2006/main" xmlns:r="http://schemas.openxmlformats.org/officeDocument/2006/relationships" xmlns:p="http://schemas.openxmlformats.org/presentationml/2006/main">
   <p:cSld>
     <p:spTree>
@@ -5422,61 +8948,8 @@
           <a:p>
             <a:r>
               <a:rPr lang="en-AT" sz="3200" dirty="0"/>
-              <a:t>Is the metastatic seeding pattern (timely) random</a:t>
-            </a:r>
-          </a:p>
-        </p:txBody>
-      </p:sp>
-      <p:sp>
-        <p:nvSpPr>
-          <p:cNvPr id="3" name="Content Placeholder 2">
-            <a:extLst>
-              <a:ext uri="{FF2B5EF4-FFF2-40B4-BE49-F238E27FC236}">
-                <a16:creationId xmlns:a16="http://schemas.microsoft.com/office/drawing/2014/main" id="{DFD5F3BB-F1A0-0B4A-B089-1830C1F186F7}"/>
-              </a:ext>
-            </a:extLst>
-          </p:cNvPr>
-          <p:cNvSpPr>
-            <a:spLocks noGrp="1"/>
-          </p:cNvSpPr>
-          <p:nvPr>
-            <p:ph idx="1"/>
-          </p:nvPr>
-        </p:nvSpPr>
-        <p:spPr>
-          <a:xfrm>
-            <a:off x="756007" y="5961880"/>
-            <a:ext cx="10515600" cy="687693"/>
-          </a:xfrm>
-        </p:spPr>
-        <p:txBody>
-          <a:bodyPr>
-            <a:normAutofit fontScale="70000" lnSpcReduction="20000"/>
-          </a:bodyPr>
-          <a:lstStyle/>
-          <a:p>
-            <a:pPr marL="0" indent="0">
-              <a:buNone/>
-            </a:pPr>
-            <a:r>
-              <a:rPr lang="en-AT" dirty="0"/>
-              <a:t>I will not touch on metastatic colonization properites</a:t>
-            </a:r>
-          </a:p>
-          <a:p>
-            <a:pPr marL="0" indent="0">
-              <a:buNone/>
-            </a:pPr>
-            <a:r>
-              <a:rPr lang="en-AT" dirty="0"/>
-              <a:t>I will not talk about genetics</a:t>
-            </a:r>
-          </a:p>
-          <a:p>
-            <a:pPr marL="0" indent="0">
-              <a:buNone/>
-            </a:pPr>
-            <a:endParaRPr lang="en-AT" dirty="0"/>
+              <a:t>Is the metastatic seeding pattern (timely) random?</a:t>
+            </a:r>
           </a:p>
         </p:txBody>
       </p:sp>
@@ -5933,7 +9406,7 @@
         <p:spPr>
           <a:xfrm>
             <a:off x="153350" y="68813"/>
-            <a:ext cx="7431522" cy="369332"/>
+            <a:ext cx="9162893" cy="369332"/>
           </a:xfrm>
           <a:prstGeom prst="rect">
             <a:avLst/>
@@ -5954,7 +9427,7 @@
                   </a:schemeClr>
                 </a:solidFill>
               </a:rPr>
-              <a:t>Goal: Do we have appropriate stastics to infer the metastatic seeding pattern </a:t>
+              <a:t>Problem AND Goal: We (clinics) mostly REACT upon metastases. Is there a PRO-active approach?</a:t>
             </a:r>
           </a:p>
         </p:txBody>
@@ -5963,466 +9436,6 @@
     <p:extLst>
       <p:ext uri="{BB962C8B-B14F-4D97-AF65-F5344CB8AC3E}">
         <p14:creationId xmlns:p14="http://schemas.microsoft.com/office/powerpoint/2010/main" val="844112255"/>
-      </p:ext>
-    </p:extLst>
-  </p:cSld>
-  <p:clrMapOvr>
-    <a:masterClrMapping/>
-  </p:clrMapOvr>
-</p:sld>
-</file>
-
-<file path=ppt/slides/slide4.xml><?xml version="1.0" encoding="utf-8"?>
-<p:sld xmlns:a="http://schemas.openxmlformats.org/drawingml/2006/main" xmlns:r="http://schemas.openxmlformats.org/officeDocument/2006/relationships" xmlns:p="http://schemas.openxmlformats.org/presentationml/2006/main">
-  <p:cSld>
-    <p:spTree>
-      <p:nvGrpSpPr>
-        <p:cNvPr id="1" name=""/>
-        <p:cNvGrpSpPr/>
-        <p:nvPr/>
-      </p:nvGrpSpPr>
-      <p:grpSpPr>
-        <a:xfrm>
-          <a:off x="0" y="0"/>
-          <a:ext cx="0" cy="0"/>
-          <a:chOff x="0" y="0"/>
-          <a:chExt cx="0" cy="0"/>
-        </a:xfrm>
-      </p:grpSpPr>
-      <p:sp>
-        <p:nvSpPr>
-          <p:cNvPr id="2" name="Title 1">
-            <a:extLst>
-              <a:ext uri="{FF2B5EF4-FFF2-40B4-BE49-F238E27FC236}">
-                <a16:creationId xmlns:a16="http://schemas.microsoft.com/office/drawing/2014/main" id="{20802F74-196A-E84E-9CDF-629CB8BC03B6}"/>
-              </a:ext>
-            </a:extLst>
-          </p:cNvPr>
-          <p:cNvSpPr>
-            <a:spLocks noGrp="1"/>
-          </p:cNvSpPr>
-          <p:nvPr>
-            <p:ph type="title"/>
-          </p:nvPr>
-        </p:nvSpPr>
-        <p:spPr/>
-        <p:txBody>
-          <a:bodyPr>
-            <a:normAutofit/>
-          </a:bodyPr>
-          <a:lstStyle/>
-          <a:p>
-            <a:r>
-              <a:rPr lang="en-AT" sz="3200" dirty="0"/>
-              <a:t>BradleyTerry model and some extensions</a:t>
-            </a:r>
-          </a:p>
-        </p:txBody>
-      </p:sp>
-      <mc:AlternateContent xmlns:mc="http://schemas.openxmlformats.org/markup-compatibility/2006">
-        <mc:Choice xmlns:a14="http://schemas.microsoft.com/office/drawing/2010/main" Requires="a14">
-          <p:sp>
-            <p:nvSpPr>
-              <p:cNvPr id="3" name="Content Placeholder 2">
-                <a:extLst>
-                  <a:ext uri="{FF2B5EF4-FFF2-40B4-BE49-F238E27FC236}">
-                    <a16:creationId xmlns:a16="http://schemas.microsoft.com/office/drawing/2014/main" id="{E1F95F42-BBD7-D344-BB4C-CCC55A17318A}"/>
-                  </a:ext>
-                </a:extLst>
-              </p:cNvPr>
-              <p:cNvSpPr>
-                <a:spLocks noGrp="1"/>
-              </p:cNvSpPr>
-              <p:nvPr>
-                <p:ph idx="1"/>
-              </p:nvPr>
-            </p:nvSpPr>
-            <p:spPr/>
-            <p:txBody>
-              <a:bodyPr/>
-              <a:lstStyle/>
-              <a:p>
-                <a:r>
-                  <a:rPr lang="en-AT" dirty="0"/>
-                  <a:t>Basic assumption:</a:t>
-                </a:r>
-              </a:p>
-              <a:p>
-                <a:r>
-                  <a:rPr lang="en-AT" dirty="0"/>
-                  <a:t>‘contest’ (ie patients) between any </a:t>
-                </a:r>
-                <a:r>
-                  <a:rPr lang="en-AT" u="sng" dirty="0"/>
-                  <a:t>two</a:t>
-                </a:r>
-                <a:r>
-                  <a:rPr lang="en-AT" dirty="0"/>
-                  <a:t>* ‘players’ say player </a:t>
-                </a:r>
-                <a:r>
-                  <a:rPr lang="en-GB" dirty="0" err="1"/>
-                  <a:t>i</a:t>
-                </a:r>
-                <a:r>
-                  <a:rPr lang="en-GB" dirty="0"/>
-                  <a:t> and player j</a:t>
-                </a:r>
-              </a:p>
-              <a:p>
-                <a:r>
-                  <a:rPr lang="en-GB" dirty="0"/>
-                  <a:t>Odds that </a:t>
-                </a:r>
-                <a:r>
-                  <a:rPr lang="en-GB" dirty="0" err="1"/>
-                  <a:t>i</a:t>
-                </a:r>
-                <a:r>
-                  <a:rPr lang="en-GB" dirty="0"/>
-                  <a:t> beat j</a:t>
-                </a:r>
-              </a:p>
-              <a:p>
-                <a:endParaRPr lang="en-GB" dirty="0"/>
-              </a:p>
-              <a:p>
-                <a:endParaRPr lang="en-GB" dirty="0"/>
-              </a:p>
-              <a:p>
-                <a:endParaRPr lang="en-GB" dirty="0"/>
-              </a:p>
-              <a:p>
-                <a14:m>
-                  <m:oMath xmlns:m="http://schemas.openxmlformats.org/officeDocument/2006/math">
-                    <m:r>
-                      <a:rPr lang="en-US" b="0" i="1" smtClean="0">
-                        <a:latin typeface="Cambria Math" panose="02040503050406030204" pitchFamily="18" charset="0"/>
-                      </a:rPr>
-                      <m:t>𝑙𝑜𝑔𝑖𝑡</m:t>
-                    </m:r>
-                    <m:d>
-                      <m:dPr>
-                        <m:begChr m:val="["/>
-                        <m:endChr m:val="]"/>
-                        <m:ctrlPr>
-                          <a:rPr lang="en-US" b="0" i="1" smtClean="0">
-                            <a:latin typeface="Cambria Math" panose="02040503050406030204" pitchFamily="18" charset="0"/>
-                          </a:rPr>
-                        </m:ctrlPr>
-                      </m:dPr>
-                      <m:e>
-                        <m:r>
-                          <a:rPr lang="en-US" b="0" i="1" smtClean="0">
-                            <a:latin typeface="Cambria Math" panose="02040503050406030204" pitchFamily="18" charset="0"/>
-                          </a:rPr>
-                          <m:t>𝑝𝑟</m:t>
-                        </m:r>
-                        <m:d>
-                          <m:dPr>
-                            <m:ctrlPr>
-                              <a:rPr lang="en-US" b="0" i="1" smtClean="0">
-                                <a:latin typeface="Cambria Math" panose="02040503050406030204" pitchFamily="18" charset="0"/>
-                              </a:rPr>
-                            </m:ctrlPr>
-                          </m:dPr>
-                          <m:e>
-                            <m:r>
-                              <a:rPr lang="en-US" b="0" i="1" smtClean="0">
-                                <a:latin typeface="Cambria Math" panose="02040503050406030204" pitchFamily="18" charset="0"/>
-                              </a:rPr>
-                              <m:t>𝑖</m:t>
-                            </m:r>
-                            <m:r>
-                              <a:rPr lang="en-US" b="0" i="1" smtClean="0">
-                                <a:latin typeface="Cambria Math" panose="02040503050406030204" pitchFamily="18" charset="0"/>
-                              </a:rPr>
-                              <m:t> </m:t>
-                            </m:r>
-                            <m:r>
-                              <a:rPr lang="en-US" b="0" i="1" smtClean="0">
-                                <a:latin typeface="Cambria Math" panose="02040503050406030204" pitchFamily="18" charset="0"/>
-                              </a:rPr>
-                              <m:t>𝑏𝑒𝑎𝑡𝑠</m:t>
-                            </m:r>
-                            <m:r>
-                              <a:rPr lang="en-US" b="0" i="1" smtClean="0">
-                                <a:latin typeface="Cambria Math" panose="02040503050406030204" pitchFamily="18" charset="0"/>
-                              </a:rPr>
-                              <m:t> </m:t>
-                            </m:r>
-                            <m:r>
-                              <a:rPr lang="en-US" b="0" i="1" smtClean="0">
-                                <a:latin typeface="Cambria Math" panose="02040503050406030204" pitchFamily="18" charset="0"/>
-                              </a:rPr>
-                              <m:t>𝑗</m:t>
-                            </m:r>
-                          </m:e>
-                        </m:d>
-                      </m:e>
-                    </m:d>
-                    <m:r>
-                      <a:rPr lang="en-GB" i="1" smtClean="0">
-                        <a:latin typeface="Cambria Math" panose="02040503050406030204" pitchFamily="18" charset="0"/>
-                      </a:rPr>
-                      <m:t>=</m:t>
-                    </m:r>
-                    <m:r>
-                      <a:rPr lang="en-GB" i="1" smtClean="0">
-                        <a:latin typeface="Cambria Math" panose="02040503050406030204" pitchFamily="18" charset="0"/>
-                        <a:ea typeface="Cambria Math" panose="02040503050406030204" pitchFamily="18" charset="0"/>
-                      </a:rPr>
-                      <m:t>𝜆</m:t>
-                    </m:r>
-                    <m:r>
-                      <a:rPr lang="en-US" b="0" i="1" baseline="-25000" smtClean="0">
-                        <a:latin typeface="Cambria Math" panose="02040503050406030204" pitchFamily="18" charset="0"/>
-                        <a:ea typeface="Cambria Math" panose="02040503050406030204" pitchFamily="18" charset="0"/>
-                      </a:rPr>
-                      <m:t>𝑖</m:t>
-                    </m:r>
-                    <m:r>
-                      <a:rPr lang="en-US" b="0" i="1" baseline="-25000" smtClean="0">
-                        <a:latin typeface="Cambria Math" panose="02040503050406030204" pitchFamily="18" charset="0"/>
-                        <a:ea typeface="Cambria Math" panose="02040503050406030204" pitchFamily="18" charset="0"/>
-                      </a:rPr>
-                      <m:t> − </m:t>
-                    </m:r>
-                    <m:r>
-                      <a:rPr lang="en-US" b="0" i="1" smtClean="0">
-                        <a:latin typeface="Cambria Math" panose="02040503050406030204" pitchFamily="18" charset="0"/>
-                        <a:ea typeface="Cambria Math" panose="02040503050406030204" pitchFamily="18" charset="0"/>
-                      </a:rPr>
-                      <m:t>𝜆</m:t>
-                    </m:r>
-                    <m:r>
-                      <a:rPr lang="en-US" b="0" i="1" baseline="-25000" smtClean="0">
-                        <a:latin typeface="Cambria Math" panose="02040503050406030204" pitchFamily="18" charset="0"/>
-                        <a:ea typeface="Cambria Math" panose="02040503050406030204" pitchFamily="18" charset="0"/>
-                      </a:rPr>
-                      <m:t>𝑗</m:t>
-                    </m:r>
-                  </m:oMath>
-                </a14:m>
-                <a:r>
-                  <a:rPr lang="en-AT" baseline="-25000" dirty="0"/>
-                  <a:t> </a:t>
-                </a:r>
-                <a:r>
-                  <a:rPr lang="en-AT" dirty="0"/>
-                  <a:t> (logit linear form)</a:t>
-                </a:r>
-                <a:endParaRPr lang="en-AT" baseline="-25000" dirty="0"/>
-              </a:p>
-            </p:txBody>
-          </p:sp>
-        </mc:Choice>
-        <mc:Fallback>
-          <p:sp>
-            <p:nvSpPr>
-              <p:cNvPr id="3" name="Content Placeholder 2">
-                <a:extLst>
-                  <a:ext uri="{FF2B5EF4-FFF2-40B4-BE49-F238E27FC236}">
-                    <a16:creationId xmlns:a16="http://schemas.microsoft.com/office/drawing/2014/main" id="{E1F95F42-BBD7-D344-BB4C-CCC55A17318A}"/>
-                  </a:ext>
-                </a:extLst>
-              </p:cNvPr>
-              <p:cNvSpPr>
-                <a:spLocks noGrp="1" noRot="1" noChangeAspect="1" noMove="1" noResize="1" noEditPoints="1" noAdjustHandles="1" noChangeArrowheads="1" noChangeShapeType="1" noTextEdit="1"/>
-              </p:cNvSpPr>
-              <p:nvPr>
-                <p:ph idx="1"/>
-              </p:nvPr>
-            </p:nvSpPr>
-            <p:spPr>
-              <a:blipFill>
-                <a:blip r:embed="rId2"/>
-                <a:stretch>
-                  <a:fillRect l="-1086" t="-2326"/>
-                </a:stretch>
-              </a:blipFill>
-            </p:spPr>
-            <p:txBody>
-              <a:bodyPr/>
-              <a:lstStyle/>
-              <a:p>
-                <a:r>
-                  <a:rPr lang="en-AT">
-                    <a:noFill/>
-                  </a:rPr>
-                  <a:t> </a:t>
-                </a:r>
-              </a:p>
-            </p:txBody>
-          </p:sp>
-        </mc:Fallback>
-      </mc:AlternateContent>
-      <p:sp>
-        <p:nvSpPr>
-          <p:cNvPr id="4" name="TextBox 3">
-            <a:extLst>
-              <a:ext uri="{FF2B5EF4-FFF2-40B4-BE49-F238E27FC236}">
-                <a16:creationId xmlns:a16="http://schemas.microsoft.com/office/drawing/2014/main" id="{FD0908CE-7E7E-7044-A850-D53F1DD41108}"/>
-              </a:ext>
-            </a:extLst>
-          </p:cNvPr>
-          <p:cNvSpPr txBox="1"/>
-          <p:nvPr/>
-        </p:nvSpPr>
-        <p:spPr>
-          <a:xfrm>
-            <a:off x="153350" y="68813"/>
-            <a:ext cx="7818935" cy="369332"/>
-          </a:xfrm>
-          <a:prstGeom prst="rect">
-            <a:avLst/>
-          </a:prstGeom>
-          <a:noFill/>
-        </p:spPr>
-        <p:txBody>
-          <a:bodyPr wrap="none" rtlCol="0">
-            <a:spAutoFit/>
-          </a:bodyPr>
-          <a:lstStyle/>
-          <a:p>
-            <a:r>
-              <a:rPr lang="en-AT" i="1" dirty="0">
-                <a:solidFill>
-                  <a:schemeClr val="bg1">
-                    <a:lumMod val="50000"/>
-                  </a:schemeClr>
-                </a:solidFill>
-              </a:rPr>
-              <a:t>Methods: Do we have appropriate stastics to infer the metastatic seeding pattern </a:t>
-            </a:r>
-          </a:p>
-        </p:txBody>
-      </p:sp>
-      <p:sp>
-        <p:nvSpPr>
-          <p:cNvPr id="5" name="TextBox 4">
-            <a:extLst>
-              <a:ext uri="{FF2B5EF4-FFF2-40B4-BE49-F238E27FC236}">
-                <a16:creationId xmlns:a16="http://schemas.microsoft.com/office/drawing/2014/main" id="{A24B6D39-AA80-BB45-9EFF-DF5B423DF4B3}"/>
-              </a:ext>
-            </a:extLst>
-          </p:cNvPr>
-          <p:cNvSpPr txBox="1"/>
-          <p:nvPr/>
-        </p:nvSpPr>
-        <p:spPr>
-          <a:xfrm>
-            <a:off x="331470" y="6419855"/>
-            <a:ext cx="2393669" cy="369332"/>
-          </a:xfrm>
-          <a:prstGeom prst="rect">
-            <a:avLst/>
-          </a:prstGeom>
-          <a:noFill/>
-        </p:spPr>
-        <p:txBody>
-          <a:bodyPr wrap="none" rtlCol="0">
-            <a:spAutoFit/>
-          </a:bodyPr>
-          <a:lstStyle/>
-          <a:p>
-            <a:r>
-              <a:rPr lang="en-AT" dirty="0"/>
-              <a:t>*will be important later</a:t>
-            </a:r>
-          </a:p>
-        </p:txBody>
-      </p:sp>
-      <p:pic>
-        <p:nvPicPr>
-          <p:cNvPr id="2050" name="Picture 2">
-            <a:extLst>
-              <a:ext uri="{FF2B5EF4-FFF2-40B4-BE49-F238E27FC236}">
-                <a16:creationId xmlns:a16="http://schemas.microsoft.com/office/drawing/2014/main" id="{9ADA3DF1-1C7F-D04F-8E76-21A6EC54F006}"/>
-              </a:ext>
-            </a:extLst>
-          </p:cNvPr>
-          <p:cNvPicPr>
-            <a:picLocks noChangeAspect="1" noChangeArrowheads="1"/>
-          </p:cNvPicPr>
-          <p:nvPr/>
-        </p:nvPicPr>
-        <p:blipFill>
-          <a:blip r:embed="rId3">
-            <a:extLst>
-              <a:ext uri="{28A0092B-C50C-407E-A947-70E740481C1C}">
-                <a14:useLocalDpi xmlns:a14="http://schemas.microsoft.com/office/drawing/2010/main" val="0"/>
-              </a:ext>
-            </a:extLst>
-          </a:blip>
-          <a:srcRect/>
-          <a:stretch>
-            <a:fillRect/>
-          </a:stretch>
-        </p:blipFill>
-        <p:spPr bwMode="auto">
-          <a:xfrm>
-            <a:off x="6429633" y="3429000"/>
-            <a:ext cx="4344670" cy="1621005"/>
-          </a:xfrm>
-          <a:prstGeom prst="rect">
-            <a:avLst/>
-          </a:prstGeom>
-          <a:noFill/>
-          <a:extLst>
-            <a:ext uri="{909E8E84-426E-40DD-AFC4-6F175D3DCCD1}">
-              <a14:hiddenFill xmlns:a14="http://schemas.microsoft.com/office/drawing/2010/main">
-                <a:solidFill>
-                  <a:srgbClr val="FFFFFF"/>
-                </a:solidFill>
-              </a14:hiddenFill>
-            </a:ext>
-          </a:extLst>
-        </p:spPr>
-      </p:pic>
-      <p:sp>
-        <p:nvSpPr>
-          <p:cNvPr id="6" name="TextBox 5">
-            <a:extLst>
-              <a:ext uri="{FF2B5EF4-FFF2-40B4-BE49-F238E27FC236}">
-                <a16:creationId xmlns:a16="http://schemas.microsoft.com/office/drawing/2014/main" id="{FA19EF74-A000-4545-8EBD-62614CDE32DE}"/>
-              </a:ext>
-            </a:extLst>
-          </p:cNvPr>
-          <p:cNvSpPr txBox="1"/>
-          <p:nvPr/>
-        </p:nvSpPr>
-        <p:spPr>
-          <a:xfrm>
-            <a:off x="7302843" y="6419855"/>
-            <a:ext cx="4182812" cy="369332"/>
-          </a:xfrm>
-          <a:prstGeom prst="rect">
-            <a:avLst/>
-          </a:prstGeom>
-          <a:noFill/>
-        </p:spPr>
-        <p:txBody>
-          <a:bodyPr wrap="none" rtlCol="0">
-            <a:spAutoFit/>
-          </a:bodyPr>
-          <a:lstStyle/>
-          <a:p>
-            <a:r>
-              <a:rPr lang="en-GB" dirty="0"/>
-              <a:t>C</a:t>
-            </a:r>
-            <a:r>
-              <a:rPr lang="en-AT" dirty="0"/>
-              <a:t>ohort of 10 patients; 5 unique organ sites</a:t>
-            </a:r>
-          </a:p>
-        </p:txBody>
-      </p:sp>
-    </p:spTree>
-    <p:extLst>
-      <p:ext uri="{BB962C8B-B14F-4D97-AF65-F5344CB8AC3E}">
-        <p14:creationId xmlns:p14="http://schemas.microsoft.com/office/powerpoint/2010/main" val="304258262"/>
       </p:ext>
     </p:extLst>
   </p:cSld>
@@ -6454,7 +9467,7 @@
           <p:cNvPr id="2" name="Title 1">
             <a:extLst>
               <a:ext uri="{FF2B5EF4-FFF2-40B4-BE49-F238E27FC236}">
-                <a16:creationId xmlns:a16="http://schemas.microsoft.com/office/drawing/2014/main" id="{E8B5F728-CAF4-7D47-BE11-A6A1F5796EFF}"/>
+                <a16:creationId xmlns:a16="http://schemas.microsoft.com/office/drawing/2014/main" id="{20802F74-196A-E84E-9CDF-629CB8BC03B6}"/>
               </a:ext>
             </a:extLst>
           </p:cNvPr>
@@ -6467,83 +9480,401 @@
         </p:nvSpPr>
         <p:spPr/>
         <p:txBody>
-          <a:bodyPr/>
-          <a:lstStyle/>
-          <a:p>
-            <a:r>
-              <a:rPr lang="en-AT" dirty="0"/>
-              <a:t>Prostate cancer dataset</a:t>
-            </a:r>
-          </a:p>
-        </p:txBody>
-      </p:sp>
-      <p:pic>
-        <p:nvPicPr>
-          <p:cNvPr id="4" name="Content Placeholder 3">
-            <a:extLst>
-              <a:ext uri="{FF2B5EF4-FFF2-40B4-BE49-F238E27FC236}">
-                <a16:creationId xmlns:a16="http://schemas.microsoft.com/office/drawing/2014/main" id="{1081CF2E-DD8F-1C48-AE82-5CC81D960967}"/>
-              </a:ext>
-            </a:extLst>
-          </p:cNvPr>
-          <p:cNvPicPr>
-            <a:picLocks noGrp="1" noChangeAspect="1"/>
-          </p:cNvPicPr>
-          <p:nvPr>
-            <p:ph idx="1"/>
-          </p:nvPr>
-        </p:nvPicPr>
-        <p:blipFill rotWithShape="1">
-          <a:blip r:embed="rId2"/>
-          <a:srcRect t="4966" r="7143"/>
-          <a:stretch/>
-        </p:blipFill>
-        <p:spPr>
-          <a:xfrm>
-            <a:off x="838200" y="2361358"/>
-            <a:ext cx="6595478" cy="3420507"/>
-          </a:xfrm>
-          <a:prstGeom prst="rect">
-            <a:avLst/>
-          </a:prstGeom>
-        </p:spPr>
-      </p:pic>
-      <p:pic>
-        <p:nvPicPr>
-          <p:cNvPr id="6" name="Picture 5">
-            <a:extLst>
-              <a:ext uri="{FF2B5EF4-FFF2-40B4-BE49-F238E27FC236}">
-                <a16:creationId xmlns:a16="http://schemas.microsoft.com/office/drawing/2014/main" id="{37C921CC-4943-8949-A9BF-814CE6D6A7C3}"/>
-              </a:ext>
-            </a:extLst>
-          </p:cNvPr>
-          <p:cNvPicPr>
-            <a:picLocks noChangeAspect="1"/>
-          </p:cNvPicPr>
-          <p:nvPr/>
-        </p:nvPicPr>
-        <p:blipFill>
-          <a:blip r:embed="rId3"/>
-          <a:stretch>
-            <a:fillRect/>
-          </a:stretch>
-        </p:blipFill>
-        <p:spPr>
-          <a:xfrm>
-            <a:off x="7978140" y="3573277"/>
-            <a:ext cx="3476031" cy="1761438"/>
-          </a:xfrm>
-          <a:prstGeom prst="rect">
-            <a:avLst/>
-          </a:prstGeom>
-        </p:spPr>
-      </p:pic>
-      <p:sp>
-        <p:nvSpPr>
-          <p:cNvPr id="7" name="TextBox 6">
-            <a:extLst>
-              <a:ext uri="{FF2B5EF4-FFF2-40B4-BE49-F238E27FC236}">
-                <a16:creationId xmlns:a16="http://schemas.microsoft.com/office/drawing/2014/main" id="{0C74BBDC-4BE5-D54B-BD6F-6DD3F1931C38}"/>
+          <a:bodyPr>
+            <a:normAutofit/>
+          </a:bodyPr>
+          <a:lstStyle/>
+          <a:p>
+            <a:r>
+              <a:rPr lang="en-AT" sz="3200" dirty="0"/>
+              <a:t>The BradleyTerry probability model; predict the outcome of a paired comparision</a:t>
+            </a:r>
+          </a:p>
+        </p:txBody>
+      </p:sp>
+      <mc:AlternateContent xmlns:mc="http://schemas.openxmlformats.org/markup-compatibility/2006">
+        <mc:Choice xmlns:a14="http://schemas.microsoft.com/office/drawing/2010/main" Requires="a14">
+          <p:sp>
+            <p:nvSpPr>
+              <p:cNvPr id="3" name="Content Placeholder 2">
+                <a:extLst>
+                  <a:ext uri="{FF2B5EF4-FFF2-40B4-BE49-F238E27FC236}">
+                    <a16:creationId xmlns:a16="http://schemas.microsoft.com/office/drawing/2014/main" id="{E1F95F42-BBD7-D344-BB4C-CCC55A17318A}"/>
+                  </a:ext>
+                </a:extLst>
+              </p:cNvPr>
+              <p:cNvSpPr>
+                <a:spLocks noGrp="1"/>
+              </p:cNvSpPr>
+              <p:nvPr>
+                <p:ph idx="1"/>
+              </p:nvPr>
+            </p:nvSpPr>
+            <p:spPr>
+              <a:xfrm>
+                <a:off x="838200" y="1825625"/>
+                <a:ext cx="10515600" cy="2385253"/>
+              </a:xfrm>
+            </p:spPr>
+            <p:txBody>
+              <a:bodyPr>
+                <a:normAutofit/>
+              </a:bodyPr>
+              <a:lstStyle/>
+              <a:p>
+                <a:pPr marL="0" indent="0">
+                  <a:buNone/>
+                </a:pPr>
+                <a:r>
+                  <a:rPr lang="en-AT" sz="2400" u="sng" dirty="0"/>
+                  <a:t>Basic assumption</a:t>
+                </a:r>
+                <a:r>
+                  <a:rPr lang="en-AT" sz="2400" dirty="0"/>
+                  <a:t>:</a:t>
+                </a:r>
+              </a:p>
+              <a:p>
+                <a:pPr marL="0" indent="0">
+                  <a:buNone/>
+                </a:pPr>
+                <a:r>
+                  <a:rPr lang="en-AT" sz="2400" i="1" dirty="0"/>
+                  <a:t>‘contest’</a:t>
+                </a:r>
+                <a:r>
+                  <a:rPr lang="en-AT" sz="2400" dirty="0"/>
+                  <a:t> (</a:t>
+                </a:r>
+                <a:r>
+                  <a:rPr lang="en-GB" sz="2400" dirty="0"/>
+                  <a:t>i.e.,</a:t>
+                </a:r>
+                <a:r>
+                  <a:rPr lang="en-AT" sz="2400" dirty="0"/>
+                  <a:t> patients) between any </a:t>
+                </a:r>
+                <a:r>
+                  <a:rPr lang="en-AT" sz="2400" u="sng" dirty="0"/>
+                  <a:t>two</a:t>
+                </a:r>
+                <a:r>
+                  <a:rPr lang="en-AT" sz="2400" dirty="0"/>
+                  <a:t>* ‘</a:t>
+                </a:r>
+                <a:r>
+                  <a:rPr lang="en-AT" sz="2400" i="1" dirty="0"/>
+                  <a:t>players</a:t>
+                </a:r>
+                <a:r>
+                  <a:rPr lang="en-AT" sz="2400" dirty="0"/>
+                  <a:t>’ (metastatic sites)</a:t>
+                </a:r>
+              </a:p>
+              <a:p>
+                <a:pPr marL="0" indent="0">
+                  <a:buNone/>
+                </a:pPr>
+                <a:r>
+                  <a:rPr lang="en-GB" sz="2400" dirty="0"/>
+                  <a:t>Odds that </a:t>
+                </a:r>
+                <a:r>
+                  <a:rPr lang="en-GB" sz="2400" baseline="-25000" dirty="0" err="1"/>
+                  <a:t>i</a:t>
+                </a:r>
+                <a:r>
+                  <a:rPr lang="en-GB" sz="2400" dirty="0"/>
+                  <a:t> beat </a:t>
+                </a:r>
+                <a:r>
+                  <a:rPr lang="en-GB" sz="2400" baseline="-25000" dirty="0"/>
+                  <a:t>j</a:t>
+                </a:r>
+                <a:r>
+                  <a:rPr lang="en-GB" sz="2400" dirty="0"/>
+                  <a:t> or </a:t>
+                </a:r>
+                <a14:m>
+                  <m:oMath xmlns:m="http://schemas.openxmlformats.org/officeDocument/2006/math">
+                    <m:r>
+                      <a:rPr lang="en-US" sz="2400" b="0" i="1" smtClean="0">
+                        <a:latin typeface="Cambria Math" panose="02040503050406030204" pitchFamily="18" charset="0"/>
+                      </a:rPr>
+                      <m:t>𝑃</m:t>
+                    </m:r>
+                    <m:d>
+                      <m:dPr>
+                        <m:ctrlPr>
+                          <a:rPr lang="en-US" sz="2400" b="0" i="1" smtClean="0">
+                            <a:latin typeface="Cambria Math" panose="02040503050406030204" pitchFamily="18" charset="0"/>
+                          </a:rPr>
+                        </m:ctrlPr>
+                      </m:dPr>
+                      <m:e>
+                        <m:r>
+                          <a:rPr lang="en-US" sz="2400" b="0" i="1" smtClean="0">
+                            <a:latin typeface="Cambria Math" panose="02040503050406030204" pitchFamily="18" charset="0"/>
+                          </a:rPr>
+                          <m:t>𝑖</m:t>
+                        </m:r>
+                        <m:r>
+                          <a:rPr lang="en-US" sz="2400" b="0" i="1" smtClean="0">
+                            <a:latin typeface="Cambria Math" panose="02040503050406030204" pitchFamily="18" charset="0"/>
+                          </a:rPr>
+                          <m:t>&gt;</m:t>
+                        </m:r>
+                        <m:r>
+                          <a:rPr lang="en-US" sz="2400" b="0" i="1" smtClean="0">
+                            <a:latin typeface="Cambria Math" panose="02040503050406030204" pitchFamily="18" charset="0"/>
+                          </a:rPr>
+                          <m:t>𝑗</m:t>
+                        </m:r>
+                      </m:e>
+                    </m:d>
+                    <m:r>
+                      <a:rPr lang="en-GB" sz="2400" i="1" smtClean="0">
+                        <a:latin typeface="Cambria Math" panose="02040503050406030204" pitchFamily="18" charset="0"/>
+                      </a:rPr>
+                      <m:t>=</m:t>
+                    </m:r>
+                    <m:r>
+                      <a:rPr lang="en-US" sz="2400" b="0" i="1" smtClean="0">
+                        <a:latin typeface="Cambria Math" panose="02040503050406030204" pitchFamily="18" charset="0"/>
+                      </a:rPr>
+                      <m:t> </m:t>
+                    </m:r>
+                    <m:f>
+                      <m:fPr>
+                        <m:ctrlPr>
+                          <a:rPr lang="en-US" sz="2400" b="0" i="1" smtClean="0">
+                            <a:latin typeface="Cambria Math" panose="02040503050406030204" pitchFamily="18" charset="0"/>
+                          </a:rPr>
+                        </m:ctrlPr>
+                      </m:fPr>
+                      <m:num>
+                        <m:r>
+                          <a:rPr lang="en-US" sz="2400" b="0" i="1" smtClean="0">
+                            <a:latin typeface="Cambria Math" panose="02040503050406030204" pitchFamily="18" charset="0"/>
+                          </a:rPr>
+                          <m:t>𝑝</m:t>
+                        </m:r>
+                        <m:r>
+                          <a:rPr lang="en-US" sz="2400" b="0" i="1" baseline="-25000" smtClean="0">
+                            <a:latin typeface="Cambria Math" panose="02040503050406030204" pitchFamily="18" charset="0"/>
+                          </a:rPr>
+                          <m:t>𝑖</m:t>
+                        </m:r>
+                      </m:num>
+                      <m:den>
+                        <m:r>
+                          <a:rPr lang="en-US" sz="2400" b="0" i="1" smtClean="0">
+                            <a:latin typeface="Cambria Math" panose="02040503050406030204" pitchFamily="18" charset="0"/>
+                          </a:rPr>
+                          <m:t>𝑝</m:t>
+                        </m:r>
+                        <m:r>
+                          <a:rPr lang="en-US" sz="2400" b="0" i="1" baseline="-25000" smtClean="0">
+                            <a:latin typeface="Cambria Math" panose="02040503050406030204" pitchFamily="18" charset="0"/>
+                          </a:rPr>
+                          <m:t>𝑖</m:t>
+                        </m:r>
+                        <m:r>
+                          <a:rPr lang="en-US" sz="2400" b="0" i="1" smtClean="0">
+                            <a:latin typeface="Cambria Math" panose="02040503050406030204" pitchFamily="18" charset="0"/>
+                          </a:rPr>
+                          <m:t>+</m:t>
+                        </m:r>
+                        <m:r>
+                          <a:rPr lang="en-US" sz="2400" b="0" i="1" smtClean="0">
+                            <a:latin typeface="Cambria Math" panose="02040503050406030204" pitchFamily="18" charset="0"/>
+                          </a:rPr>
+                          <m:t>𝑝𝑗</m:t>
+                        </m:r>
+                      </m:den>
+                    </m:f>
+                  </m:oMath>
+                </a14:m>
+                <a:endParaRPr lang="en-GB" sz="2400" dirty="0"/>
+              </a:p>
+              <a:p>
+                <a:pPr marL="0" indent="0">
+                  <a:buNone/>
+                </a:pPr>
+                <a14:m>
+                  <m:oMath xmlns:m="http://schemas.openxmlformats.org/officeDocument/2006/math">
+                    <m:r>
+                      <a:rPr lang="en-US" sz="2400" b="0" i="1" smtClean="0">
+                        <a:latin typeface="Cambria Math" panose="02040503050406030204" pitchFamily="18" charset="0"/>
+                      </a:rPr>
+                      <m:t>𝑙𝑜𝑔𝑖𝑡</m:t>
+                    </m:r>
+                    <m:d>
+                      <m:dPr>
+                        <m:begChr m:val="["/>
+                        <m:endChr m:val="]"/>
+                        <m:ctrlPr>
+                          <a:rPr lang="en-US" sz="2400" b="0" i="1" smtClean="0">
+                            <a:latin typeface="Cambria Math" panose="02040503050406030204" pitchFamily="18" charset="0"/>
+                          </a:rPr>
+                        </m:ctrlPr>
+                      </m:dPr>
+                      <m:e>
+                        <m:r>
+                          <a:rPr lang="en-US" sz="2400" b="0" i="1" smtClean="0">
+                            <a:latin typeface="Cambria Math" panose="02040503050406030204" pitchFamily="18" charset="0"/>
+                          </a:rPr>
+                          <m:t>𝑝𝑟</m:t>
+                        </m:r>
+                        <m:d>
+                          <m:dPr>
+                            <m:ctrlPr>
+                              <a:rPr lang="en-US" sz="2400" b="0" i="1" smtClean="0">
+                                <a:latin typeface="Cambria Math" panose="02040503050406030204" pitchFamily="18" charset="0"/>
+                              </a:rPr>
+                            </m:ctrlPr>
+                          </m:dPr>
+                          <m:e>
+                            <m:r>
+                              <a:rPr lang="en-US" sz="2400" b="0" i="1" smtClean="0">
+                                <a:latin typeface="Cambria Math" panose="02040503050406030204" pitchFamily="18" charset="0"/>
+                              </a:rPr>
+                              <m:t>𝑖</m:t>
+                            </m:r>
+                            <m:r>
+                              <a:rPr lang="en-US" sz="2400" b="0" i="1" smtClean="0">
+                                <a:latin typeface="Cambria Math" panose="02040503050406030204" pitchFamily="18" charset="0"/>
+                              </a:rPr>
+                              <m:t> </m:t>
+                            </m:r>
+                            <m:r>
+                              <a:rPr lang="en-US" sz="2400" b="0" i="1" smtClean="0">
+                                <a:latin typeface="Cambria Math" panose="02040503050406030204" pitchFamily="18" charset="0"/>
+                              </a:rPr>
+                              <m:t>𝑏𝑒𝑎𝑡𝑠</m:t>
+                            </m:r>
+                            <m:r>
+                              <a:rPr lang="en-US" sz="2400" b="0" i="1" smtClean="0">
+                                <a:latin typeface="Cambria Math" panose="02040503050406030204" pitchFamily="18" charset="0"/>
+                              </a:rPr>
+                              <m:t> </m:t>
+                            </m:r>
+                            <m:r>
+                              <a:rPr lang="en-US" sz="2400" b="0" i="1" smtClean="0">
+                                <a:latin typeface="Cambria Math" panose="02040503050406030204" pitchFamily="18" charset="0"/>
+                              </a:rPr>
+                              <m:t>𝑗</m:t>
+                            </m:r>
+                          </m:e>
+                        </m:d>
+                      </m:e>
+                    </m:d>
+                    <m:r>
+                      <a:rPr lang="en-GB" sz="2400" i="1" smtClean="0">
+                        <a:latin typeface="Cambria Math" panose="02040503050406030204" pitchFamily="18" charset="0"/>
+                      </a:rPr>
+                      <m:t>=</m:t>
+                    </m:r>
+                    <m:r>
+                      <a:rPr lang="en-GB" sz="2400" i="1" smtClean="0">
+                        <a:latin typeface="Cambria Math" panose="02040503050406030204" pitchFamily="18" charset="0"/>
+                        <a:ea typeface="Cambria Math" panose="02040503050406030204" pitchFamily="18" charset="0"/>
+                      </a:rPr>
+                      <m:t>𝜆</m:t>
+                    </m:r>
+                    <m:r>
+                      <a:rPr lang="en-US" sz="2400" b="0" i="1" baseline="-25000" smtClean="0">
+                        <a:latin typeface="Cambria Math" panose="02040503050406030204" pitchFamily="18" charset="0"/>
+                        <a:ea typeface="Cambria Math" panose="02040503050406030204" pitchFamily="18" charset="0"/>
+                      </a:rPr>
+                      <m:t>𝑖</m:t>
+                    </m:r>
+                    <m:r>
+                      <a:rPr lang="en-US" sz="2400" b="0" i="1" baseline="-25000" smtClean="0">
+                        <a:latin typeface="Cambria Math" panose="02040503050406030204" pitchFamily="18" charset="0"/>
+                        <a:ea typeface="Cambria Math" panose="02040503050406030204" pitchFamily="18" charset="0"/>
+                      </a:rPr>
+                      <m:t> − </m:t>
+                    </m:r>
+                    <m:r>
+                      <a:rPr lang="en-US" sz="2400" b="0" i="1" smtClean="0">
+                        <a:latin typeface="Cambria Math" panose="02040503050406030204" pitchFamily="18" charset="0"/>
+                        <a:ea typeface="Cambria Math" panose="02040503050406030204" pitchFamily="18" charset="0"/>
+                      </a:rPr>
+                      <m:t>𝜆</m:t>
+                    </m:r>
+                    <m:r>
+                      <a:rPr lang="en-US" sz="2400" b="0" i="1" baseline="-25000" smtClean="0">
+                        <a:latin typeface="Cambria Math" panose="02040503050406030204" pitchFamily="18" charset="0"/>
+                        <a:ea typeface="Cambria Math" panose="02040503050406030204" pitchFamily="18" charset="0"/>
+                      </a:rPr>
+                      <m:t>𝑗</m:t>
+                    </m:r>
+                  </m:oMath>
+                </a14:m>
+                <a:r>
+                  <a:rPr lang="en-AT" sz="2400" baseline="-25000" dirty="0"/>
+                  <a:t> </a:t>
+                </a:r>
+                <a:r>
+                  <a:rPr lang="en-AT" sz="2400" dirty="0"/>
+                  <a:t> (logit linear form)</a:t>
+                </a:r>
+                <a:endParaRPr lang="en-AT" sz="2400" baseline="-25000" dirty="0"/>
+              </a:p>
+            </p:txBody>
+          </p:sp>
+        </mc:Choice>
+        <mc:Fallback>
+          <p:sp>
+            <p:nvSpPr>
+              <p:cNvPr id="3" name="Content Placeholder 2">
+                <a:extLst>
+                  <a:ext uri="{FF2B5EF4-FFF2-40B4-BE49-F238E27FC236}">
+                    <a16:creationId xmlns:a16="http://schemas.microsoft.com/office/drawing/2014/main" id="{E1F95F42-BBD7-D344-BB4C-CCC55A17318A}"/>
+                  </a:ext>
+                </a:extLst>
+              </p:cNvPr>
+              <p:cNvSpPr>
+                <a:spLocks noGrp="1" noRot="1" noChangeAspect="1" noMove="1" noResize="1" noEditPoints="1" noAdjustHandles="1" noChangeArrowheads="1" noChangeShapeType="1" noTextEdit="1"/>
+              </p:cNvSpPr>
+              <p:nvPr>
+                <p:ph idx="1"/>
+              </p:nvPr>
+            </p:nvSpPr>
+            <p:spPr>
+              <a:xfrm>
+                <a:off x="838200" y="1825625"/>
+                <a:ext cx="10515600" cy="2385253"/>
+              </a:xfrm>
+              <a:blipFill>
+                <a:blip r:embed="rId2"/>
+                <a:stretch>
+                  <a:fillRect l="-965" t="-3175"/>
+                </a:stretch>
+              </a:blipFill>
+            </p:spPr>
+            <p:txBody>
+              <a:bodyPr/>
+              <a:lstStyle/>
+              <a:p>
+                <a:r>
+                  <a:rPr lang="en-AT">
+                    <a:noFill/>
+                  </a:rPr>
+                  <a:t> </a:t>
+                </a:r>
+              </a:p>
+            </p:txBody>
+          </p:sp>
+        </mc:Fallback>
+      </mc:AlternateContent>
+      <p:sp>
+        <p:nvSpPr>
+          <p:cNvPr id="4" name="TextBox 3">
+            <a:extLst>
+              <a:ext uri="{FF2B5EF4-FFF2-40B4-BE49-F238E27FC236}">
+                <a16:creationId xmlns:a16="http://schemas.microsoft.com/office/drawing/2014/main" id="{FD0908CE-7E7E-7044-A850-D53F1DD41108}"/>
               </a:ext>
             </a:extLst>
           </p:cNvPr>
@@ -6553,7 +9884,7 @@
         <p:spPr>
           <a:xfrm>
             <a:off x="153350" y="68813"/>
-            <a:ext cx="11275779" cy="369332"/>
+            <a:ext cx="7929543" cy="369332"/>
           </a:xfrm>
           <a:prstGeom prst="rect">
             <a:avLst/>
@@ -6574,21 +9905,577 @@
                   </a:schemeClr>
                 </a:solidFill>
               </a:rPr>
-              <a:t>I used prostate as starting point since there is a lot of literature on metastatic dissemation from primary prostate cancer</a:t>
-            </a:r>
+              <a:t>Methods I: Do we have appropriate stastics to infer the metastatic seeding pattern </a:t>
+            </a:r>
+          </a:p>
+        </p:txBody>
+      </p:sp>
+      <p:sp>
+        <p:nvSpPr>
+          <p:cNvPr id="5" name="TextBox 4">
+            <a:extLst>
+              <a:ext uri="{FF2B5EF4-FFF2-40B4-BE49-F238E27FC236}">
+                <a16:creationId xmlns:a16="http://schemas.microsoft.com/office/drawing/2014/main" id="{A24B6D39-AA80-BB45-9EFF-DF5B423DF4B3}"/>
+              </a:ext>
+            </a:extLst>
+          </p:cNvPr>
+          <p:cNvSpPr txBox="1"/>
+          <p:nvPr/>
+        </p:nvSpPr>
+        <p:spPr>
+          <a:xfrm>
+            <a:off x="331470" y="6419855"/>
+            <a:ext cx="2393669" cy="369332"/>
+          </a:xfrm>
+          <a:prstGeom prst="rect">
+            <a:avLst/>
+          </a:prstGeom>
+          <a:noFill/>
+        </p:spPr>
+        <p:txBody>
+          <a:bodyPr wrap="none" rtlCol="0">
+            <a:spAutoFit/>
+          </a:bodyPr>
+          <a:lstStyle/>
+          <a:p>
+            <a:r>
+              <a:rPr lang="en-AT" dirty="0"/>
+              <a:t>*will be important later</a:t>
+            </a:r>
+          </a:p>
+        </p:txBody>
+      </p:sp>
+      <p:pic>
+        <p:nvPicPr>
+          <p:cNvPr id="2050" name="Picture 2">
+            <a:extLst>
+              <a:ext uri="{FF2B5EF4-FFF2-40B4-BE49-F238E27FC236}">
+                <a16:creationId xmlns:a16="http://schemas.microsoft.com/office/drawing/2014/main" id="{9ADA3DF1-1C7F-D04F-8E76-21A6EC54F006}"/>
+              </a:ext>
+            </a:extLst>
+          </p:cNvPr>
+          <p:cNvPicPr>
+            <a:picLocks noChangeAspect="1" noChangeArrowheads="1"/>
+          </p:cNvPicPr>
+          <p:nvPr/>
+        </p:nvPicPr>
+        <p:blipFill>
+          <a:blip r:embed="rId3">
+            <a:extLst>
+              <a:ext uri="{28A0092B-C50C-407E-A947-70E740481C1C}">
+                <a14:useLocalDpi xmlns:a14="http://schemas.microsoft.com/office/drawing/2010/main" val="0"/>
+              </a:ext>
+            </a:extLst>
+          </a:blip>
+          <a:srcRect/>
+          <a:stretch>
+            <a:fillRect/>
+          </a:stretch>
+        </p:blipFill>
+        <p:spPr bwMode="auto">
+          <a:xfrm>
+            <a:off x="3447895" y="4412100"/>
+            <a:ext cx="4344670" cy="1621005"/>
+          </a:xfrm>
+          <a:prstGeom prst="rect">
+            <a:avLst/>
+          </a:prstGeom>
+          <a:noFill/>
+          <a:extLst>
+            <a:ext uri="{909E8E84-426E-40DD-AFC4-6F175D3DCCD1}">
+              <a14:hiddenFill xmlns:a14="http://schemas.microsoft.com/office/drawing/2010/main">
+                <a:solidFill>
+                  <a:srgbClr val="FFFFFF"/>
+                </a:solidFill>
+              </a14:hiddenFill>
+            </a:ext>
+          </a:extLst>
+        </p:spPr>
+      </p:pic>
+      <p:sp>
+        <p:nvSpPr>
+          <p:cNvPr id="7" name="TextBox 6">
+            <a:extLst>
+              <a:ext uri="{FF2B5EF4-FFF2-40B4-BE49-F238E27FC236}">
+                <a16:creationId xmlns:a16="http://schemas.microsoft.com/office/drawing/2014/main" id="{AEA5575C-DE15-6546-A147-594C29AC293E}"/>
+              </a:ext>
+            </a:extLst>
+          </p:cNvPr>
+          <p:cNvSpPr txBox="1"/>
+          <p:nvPr/>
+        </p:nvSpPr>
+        <p:spPr>
+          <a:xfrm>
+            <a:off x="680165" y="4474383"/>
+            <a:ext cx="2659126" cy="1200329"/>
+          </a:xfrm>
+          <a:prstGeom prst="rect">
+            <a:avLst/>
+          </a:prstGeom>
+          <a:noFill/>
+        </p:spPr>
+        <p:txBody>
+          <a:bodyPr wrap="none" rtlCol="0">
+            <a:spAutoFit/>
+          </a:bodyPr>
+          <a:lstStyle/>
+          <a:p>
+            <a:r>
+              <a:rPr lang="en-GB" dirty="0"/>
+              <a:t>E</a:t>
+            </a:r>
+            <a:r>
+              <a:rPr lang="en-AT" dirty="0"/>
+              <a:t>xample:</a:t>
+            </a:r>
+          </a:p>
+          <a:p>
+            <a:r>
+              <a:rPr lang="en-GB" dirty="0"/>
+              <a:t>C</a:t>
+            </a:r>
+            <a:r>
+              <a:rPr lang="en-AT" dirty="0"/>
+              <a:t>ohort of n=10</a:t>
+            </a:r>
+          </a:p>
+          <a:p>
+            <a:r>
+              <a:rPr lang="en-GB" dirty="0"/>
+              <a:t>T</a:t>
+            </a:r>
+            <a:r>
+              <a:rPr lang="en-AT" dirty="0"/>
+              <a:t>otal of 5 metastaic sites</a:t>
+            </a:r>
+          </a:p>
+          <a:p>
+            <a:r>
+              <a:rPr lang="en-AT" dirty="0"/>
+              <a:t>(regio, bone, bladder, etc.)</a:t>
+            </a:r>
+          </a:p>
+        </p:txBody>
+      </p:sp>
+      <p:sp>
+        <p:nvSpPr>
+          <p:cNvPr id="8" name="Rectangle 7">
+            <a:extLst>
+              <a:ext uri="{FF2B5EF4-FFF2-40B4-BE49-F238E27FC236}">
+                <a16:creationId xmlns:a16="http://schemas.microsoft.com/office/drawing/2014/main" id="{2CBCAB9D-9DCE-BC47-AF5B-2835CA904E05}"/>
+              </a:ext>
+            </a:extLst>
+          </p:cNvPr>
+          <p:cNvSpPr/>
+          <p:nvPr/>
+        </p:nvSpPr>
+        <p:spPr>
+          <a:xfrm>
+            <a:off x="3447895" y="4664766"/>
+            <a:ext cx="4344670" cy="265044"/>
+          </a:xfrm>
+          <a:prstGeom prst="rect">
+            <a:avLst/>
+          </a:prstGeom>
+          <a:noFill/>
+          <a:ln>
+            <a:solidFill>
+              <a:srgbClr val="00B0F0"/>
+            </a:solidFill>
+          </a:ln>
+        </p:spPr>
+        <p:style>
+          <a:lnRef idx="2">
+            <a:schemeClr val="accent1">
+              <a:shade val="50000"/>
+            </a:schemeClr>
+          </a:lnRef>
+          <a:fillRef idx="1">
+            <a:schemeClr val="accent1"/>
+          </a:fillRef>
+          <a:effectRef idx="0">
+            <a:schemeClr val="accent1"/>
+          </a:effectRef>
+          <a:fontRef idx="minor">
+            <a:schemeClr val="lt1"/>
+          </a:fontRef>
+        </p:style>
+        <p:txBody>
+          <a:bodyPr rtlCol="0" anchor="ctr"/>
+          <a:lstStyle/>
+          <a:p>
+            <a:pPr algn="ctr"/>
+            <a:endParaRPr lang="en-AT"/>
+          </a:p>
+        </p:txBody>
+      </p:sp>
+      <p:sp>
+        <p:nvSpPr>
+          <p:cNvPr id="9" name="TextBox 8">
+            <a:extLst>
+              <a:ext uri="{FF2B5EF4-FFF2-40B4-BE49-F238E27FC236}">
+                <a16:creationId xmlns:a16="http://schemas.microsoft.com/office/drawing/2014/main" id="{7D57D476-DDDE-EA49-8417-E3D24DBF5F4D}"/>
+              </a:ext>
+            </a:extLst>
+          </p:cNvPr>
+          <p:cNvSpPr txBox="1"/>
+          <p:nvPr/>
+        </p:nvSpPr>
+        <p:spPr>
+          <a:xfrm>
+            <a:off x="8189841" y="4411063"/>
+            <a:ext cx="3525079" cy="738664"/>
+          </a:xfrm>
+          <a:prstGeom prst="rect">
+            <a:avLst/>
+          </a:prstGeom>
+          <a:noFill/>
+          <a:ln>
+            <a:solidFill>
+              <a:srgbClr val="00B0F0"/>
+            </a:solidFill>
+          </a:ln>
+        </p:spPr>
+        <p:txBody>
+          <a:bodyPr wrap="square" rtlCol="0">
+            <a:spAutoFit/>
+          </a:bodyPr>
+          <a:lstStyle/>
+          <a:p>
+            <a:r>
+              <a:rPr lang="en-GB" sz="1400" dirty="0"/>
+              <a:t>R</a:t>
+            </a:r>
+            <a:r>
+              <a:rPr lang="en-AT" sz="1400" dirty="0"/>
+              <a:t>egional_LN were found once (patient) as the first organ populated; hence regio ‘won’ against the other 4 sites</a:t>
+            </a:r>
+          </a:p>
+        </p:txBody>
+      </p:sp>
+      <p:sp>
+        <p:nvSpPr>
+          <p:cNvPr id="11" name="TextBox 10">
+            <a:extLst>
+              <a:ext uri="{FF2B5EF4-FFF2-40B4-BE49-F238E27FC236}">
+                <a16:creationId xmlns:a16="http://schemas.microsoft.com/office/drawing/2014/main" id="{F3FA4262-EE75-074F-80F9-A1D81854F9BC}"/>
+              </a:ext>
+            </a:extLst>
+          </p:cNvPr>
+          <p:cNvSpPr txBox="1"/>
+          <p:nvPr/>
+        </p:nvSpPr>
+        <p:spPr>
+          <a:xfrm>
+            <a:off x="8189842" y="5452372"/>
+            <a:ext cx="3525079" cy="738664"/>
+          </a:xfrm>
+          <a:prstGeom prst="rect">
+            <a:avLst/>
+          </a:prstGeom>
+          <a:noFill/>
+          <a:ln>
+            <a:solidFill>
+              <a:srgbClr val="FF0000"/>
+            </a:solidFill>
+          </a:ln>
+        </p:spPr>
+        <p:txBody>
+          <a:bodyPr wrap="square" rtlCol="0">
+            <a:spAutoFit/>
+          </a:bodyPr>
+          <a:lstStyle/>
+          <a:p>
+            <a:r>
+              <a:rPr lang="en-US" sz="1400" dirty="0"/>
+              <a:t>Bone metastases were found first in 3 patients</a:t>
+            </a:r>
+            <a:r>
+              <a:rPr lang="en-AT" sz="1400" dirty="0"/>
+              <a:t>; hence bone ‘won’ against the other 4 sites, 3 times</a:t>
+            </a:r>
+          </a:p>
+        </p:txBody>
+      </p:sp>
+      <p:sp>
+        <p:nvSpPr>
+          <p:cNvPr id="12" name="Rectangle 11">
+            <a:extLst>
+              <a:ext uri="{FF2B5EF4-FFF2-40B4-BE49-F238E27FC236}">
+                <a16:creationId xmlns:a16="http://schemas.microsoft.com/office/drawing/2014/main" id="{3C6BA3C4-9CFC-E242-B631-3D4D2371DC2C}"/>
+              </a:ext>
+            </a:extLst>
+          </p:cNvPr>
+          <p:cNvSpPr/>
+          <p:nvPr/>
+        </p:nvSpPr>
+        <p:spPr>
+          <a:xfrm>
+            <a:off x="3447895" y="4942025"/>
+            <a:ext cx="4344670" cy="265044"/>
+          </a:xfrm>
+          <a:prstGeom prst="rect">
+            <a:avLst/>
+          </a:prstGeom>
+          <a:noFill/>
+          <a:ln w="19050">
+            <a:solidFill>
+              <a:srgbClr val="FF0000"/>
+            </a:solidFill>
+          </a:ln>
+        </p:spPr>
+        <p:style>
+          <a:lnRef idx="2">
+            <a:schemeClr val="accent1">
+              <a:shade val="50000"/>
+            </a:schemeClr>
+          </a:lnRef>
+          <a:fillRef idx="1">
+            <a:schemeClr val="accent1"/>
+          </a:fillRef>
+          <a:effectRef idx="0">
+            <a:schemeClr val="accent1"/>
+          </a:effectRef>
+          <a:fontRef idx="minor">
+            <a:schemeClr val="lt1"/>
+          </a:fontRef>
+        </p:style>
+        <p:txBody>
+          <a:bodyPr rtlCol="0" anchor="ctr"/>
+          <a:lstStyle/>
+          <a:p>
+            <a:pPr algn="ctr"/>
+            <a:endParaRPr lang="en-AT"/>
           </a:p>
         </p:txBody>
       </p:sp>
     </p:spTree>
     <p:extLst>
       <p:ext uri="{BB962C8B-B14F-4D97-AF65-F5344CB8AC3E}">
-        <p14:creationId xmlns:p14="http://schemas.microsoft.com/office/powerpoint/2010/main" val="3326432559"/>
+        <p14:creationId xmlns:p14="http://schemas.microsoft.com/office/powerpoint/2010/main" val="304258262"/>
       </p:ext>
     </p:extLst>
   </p:cSld>
   <p:clrMapOvr>
     <a:masterClrMapping/>
   </p:clrMapOvr>
+  <p:timing>
+    <p:tnLst>
+      <p:par>
+        <p:cTn id="1" dur="indefinite" restart="never" nodeType="tmRoot">
+          <p:childTnLst>
+            <p:seq concurrent="1" nextAc="seek">
+              <p:cTn id="2" dur="indefinite" nodeType="mainSeq">
+                <p:childTnLst>
+                  <p:par>
+                    <p:cTn id="3" fill="hold">
+                      <p:stCondLst>
+                        <p:cond delay="indefinite"/>
+                      </p:stCondLst>
+                      <p:childTnLst>
+                        <p:par>
+                          <p:cTn id="4" fill="hold">
+                            <p:stCondLst>
+                              <p:cond delay="0"/>
+                            </p:stCondLst>
+                            <p:childTnLst>
+                              <p:par>
+                                <p:cTn id="5" presetID="1" presetClass="entr" presetSubtype="0" fill="hold" nodeType="clickEffect">
+                                  <p:stCondLst>
+                                    <p:cond delay="0"/>
+                                  </p:stCondLst>
+                                  <p:childTnLst>
+                                    <p:set>
+                                      <p:cBhvr>
+                                        <p:cTn id="6" dur="1" fill="hold">
+                                          <p:stCondLst>
+                                            <p:cond delay="0"/>
+                                          </p:stCondLst>
+                                        </p:cTn>
+                                        <p:tgtEl>
+                                          <p:spTgt spid="2050"/>
+                                        </p:tgtEl>
+                                        <p:attrNameLst>
+                                          <p:attrName>style.visibility</p:attrName>
+                                        </p:attrNameLst>
+                                      </p:cBhvr>
+                                      <p:to>
+                                        <p:strVal val="visible"/>
+                                      </p:to>
+                                    </p:set>
+                                  </p:childTnLst>
+                                </p:cTn>
+                              </p:par>
+                              <p:par>
+                                <p:cTn id="7" presetID="1" presetClass="entr" presetSubtype="0" fill="hold" grpId="0" nodeType="withEffect">
+                                  <p:stCondLst>
+                                    <p:cond delay="0"/>
+                                  </p:stCondLst>
+                                  <p:childTnLst>
+                                    <p:set>
+                                      <p:cBhvr>
+                                        <p:cTn id="8" dur="1" fill="hold">
+                                          <p:stCondLst>
+                                            <p:cond delay="0"/>
+                                          </p:stCondLst>
+                                        </p:cTn>
+                                        <p:tgtEl>
+                                          <p:spTgt spid="7"/>
+                                        </p:tgtEl>
+                                        <p:attrNameLst>
+                                          <p:attrName>style.visibility</p:attrName>
+                                        </p:attrNameLst>
+                                      </p:cBhvr>
+                                      <p:to>
+                                        <p:strVal val="visible"/>
+                                      </p:to>
+                                    </p:set>
+                                  </p:childTnLst>
+                                </p:cTn>
+                              </p:par>
+                              <p:par>
+                                <p:cTn id="9" presetID="1" presetClass="entr" presetSubtype="0" fill="hold" grpId="0" nodeType="withEffect">
+                                  <p:stCondLst>
+                                    <p:cond delay="0"/>
+                                  </p:stCondLst>
+                                  <p:childTnLst>
+                                    <p:set>
+                                      <p:cBhvr>
+                                        <p:cTn id="10" dur="1" fill="hold">
+                                          <p:stCondLst>
+                                            <p:cond delay="0"/>
+                                          </p:stCondLst>
+                                        </p:cTn>
+                                        <p:tgtEl>
+                                          <p:spTgt spid="8"/>
+                                        </p:tgtEl>
+                                        <p:attrNameLst>
+                                          <p:attrName>style.visibility</p:attrName>
+                                        </p:attrNameLst>
+                                      </p:cBhvr>
+                                      <p:to>
+                                        <p:strVal val="visible"/>
+                                      </p:to>
+                                    </p:set>
+                                  </p:childTnLst>
+                                </p:cTn>
+                              </p:par>
+                              <p:par>
+                                <p:cTn id="11" presetID="1" presetClass="entr" presetSubtype="0" fill="hold" grpId="0" nodeType="withEffect">
+                                  <p:stCondLst>
+                                    <p:cond delay="0"/>
+                                  </p:stCondLst>
+                                  <p:childTnLst>
+                                    <p:set>
+                                      <p:cBhvr>
+                                        <p:cTn id="12" dur="1" fill="hold">
+                                          <p:stCondLst>
+                                            <p:cond delay="0"/>
+                                          </p:stCondLst>
+                                        </p:cTn>
+                                        <p:tgtEl>
+                                          <p:spTgt spid="9"/>
+                                        </p:tgtEl>
+                                        <p:attrNameLst>
+                                          <p:attrName>style.visibility</p:attrName>
+                                        </p:attrNameLst>
+                                      </p:cBhvr>
+                                      <p:to>
+                                        <p:strVal val="visible"/>
+                                      </p:to>
+                                    </p:set>
+                                  </p:childTnLst>
+                                </p:cTn>
+                              </p:par>
+                              <p:par>
+                                <p:cTn id="13" presetID="1" presetClass="entr" presetSubtype="0" fill="hold" grpId="0" nodeType="withEffect">
+                                  <p:stCondLst>
+                                    <p:cond delay="0"/>
+                                  </p:stCondLst>
+                                  <p:childTnLst>
+                                    <p:set>
+                                      <p:cBhvr>
+                                        <p:cTn id="14" dur="1" fill="hold">
+                                          <p:stCondLst>
+                                            <p:cond delay="0"/>
+                                          </p:stCondLst>
+                                        </p:cTn>
+                                        <p:tgtEl>
+                                          <p:spTgt spid="11"/>
+                                        </p:tgtEl>
+                                        <p:attrNameLst>
+                                          <p:attrName>style.visibility</p:attrName>
+                                        </p:attrNameLst>
+                                      </p:cBhvr>
+                                      <p:to>
+                                        <p:strVal val="visible"/>
+                                      </p:to>
+                                    </p:set>
+                                  </p:childTnLst>
+                                </p:cTn>
+                              </p:par>
+                              <p:par>
+                                <p:cTn id="15" presetID="1" presetClass="entr" presetSubtype="0" fill="hold" grpId="0" nodeType="withEffect">
+                                  <p:stCondLst>
+                                    <p:cond delay="0"/>
+                                  </p:stCondLst>
+                                  <p:childTnLst>
+                                    <p:set>
+                                      <p:cBhvr>
+                                        <p:cTn id="16" dur="1" fill="hold">
+                                          <p:stCondLst>
+                                            <p:cond delay="0"/>
+                                          </p:stCondLst>
+                                        </p:cTn>
+                                        <p:tgtEl>
+                                          <p:spTgt spid="12"/>
+                                        </p:tgtEl>
+                                        <p:attrNameLst>
+                                          <p:attrName>style.visibility</p:attrName>
+                                        </p:attrNameLst>
+                                      </p:cBhvr>
+                                      <p:to>
+                                        <p:strVal val="visible"/>
+                                      </p:to>
+                                    </p:set>
+                                  </p:childTnLst>
+                                </p:cTn>
+                              </p:par>
+                            </p:childTnLst>
+                          </p:cTn>
+                        </p:par>
+                      </p:childTnLst>
+                    </p:cTn>
+                  </p:par>
+                </p:childTnLst>
+              </p:cTn>
+              <p:prevCondLst>
+                <p:cond evt="onPrev" delay="0">
+                  <p:tgtEl>
+                    <p:sldTgt/>
+                  </p:tgtEl>
+                </p:cond>
+              </p:prevCondLst>
+              <p:nextCondLst>
+                <p:cond evt="onNext" delay="0">
+                  <p:tgtEl>
+                    <p:sldTgt/>
+                  </p:tgtEl>
+                </p:cond>
+              </p:nextCondLst>
+            </p:seq>
+          </p:childTnLst>
+        </p:cTn>
+      </p:par>
+    </p:tnLst>
+    <p:bldLst>
+      <p:bldP spid="7" grpId="0"/>
+      <p:bldP spid="8" grpId="0" animBg="1"/>
+      <p:bldP spid="9" grpId="0" animBg="1"/>
+      <p:bldP spid="11" grpId="0" animBg="1"/>
+      <p:bldP spid="12" grpId="0" animBg="1"/>
+    </p:bldLst>
+  </p:timing>
 </p:sld>
 </file>
 
@@ -6614,7 +10501,7 @@
           <p:cNvPr id="2" name="Title 1">
             <a:extLst>
               <a:ext uri="{FF2B5EF4-FFF2-40B4-BE49-F238E27FC236}">
-                <a16:creationId xmlns:a16="http://schemas.microsoft.com/office/drawing/2014/main" id="{1DA5C9D6-4D1F-C043-A04C-DE7EF15872E8}"/>
+                <a16:creationId xmlns:a16="http://schemas.microsoft.com/office/drawing/2014/main" id="{E8B5F728-CAF4-7D47-BE11-A6A1F5796EFF}"/>
               </a:ext>
             </a:extLst>
           </p:cNvPr>
@@ -6627,19 +10514,24 @@
         </p:nvSpPr>
         <p:spPr/>
         <p:txBody>
-          <a:bodyPr/>
-          <a:lstStyle/>
-          <a:p>
-            <a:endParaRPr lang="en-AT"/>
+          <a:bodyPr>
+            <a:normAutofit/>
+          </a:bodyPr>
+          <a:lstStyle/>
+          <a:p>
+            <a:r>
+              <a:rPr lang="en-AT" sz="3200" dirty="0"/>
+              <a:t>90% of patients show ≤ 12 metastatic sites</a:t>
+            </a:r>
           </a:p>
         </p:txBody>
       </p:sp>
       <p:pic>
         <p:nvPicPr>
-          <p:cNvPr id="6" name="Content Placeholder 5">
-            <a:extLst>
-              <a:ext uri="{FF2B5EF4-FFF2-40B4-BE49-F238E27FC236}">
-                <a16:creationId xmlns:a16="http://schemas.microsoft.com/office/drawing/2014/main" id="{CBC98EF3-AFBD-6E44-BEED-ED89BDFBEE41}"/>
+          <p:cNvPr id="4" name="Content Placeholder 3">
+            <a:extLst>
+              <a:ext uri="{FF2B5EF4-FFF2-40B4-BE49-F238E27FC236}">
+                <a16:creationId xmlns:a16="http://schemas.microsoft.com/office/drawing/2014/main" id="{1081CF2E-DD8F-1C48-AE82-5CC81D960967}"/>
               </a:ext>
             </a:extLst>
           </p:cNvPr>
@@ -6650,60 +10542,57 @@
             <p:ph idx="1"/>
           </p:nvPr>
         </p:nvPicPr>
+        <p:blipFill rotWithShape="1">
+          <a:blip r:embed="rId2"/>
+          <a:srcRect t="4966" r="7143"/>
+          <a:stretch/>
+        </p:blipFill>
+        <p:spPr>
+          <a:xfrm>
+            <a:off x="665922" y="2361358"/>
+            <a:ext cx="6595478" cy="3420507"/>
+          </a:xfrm>
+          <a:prstGeom prst="rect">
+            <a:avLst/>
+          </a:prstGeom>
+        </p:spPr>
+      </p:pic>
+      <p:pic>
+        <p:nvPicPr>
+          <p:cNvPr id="6" name="Picture 5">
+            <a:extLst>
+              <a:ext uri="{FF2B5EF4-FFF2-40B4-BE49-F238E27FC236}">
+                <a16:creationId xmlns:a16="http://schemas.microsoft.com/office/drawing/2014/main" id="{37C921CC-4943-8949-A9BF-814CE6D6A7C3}"/>
+              </a:ext>
+            </a:extLst>
+          </p:cNvPr>
+          <p:cNvPicPr>
+            <a:picLocks noChangeAspect="1"/>
+          </p:cNvPicPr>
+          <p:nvPr/>
+        </p:nvPicPr>
         <p:blipFill>
-          <a:blip r:embed="rId2"/>
+          <a:blip r:embed="rId3"/>
           <a:stretch>
             <a:fillRect/>
           </a:stretch>
         </p:blipFill>
         <p:spPr>
           <a:xfrm>
-            <a:off x="673099" y="2062004"/>
-            <a:ext cx="7553959" cy="3824446"/>
-          </a:xfrm>
-        </p:spPr>
-      </p:pic>
-      <p:sp>
-        <p:nvSpPr>
-          <p:cNvPr id="7" name="TextBox 6">
-            <a:extLst>
-              <a:ext uri="{FF2B5EF4-FFF2-40B4-BE49-F238E27FC236}">
-                <a16:creationId xmlns:a16="http://schemas.microsoft.com/office/drawing/2014/main" id="{4EAD6EB0-C499-B242-9B38-BF58F5785377}"/>
-              </a:ext>
-            </a:extLst>
-          </p:cNvPr>
-          <p:cNvSpPr txBox="1"/>
-          <p:nvPr/>
-        </p:nvSpPr>
-        <p:spPr>
-          <a:xfrm>
-            <a:off x="2148840" y="6092190"/>
-            <a:ext cx="2065245" cy="369332"/>
+            <a:off x="7354165" y="3076918"/>
+            <a:ext cx="4664764" cy="2363815"/>
           </a:xfrm>
           <a:prstGeom prst="rect">
             <a:avLst/>
           </a:prstGeom>
-          <a:noFill/>
         </p:spPr>
-        <p:txBody>
-          <a:bodyPr wrap="none" rtlCol="0">
-            <a:spAutoFit/>
-          </a:bodyPr>
-          <a:lstStyle/>
-          <a:p>
-            <a:r>
-              <a:rPr lang="en-AT" dirty="0"/>
-              <a:t>First metastatic site:</a:t>
-            </a:r>
-          </a:p>
-        </p:txBody>
-      </p:sp>
-      <p:sp>
-        <p:nvSpPr>
-          <p:cNvPr id="8" name="TextBox 7">
-            <a:extLst>
-              <a:ext uri="{FF2B5EF4-FFF2-40B4-BE49-F238E27FC236}">
-                <a16:creationId xmlns:a16="http://schemas.microsoft.com/office/drawing/2014/main" id="{115DD9EA-DA84-FB4B-A3F0-442DA0BC4806}"/>
+      </p:pic>
+      <p:sp>
+        <p:nvSpPr>
+          <p:cNvPr id="7" name="TextBox 6">
+            <a:extLst>
+              <a:ext uri="{FF2B5EF4-FFF2-40B4-BE49-F238E27FC236}">
+                <a16:creationId xmlns:a16="http://schemas.microsoft.com/office/drawing/2014/main" id="{0C74BBDC-4BE5-D54B-BD6F-6DD3F1931C38}"/>
               </a:ext>
             </a:extLst>
           </p:cNvPr>
@@ -6713,7 +10602,7 @@
         <p:spPr>
           <a:xfrm>
             <a:off x="153350" y="68813"/>
-            <a:ext cx="7933134" cy="369332"/>
+            <a:ext cx="7823552" cy="369332"/>
           </a:xfrm>
           <a:prstGeom prst="rect">
             <a:avLst/>
@@ -6734,77 +10623,7 @@
                   </a:schemeClr>
                 </a:solidFill>
               </a:rPr>
-              <a:t>Results I: Bone(s) are among the first organ(s) were metastatic lesions are detected</a:t>
-            </a:r>
-          </a:p>
-        </p:txBody>
-      </p:sp>
-      <p:sp>
-        <p:nvSpPr>
-          <p:cNvPr id="9" name="TextBox 8">
-            <a:extLst>
-              <a:ext uri="{FF2B5EF4-FFF2-40B4-BE49-F238E27FC236}">
-                <a16:creationId xmlns:a16="http://schemas.microsoft.com/office/drawing/2014/main" id="{AE6B94DA-1B9C-BC40-9482-08E9EB3E2BFB}"/>
-              </a:ext>
-            </a:extLst>
-          </p:cNvPr>
-          <p:cNvSpPr txBox="1"/>
-          <p:nvPr/>
-        </p:nvSpPr>
-        <p:spPr>
-          <a:xfrm>
-            <a:off x="2765322" y="1987000"/>
-            <a:ext cx="832279" cy="369332"/>
-          </a:xfrm>
-          <a:prstGeom prst="rect">
-            <a:avLst/>
-          </a:prstGeom>
-          <a:noFill/>
-        </p:spPr>
-        <p:txBody>
-          <a:bodyPr wrap="none" rtlCol="0">
-            <a:spAutoFit/>
-          </a:bodyPr>
-          <a:lstStyle/>
-          <a:p>
-            <a:r>
-              <a:rPr lang="en-AT" b="1" dirty="0"/>
-              <a:t>Rank 1</a:t>
-            </a:r>
-          </a:p>
-        </p:txBody>
-      </p:sp>
-      <p:sp>
-        <p:nvSpPr>
-          <p:cNvPr id="10" name="TextBox 9">
-            <a:extLst>
-              <a:ext uri="{FF2B5EF4-FFF2-40B4-BE49-F238E27FC236}">
-                <a16:creationId xmlns:a16="http://schemas.microsoft.com/office/drawing/2014/main" id="{357CAFA1-1921-194A-8ECF-C356964E9198}"/>
-              </a:ext>
-            </a:extLst>
-          </p:cNvPr>
-          <p:cNvSpPr txBox="1"/>
-          <p:nvPr/>
-        </p:nvSpPr>
-        <p:spPr>
-          <a:xfrm>
-            <a:off x="7615452" y="1987000"/>
-            <a:ext cx="1693092" cy="369332"/>
-          </a:xfrm>
-          <a:prstGeom prst="rect">
-            <a:avLst/>
-          </a:prstGeom>
-          <a:noFill/>
-        </p:spPr>
-        <p:txBody>
-          <a:bodyPr wrap="none" rtlCol="0">
-            <a:spAutoFit/>
-          </a:bodyPr>
-          <a:lstStyle/>
-          <a:p>
-            <a:r>
-              <a:rPr lang="en-AT" b="1" dirty="0"/>
-              <a:t>Rank ∈ {1 … 12}</a:t>
+              <a:t>I used prostate since there is a lot of literature on metastatic dissemation patterns</a:t>
             </a:r>
           </a:p>
         </p:txBody>
@@ -6812,7 +10631,7 @@
     </p:spTree>
     <p:extLst>
       <p:ext uri="{BB962C8B-B14F-4D97-AF65-F5344CB8AC3E}">
-        <p14:creationId xmlns:p14="http://schemas.microsoft.com/office/powerpoint/2010/main" val="4184583875"/>
+        <p14:creationId xmlns:p14="http://schemas.microsoft.com/office/powerpoint/2010/main" val="3326432559"/>
       </p:ext>
     </p:extLst>
   </p:cSld>
@@ -6844,7 +10663,7 @@
           <p:cNvPr id="2" name="Title 1">
             <a:extLst>
               <a:ext uri="{FF2B5EF4-FFF2-40B4-BE49-F238E27FC236}">
-                <a16:creationId xmlns:a16="http://schemas.microsoft.com/office/drawing/2014/main" id="{CDC62E55-C2D7-5149-9A22-60CC71F536DB}"/>
+                <a16:creationId xmlns:a16="http://schemas.microsoft.com/office/drawing/2014/main" id="{1DA5C9D6-4D1F-C043-A04C-DE7EF15872E8}"/>
               </a:ext>
             </a:extLst>
           </p:cNvPr>
@@ -6864,7 +10683,207 @@
           <a:p>
             <a:r>
               <a:rPr lang="en-AT" sz="3200" dirty="0"/>
-              <a:t>The highest likelihood to detect the first metastatic site is at regional_lymph node, other or bone (cannot be discriminated)</a:t>
+              <a:t>Bone(s) are among the first organ(s) were metastatic lesions are detected</a:t>
+            </a:r>
+          </a:p>
+        </p:txBody>
+      </p:sp>
+      <p:pic>
+        <p:nvPicPr>
+          <p:cNvPr id="6" name="Content Placeholder 5">
+            <a:extLst>
+              <a:ext uri="{FF2B5EF4-FFF2-40B4-BE49-F238E27FC236}">
+                <a16:creationId xmlns:a16="http://schemas.microsoft.com/office/drawing/2014/main" id="{CBC98EF3-AFBD-6E44-BEED-ED89BDFBEE41}"/>
+              </a:ext>
+            </a:extLst>
+          </p:cNvPr>
+          <p:cNvPicPr>
+            <a:picLocks noGrp="1" noChangeAspect="1"/>
+          </p:cNvPicPr>
+          <p:nvPr>
+            <p:ph idx="1"/>
+          </p:nvPr>
+        </p:nvPicPr>
+        <p:blipFill>
+          <a:blip r:embed="rId2"/>
+          <a:stretch>
+            <a:fillRect/>
+          </a:stretch>
+        </p:blipFill>
+        <p:spPr>
+          <a:xfrm>
+            <a:off x="764949" y="2171666"/>
+            <a:ext cx="7553959" cy="3824446"/>
+          </a:xfrm>
+        </p:spPr>
+      </p:pic>
+      <p:sp>
+        <p:nvSpPr>
+          <p:cNvPr id="8" name="TextBox 7">
+            <a:extLst>
+              <a:ext uri="{FF2B5EF4-FFF2-40B4-BE49-F238E27FC236}">
+                <a16:creationId xmlns:a16="http://schemas.microsoft.com/office/drawing/2014/main" id="{115DD9EA-DA84-FB4B-A3F0-442DA0BC4806}"/>
+              </a:ext>
+            </a:extLst>
+          </p:cNvPr>
+          <p:cNvSpPr txBox="1"/>
+          <p:nvPr/>
+        </p:nvSpPr>
+        <p:spPr>
+          <a:xfrm>
+            <a:off x="153350" y="68813"/>
+            <a:ext cx="7533344" cy="369332"/>
+          </a:xfrm>
+          <a:prstGeom prst="rect">
+            <a:avLst/>
+          </a:prstGeom>
+          <a:noFill/>
+        </p:spPr>
+        <p:txBody>
+          <a:bodyPr wrap="none" rtlCol="0">
+            <a:spAutoFit/>
+          </a:bodyPr>
+          <a:lstStyle/>
+          <a:p>
+            <a:r>
+              <a:rPr lang="en-AT" i="1" dirty="0">
+                <a:solidFill>
+                  <a:schemeClr val="bg1">
+                    <a:lumMod val="50000"/>
+                  </a:schemeClr>
+                </a:solidFill>
+              </a:rPr>
+              <a:t>Result I: Rank 1 = first site detected; we could do the same thing for every ’rank’</a:t>
+            </a:r>
+          </a:p>
+        </p:txBody>
+      </p:sp>
+      <p:sp>
+        <p:nvSpPr>
+          <p:cNvPr id="9" name="TextBox 8">
+            <a:extLst>
+              <a:ext uri="{FF2B5EF4-FFF2-40B4-BE49-F238E27FC236}">
+                <a16:creationId xmlns:a16="http://schemas.microsoft.com/office/drawing/2014/main" id="{AE6B94DA-1B9C-BC40-9482-08E9EB3E2BFB}"/>
+              </a:ext>
+            </a:extLst>
+          </p:cNvPr>
+          <p:cNvSpPr txBox="1"/>
+          <p:nvPr/>
+        </p:nvSpPr>
+        <p:spPr>
+          <a:xfrm>
+            <a:off x="3087743" y="2171666"/>
+            <a:ext cx="832279" cy="369332"/>
+          </a:xfrm>
+          <a:prstGeom prst="rect">
+            <a:avLst/>
+          </a:prstGeom>
+          <a:noFill/>
+        </p:spPr>
+        <p:txBody>
+          <a:bodyPr wrap="none" rtlCol="0">
+            <a:spAutoFit/>
+          </a:bodyPr>
+          <a:lstStyle/>
+          <a:p>
+            <a:r>
+              <a:rPr lang="en-AT" b="1" dirty="0"/>
+              <a:t>Rank 1</a:t>
+            </a:r>
+          </a:p>
+        </p:txBody>
+      </p:sp>
+      <p:sp>
+        <p:nvSpPr>
+          <p:cNvPr id="10" name="TextBox 9">
+            <a:extLst>
+              <a:ext uri="{FF2B5EF4-FFF2-40B4-BE49-F238E27FC236}">
+                <a16:creationId xmlns:a16="http://schemas.microsoft.com/office/drawing/2014/main" id="{357CAFA1-1921-194A-8ECF-C356964E9198}"/>
+              </a:ext>
+            </a:extLst>
+          </p:cNvPr>
+          <p:cNvSpPr txBox="1"/>
+          <p:nvPr/>
+        </p:nvSpPr>
+        <p:spPr>
+          <a:xfrm>
+            <a:off x="8318908" y="2169111"/>
+            <a:ext cx="1693092" cy="369332"/>
+          </a:xfrm>
+          <a:prstGeom prst="rect">
+            <a:avLst/>
+          </a:prstGeom>
+          <a:noFill/>
+        </p:spPr>
+        <p:txBody>
+          <a:bodyPr wrap="none" rtlCol="0">
+            <a:spAutoFit/>
+          </a:bodyPr>
+          <a:lstStyle/>
+          <a:p>
+            <a:r>
+              <a:rPr lang="en-AT" b="1" dirty="0"/>
+              <a:t>Rank ∈ {1 … 12}</a:t>
+            </a:r>
+          </a:p>
+        </p:txBody>
+      </p:sp>
+    </p:spTree>
+    <p:extLst>
+      <p:ext uri="{BB962C8B-B14F-4D97-AF65-F5344CB8AC3E}">
+        <p14:creationId xmlns:p14="http://schemas.microsoft.com/office/powerpoint/2010/main" val="4184583875"/>
+      </p:ext>
+    </p:extLst>
+  </p:cSld>
+  <p:clrMapOvr>
+    <a:masterClrMapping/>
+  </p:clrMapOvr>
+</p:sld>
+</file>
+
+<file path=ppt/slides/slide8.xml><?xml version="1.0" encoding="utf-8"?>
+<p:sld xmlns:a="http://schemas.openxmlformats.org/drawingml/2006/main" xmlns:r="http://schemas.openxmlformats.org/officeDocument/2006/relationships" xmlns:p="http://schemas.openxmlformats.org/presentationml/2006/main">
+  <p:cSld>
+    <p:spTree>
+      <p:nvGrpSpPr>
+        <p:cNvPr id="1" name=""/>
+        <p:cNvGrpSpPr/>
+        <p:nvPr/>
+      </p:nvGrpSpPr>
+      <p:grpSpPr>
+        <a:xfrm>
+          <a:off x="0" y="0"/>
+          <a:ext cx="0" cy="0"/>
+          <a:chOff x="0" y="0"/>
+          <a:chExt cx="0" cy="0"/>
+        </a:xfrm>
+      </p:grpSpPr>
+      <p:sp>
+        <p:nvSpPr>
+          <p:cNvPr id="2" name="Title 1">
+            <a:extLst>
+              <a:ext uri="{FF2B5EF4-FFF2-40B4-BE49-F238E27FC236}">
+                <a16:creationId xmlns:a16="http://schemas.microsoft.com/office/drawing/2014/main" id="{CDC62E55-C2D7-5149-9A22-60CC71F536DB}"/>
+              </a:ext>
+            </a:extLst>
+          </p:cNvPr>
+          <p:cNvSpPr>
+            <a:spLocks noGrp="1"/>
+          </p:cNvSpPr>
+          <p:nvPr>
+            <p:ph type="title"/>
+          </p:nvPr>
+        </p:nvSpPr>
+        <p:spPr/>
+        <p:txBody>
+          <a:bodyPr>
+            <a:normAutofit/>
+          </a:bodyPr>
+          <a:lstStyle/>
+          <a:p>
+            <a:r>
+              <a:rPr lang="en-AT" sz="3200" dirty="0"/>
+              <a:t>There is strong statistical evidence that bone and ‘other’ are the first organ sites were metastasis are found</a:t>
             </a:r>
           </a:p>
         </p:txBody>
@@ -7227,7 +11246,7 @@
         </p:blipFill>
         <p:spPr>
           <a:xfrm>
-            <a:off x="3861251" y="3206594"/>
+            <a:off x="3190506" y="2818289"/>
             <a:ext cx="6946334" cy="2806399"/>
           </a:xfrm>
           <a:prstGeom prst="rect">
@@ -7249,8 +11268,8 @@
         </p:nvSpPr>
         <p:spPr>
           <a:xfrm>
-            <a:off x="4686300" y="3794760"/>
-            <a:ext cx="857250" cy="257260"/>
+            <a:off x="4316122" y="3406455"/>
+            <a:ext cx="497052" cy="257260"/>
           </a:xfrm>
           <a:prstGeom prst="ellipse">
             <a:avLst/>
@@ -7301,7 +11320,7 @@
         </p:nvSpPr>
         <p:spPr>
           <a:xfrm>
-            <a:off x="5513070" y="3979426"/>
+            <a:off x="4842325" y="3591121"/>
             <a:ext cx="281940" cy="257260"/>
           </a:xfrm>
           <a:prstGeom prst="ellipse">
@@ -7355,7 +11374,7 @@
         </p:nvSpPr>
         <p:spPr>
           <a:xfrm>
-            <a:off x="5814060" y="3850796"/>
+            <a:off x="5143315" y="3462491"/>
             <a:ext cx="281940" cy="257260"/>
           </a:xfrm>
           <a:prstGeom prst="ellipse">
@@ -7407,7 +11426,7 @@
         </p:nvSpPr>
         <p:spPr>
           <a:xfrm>
-            <a:off x="6125152" y="3979426"/>
+            <a:off x="5454407" y="3591121"/>
             <a:ext cx="541614" cy="432554"/>
           </a:xfrm>
           <a:prstGeom prst="ellipse">
@@ -7647,7 +11666,7 @@
 </p:sld>
 </file>
 
-<file path=ppt/slides/slide8.xml><?xml version="1.0" encoding="utf-8"?>
+<file path=ppt/slides/slide9.xml><?xml version="1.0" encoding="utf-8"?>
 <p:sld xmlns:a="http://schemas.openxmlformats.org/drawingml/2006/main" xmlns:r="http://schemas.openxmlformats.org/officeDocument/2006/relationships" xmlns:p="http://schemas.openxmlformats.org/presentationml/2006/main">
   <p:cSld>
     <p:spTree>
@@ -8637,195 +12656,6 @@
     <p:extLst>
       <p:ext uri="{BB962C8B-B14F-4D97-AF65-F5344CB8AC3E}">
         <p14:creationId xmlns:p14="http://schemas.microsoft.com/office/powerpoint/2010/main" val="1013522825"/>
-      </p:ext>
-    </p:extLst>
-  </p:cSld>
-  <p:clrMapOvr>
-    <a:masterClrMapping/>
-  </p:clrMapOvr>
-</p:sld>
-</file>
-
-<file path=ppt/slides/slide9.xml><?xml version="1.0" encoding="utf-8"?>
-<p:sld xmlns:a="http://schemas.openxmlformats.org/drawingml/2006/main" xmlns:r="http://schemas.openxmlformats.org/officeDocument/2006/relationships" xmlns:p="http://schemas.openxmlformats.org/presentationml/2006/main">
-  <p:cSld>
-    <p:spTree>
-      <p:nvGrpSpPr>
-        <p:cNvPr id="1" name=""/>
-        <p:cNvGrpSpPr/>
-        <p:nvPr/>
-      </p:nvGrpSpPr>
-      <p:grpSpPr>
-        <a:xfrm>
-          <a:off x="0" y="0"/>
-          <a:ext cx="0" cy="0"/>
-          <a:chOff x="0" y="0"/>
-          <a:chExt cx="0" cy="0"/>
-        </a:xfrm>
-      </p:grpSpPr>
-      <p:sp>
-        <p:nvSpPr>
-          <p:cNvPr id="2" name="Title 1">
-            <a:extLst>
-              <a:ext uri="{FF2B5EF4-FFF2-40B4-BE49-F238E27FC236}">
-                <a16:creationId xmlns:a16="http://schemas.microsoft.com/office/drawing/2014/main" id="{FE1F5090-9D47-EF43-8D11-32960E5BA4A4}"/>
-              </a:ext>
-            </a:extLst>
-          </p:cNvPr>
-          <p:cNvSpPr>
-            <a:spLocks noGrp="1"/>
-          </p:cNvSpPr>
-          <p:nvPr>
-            <p:ph type="title"/>
-          </p:nvPr>
-        </p:nvSpPr>
-        <p:spPr/>
-        <p:txBody>
-          <a:bodyPr/>
-          <a:lstStyle/>
-          <a:p>
-            <a:r>
-              <a:rPr lang="en-AT" dirty="0"/>
-              <a:t>Limitations</a:t>
-            </a:r>
-          </a:p>
-        </p:txBody>
-      </p:sp>
-      <p:sp>
-        <p:nvSpPr>
-          <p:cNvPr id="3" name="Content Placeholder 2">
-            <a:extLst>
-              <a:ext uri="{FF2B5EF4-FFF2-40B4-BE49-F238E27FC236}">
-                <a16:creationId xmlns:a16="http://schemas.microsoft.com/office/drawing/2014/main" id="{BEA26259-0633-A043-B13A-6C789BC1C014}"/>
-              </a:ext>
-            </a:extLst>
-          </p:cNvPr>
-          <p:cNvSpPr>
-            <a:spLocks noGrp="1"/>
-          </p:cNvSpPr>
-          <p:nvPr>
-            <p:ph idx="1"/>
-          </p:nvPr>
-        </p:nvSpPr>
-        <p:spPr/>
-        <p:txBody>
-          <a:bodyPr/>
-          <a:lstStyle/>
-          <a:p>
-            <a:pPr>
-              <a:buFont typeface="System Font Regular"/>
-              <a:buChar char="-"/>
-            </a:pPr>
-            <a:r>
-              <a:rPr lang="en-AT" dirty="0"/>
-              <a:t>Reference group needed for statistical inference</a:t>
-            </a:r>
-          </a:p>
-          <a:p>
-            <a:pPr>
-              <a:buFont typeface="System Font Regular"/>
-              <a:buChar char="-"/>
-            </a:pPr>
-            <a:r>
-              <a:rPr lang="en-AT" dirty="0"/>
-              <a:t>Ties (two organ sites at the same time) are not supported</a:t>
-            </a:r>
-          </a:p>
-          <a:p>
-            <a:pPr>
-              <a:buFont typeface="System Font Regular"/>
-              <a:buChar char="-"/>
-            </a:pPr>
-            <a:r>
-              <a:rPr lang="en-AT" dirty="0"/>
-              <a:t>Qualitative measure (time agnostic)</a:t>
-            </a:r>
-          </a:p>
-          <a:p>
-            <a:pPr>
-              <a:buFont typeface="System Font Regular"/>
-              <a:buChar char="-"/>
-            </a:pPr>
-            <a:endParaRPr lang="en-AT" b="1" dirty="0"/>
-          </a:p>
-          <a:p>
-            <a:pPr>
-              <a:buFont typeface="System Font Regular"/>
-              <a:buChar char="±"/>
-            </a:pPr>
-            <a:r>
-              <a:rPr lang="en-AT" dirty="0"/>
-              <a:t>BradleyTerry model propose a </a:t>
-            </a:r>
-            <a:r>
-              <a:rPr lang="en-AT" b="1" dirty="0"/>
-              <a:t>point estimate </a:t>
-            </a:r>
-            <a:r>
-              <a:rPr lang="en-AT" dirty="0"/>
-              <a:t>in time</a:t>
-            </a:r>
-          </a:p>
-          <a:p>
-            <a:pPr marL="0" indent="0">
-              <a:buNone/>
-            </a:pPr>
-            <a:endParaRPr lang="en-AT" b="1" dirty="0"/>
-          </a:p>
-          <a:p>
-            <a:pPr>
-              <a:buFont typeface="System Font Regular"/>
-              <a:buChar char="+"/>
-            </a:pPr>
-            <a:r>
-              <a:rPr lang="en-AT" dirty="0"/>
-              <a:t>BT model estimates recapitualte ‘simple’ observations </a:t>
-            </a:r>
-          </a:p>
-          <a:p>
-            <a:pPr>
-              <a:buFont typeface="System Font Regular"/>
-              <a:buChar char="+"/>
-            </a:pPr>
-            <a:r>
-              <a:rPr lang="en-AT" dirty="0"/>
-              <a:t>Straightforward in interpretation</a:t>
-            </a:r>
-          </a:p>
-          <a:p>
-            <a:pPr>
-              <a:buFont typeface="System Font Regular"/>
-              <a:buChar char="+"/>
-            </a:pPr>
-            <a:endParaRPr lang="en-AT" dirty="0"/>
-          </a:p>
-          <a:p>
-            <a:pPr>
-              <a:buFont typeface="System Font Regular"/>
-              <a:buChar char="+"/>
-            </a:pPr>
-            <a:endParaRPr lang="en-AT" dirty="0"/>
-          </a:p>
-          <a:p>
-            <a:pPr>
-              <a:buFont typeface="System Font Regular"/>
-              <a:buChar char="-"/>
-            </a:pPr>
-            <a:endParaRPr lang="en-AT" dirty="0"/>
-          </a:p>
-          <a:p>
-            <a:pPr>
-              <a:buFont typeface="System Font Regular"/>
-              <a:buChar char="-"/>
-            </a:pPr>
-            <a:endParaRPr lang="en-AT" dirty="0"/>
-          </a:p>
-        </p:txBody>
-      </p:sp>
-    </p:spTree>
-    <p:extLst>
-      <p:ext uri="{BB962C8B-B14F-4D97-AF65-F5344CB8AC3E}">
-        <p14:creationId xmlns:p14="http://schemas.microsoft.com/office/powerpoint/2010/main" val="3307899395"/>
       </p:ext>
     </p:extLst>
   </p:cSld>
